--- a/enhancing-excel-free-generative-ai.pptx
+++ b/enhancing-excel-free-generative-ai.pptx
@@ -5,7 +5,7 @@
     <p:sldMasterId id="2147483648" r:id="rId1"/>
   </p:sldMasterIdLst>
   <p:notesMasterIdLst>
-    <p:notesMasterId r:id="rId21"/>
+    <p:notesMasterId r:id="rId29"/>
   </p:notesMasterIdLst>
   <p:sldIdLst>
     <p:sldId id="426" r:id="rId2"/>
@@ -20,23 +20,31 @@
     <p:sldId id="396" r:id="rId11"/>
     <p:sldId id="397" r:id="rId12"/>
     <p:sldId id="398" r:id="rId13"/>
-    <p:sldId id="387" r:id="rId14"/>
-    <p:sldId id="365" r:id="rId15"/>
-    <p:sldId id="399" r:id="rId16"/>
-    <p:sldId id="429" r:id="rId17"/>
-    <p:sldId id="400" r:id="rId18"/>
-    <p:sldId id="401" r:id="rId19"/>
-    <p:sldId id="428" r:id="rId20"/>
+    <p:sldId id="430" r:id="rId14"/>
+    <p:sldId id="431" r:id="rId15"/>
+    <p:sldId id="432" r:id="rId16"/>
+    <p:sldId id="433" r:id="rId17"/>
+    <p:sldId id="434" r:id="rId18"/>
+    <p:sldId id="435" r:id="rId19"/>
+    <p:sldId id="436" r:id="rId20"/>
+    <p:sldId id="437" r:id="rId21"/>
+    <p:sldId id="387" r:id="rId22"/>
+    <p:sldId id="365" r:id="rId23"/>
+    <p:sldId id="399" r:id="rId24"/>
+    <p:sldId id="429" r:id="rId25"/>
+    <p:sldId id="400" r:id="rId26"/>
+    <p:sldId id="401" r:id="rId27"/>
+    <p:sldId id="428" r:id="rId28"/>
   </p:sldIdLst>
   <p:sldSz cx="18288000" cy="10287000"/>
   <p:notesSz cx="6858000" cy="9144000"/>
   <p:embeddedFontLst>
     <p:embeddedFont>
       <p:font typeface="Consolas" panose="020B0609020204030204" pitchFamily="49" charset="0"/>
-      <p:regular r:id="rId22"/>
-      <p:bold r:id="rId23"/>
-      <p:italic r:id="rId24"/>
-      <p:boldItalic r:id="rId25"/>
+      <p:regular r:id="rId30"/>
+      <p:bold r:id="rId31"/>
+      <p:italic r:id="rId32"/>
+      <p:boldItalic r:id="rId33"/>
     </p:embeddedFont>
   </p:embeddedFontLst>
   <p:defaultTextStyle>
@@ -604,6 +612,882 @@
 </p:notes>
 </file>
 
+<file path=ppt/notesSlides/notesSlide10.xml><?xml version="1.0" encoding="utf-8"?>
+<p:notes xmlns:a="http://schemas.openxmlformats.org/drawingml/2006/main" xmlns:r="http://schemas.openxmlformats.org/officeDocument/2006/relationships" xmlns:p="http://schemas.openxmlformats.org/presentationml/2006/main">
+  <p:cSld>
+    <p:spTree>
+      <p:nvGrpSpPr>
+        <p:cNvPr id="1" name="">
+          <a:extLst>
+            <a:ext uri="{FF2B5EF4-FFF2-40B4-BE49-F238E27FC236}">
+              <a16:creationId xmlns:a16="http://schemas.microsoft.com/office/drawing/2014/main" id="{F4E53A57-6D8B-EFDA-8B00-66DA167A85F3}"/>
+            </a:ext>
+          </a:extLst>
+        </p:cNvPr>
+        <p:cNvGrpSpPr/>
+        <p:nvPr/>
+      </p:nvGrpSpPr>
+      <p:grpSpPr>
+        <a:xfrm>
+          <a:off x="0" y="0"/>
+          <a:ext cx="0" cy="0"/>
+          <a:chOff x="0" y="0"/>
+          <a:chExt cx="0" cy="0"/>
+        </a:xfrm>
+      </p:grpSpPr>
+      <p:sp>
+        <p:nvSpPr>
+          <p:cNvPr id="2" name="Slide Image Placeholder 1">
+            <a:extLst>
+              <a:ext uri="{FF2B5EF4-FFF2-40B4-BE49-F238E27FC236}">
+                <a16:creationId xmlns:a16="http://schemas.microsoft.com/office/drawing/2014/main" id="{EDFBBF98-10B9-2D98-CE42-268D34C36940}"/>
+              </a:ext>
+            </a:extLst>
+          </p:cNvPr>
+          <p:cNvSpPr>
+            <a:spLocks noGrp="1" noRot="1" noChangeAspect="1"/>
+          </p:cNvSpPr>
+          <p:nvPr>
+            <p:ph type="sldImg"/>
+          </p:nvPr>
+        </p:nvSpPr>
+        <p:spPr/>
+      </p:sp>
+      <p:sp>
+        <p:nvSpPr>
+          <p:cNvPr id="3" name="Notes Placeholder 2">
+            <a:extLst>
+              <a:ext uri="{FF2B5EF4-FFF2-40B4-BE49-F238E27FC236}">
+                <a16:creationId xmlns:a16="http://schemas.microsoft.com/office/drawing/2014/main" id="{630A36A4-64BF-7E7C-5980-1FAA676281A2}"/>
+              </a:ext>
+            </a:extLst>
+          </p:cNvPr>
+          <p:cNvSpPr>
+            <a:spLocks noGrp="1"/>
+          </p:cNvSpPr>
+          <p:nvPr>
+            <p:ph type="body" idx="1"/>
+          </p:nvPr>
+        </p:nvSpPr>
+        <p:spPr/>
+        <p:txBody>
+          <a:bodyPr/>
+          <a:lstStyle/>
+          <a:p>
+            <a:pPr marL="228600" indent="-228600">
+              <a:buAutoNum type="arabicPeriod"/>
+            </a:pPr>
+            <a:r>
+              <a:rPr lang="en-US" dirty="0"/>
+              <a:t>False!</a:t>
+            </a:r>
+          </a:p>
+          <a:p>
+            <a:pPr marL="228600" indent="-228600">
+              <a:buAutoNum type="arabicPeriod"/>
+            </a:pPr>
+            <a:r>
+              <a:rPr lang="en-US" dirty="0"/>
+              <a:t>Function, Formula, Function</a:t>
+            </a:r>
+          </a:p>
+          <a:p>
+            <a:pPr marL="228600" indent="-228600">
+              <a:buAutoNum type="arabicPeriod"/>
+            </a:pPr>
+            <a:r>
+              <a:rPr lang="en-US" dirty="0"/>
+              <a:t>Argument</a:t>
+            </a:r>
+          </a:p>
+        </p:txBody>
+      </p:sp>
+      <p:sp>
+        <p:nvSpPr>
+          <p:cNvPr id="4" name="Slide Number Placeholder 3">
+            <a:extLst>
+              <a:ext uri="{FF2B5EF4-FFF2-40B4-BE49-F238E27FC236}">
+                <a16:creationId xmlns:a16="http://schemas.microsoft.com/office/drawing/2014/main" id="{6E895512-7B22-E696-57CE-4973581067C6}"/>
+              </a:ext>
+            </a:extLst>
+          </p:cNvPr>
+          <p:cNvSpPr>
+            <a:spLocks noGrp="1"/>
+          </p:cNvSpPr>
+          <p:nvPr>
+            <p:ph type="sldNum" sz="quarter" idx="5"/>
+          </p:nvPr>
+        </p:nvSpPr>
+        <p:spPr/>
+        <p:txBody>
+          <a:bodyPr/>
+          <a:lstStyle/>
+          <a:p>
+            <a:fld id="{1300335D-9F13-4B80-ADC5-B0EA3E10FF6B}" type="slidenum">
+              <a:rPr lang="en-US" smtClean="0"/>
+              <a:t>17</a:t>
+            </a:fld>
+            <a:endParaRPr lang="en-US"/>
+          </a:p>
+        </p:txBody>
+      </p:sp>
+    </p:spTree>
+    <p:extLst>
+      <p:ext uri="{BB962C8B-B14F-4D97-AF65-F5344CB8AC3E}">
+        <p14:creationId xmlns:p14="http://schemas.microsoft.com/office/powerpoint/2010/main" val="2052418823"/>
+      </p:ext>
+    </p:extLst>
+  </p:cSld>
+  <p:clrMapOvr>
+    <a:masterClrMapping/>
+  </p:clrMapOvr>
+</p:notes>
+</file>
+
+<file path=ppt/notesSlides/notesSlide11.xml><?xml version="1.0" encoding="utf-8"?>
+<p:notes xmlns:a="http://schemas.openxmlformats.org/drawingml/2006/main" xmlns:r="http://schemas.openxmlformats.org/officeDocument/2006/relationships" xmlns:p="http://schemas.openxmlformats.org/presentationml/2006/main">
+  <p:cSld>
+    <p:spTree>
+      <p:nvGrpSpPr>
+        <p:cNvPr id="1" name="">
+          <a:extLst>
+            <a:ext uri="{FF2B5EF4-FFF2-40B4-BE49-F238E27FC236}">
+              <a16:creationId xmlns:a16="http://schemas.microsoft.com/office/drawing/2014/main" id="{5B63C862-EA84-4F51-E3CD-896BFF90ABCA}"/>
+            </a:ext>
+          </a:extLst>
+        </p:cNvPr>
+        <p:cNvGrpSpPr/>
+        <p:nvPr/>
+      </p:nvGrpSpPr>
+      <p:grpSpPr>
+        <a:xfrm>
+          <a:off x="0" y="0"/>
+          <a:ext cx="0" cy="0"/>
+          <a:chOff x="0" y="0"/>
+          <a:chExt cx="0" cy="0"/>
+        </a:xfrm>
+      </p:grpSpPr>
+      <p:sp>
+        <p:nvSpPr>
+          <p:cNvPr id="2" name="Slide Image Placeholder 1">
+            <a:extLst>
+              <a:ext uri="{FF2B5EF4-FFF2-40B4-BE49-F238E27FC236}">
+                <a16:creationId xmlns:a16="http://schemas.microsoft.com/office/drawing/2014/main" id="{3394EB03-0007-7354-B007-83E69FDA0026}"/>
+              </a:ext>
+            </a:extLst>
+          </p:cNvPr>
+          <p:cNvSpPr>
+            <a:spLocks noGrp="1" noRot="1" noChangeAspect="1"/>
+          </p:cNvSpPr>
+          <p:nvPr>
+            <p:ph type="sldImg"/>
+          </p:nvPr>
+        </p:nvSpPr>
+        <p:spPr/>
+      </p:sp>
+      <p:sp>
+        <p:nvSpPr>
+          <p:cNvPr id="3" name="Notes Placeholder 2">
+            <a:extLst>
+              <a:ext uri="{FF2B5EF4-FFF2-40B4-BE49-F238E27FC236}">
+                <a16:creationId xmlns:a16="http://schemas.microsoft.com/office/drawing/2014/main" id="{AF5ED4D0-2B52-939D-0447-85DF83E51BF5}"/>
+              </a:ext>
+            </a:extLst>
+          </p:cNvPr>
+          <p:cNvSpPr>
+            <a:spLocks noGrp="1"/>
+          </p:cNvSpPr>
+          <p:nvPr>
+            <p:ph type="body" idx="1"/>
+          </p:nvPr>
+        </p:nvSpPr>
+        <p:spPr/>
+        <p:txBody>
+          <a:bodyPr/>
+          <a:lstStyle/>
+          <a:p>
+            <a:pPr marL="228600" indent="-228600">
+              <a:buAutoNum type="arabicPeriod"/>
+            </a:pPr>
+            <a:r>
+              <a:rPr lang="en-US" dirty="0"/>
+              <a:t>False!</a:t>
+            </a:r>
+          </a:p>
+          <a:p>
+            <a:pPr marL="228600" indent="-228600">
+              <a:buAutoNum type="arabicPeriod"/>
+            </a:pPr>
+            <a:r>
+              <a:rPr lang="en-US" dirty="0"/>
+              <a:t>Function, Formula, Function</a:t>
+            </a:r>
+          </a:p>
+          <a:p>
+            <a:pPr marL="228600" indent="-228600">
+              <a:buAutoNum type="arabicPeriod"/>
+            </a:pPr>
+            <a:r>
+              <a:rPr lang="en-US" dirty="0"/>
+              <a:t>Argument</a:t>
+            </a:r>
+          </a:p>
+        </p:txBody>
+      </p:sp>
+      <p:sp>
+        <p:nvSpPr>
+          <p:cNvPr id="4" name="Slide Number Placeholder 3">
+            <a:extLst>
+              <a:ext uri="{FF2B5EF4-FFF2-40B4-BE49-F238E27FC236}">
+                <a16:creationId xmlns:a16="http://schemas.microsoft.com/office/drawing/2014/main" id="{A7643540-1E22-E697-1F5E-79A7D6F85ED0}"/>
+              </a:ext>
+            </a:extLst>
+          </p:cNvPr>
+          <p:cNvSpPr>
+            <a:spLocks noGrp="1"/>
+          </p:cNvSpPr>
+          <p:nvPr>
+            <p:ph type="sldNum" sz="quarter" idx="5"/>
+          </p:nvPr>
+        </p:nvSpPr>
+        <p:spPr/>
+        <p:txBody>
+          <a:bodyPr/>
+          <a:lstStyle/>
+          <a:p>
+            <a:fld id="{1300335D-9F13-4B80-ADC5-B0EA3E10FF6B}" type="slidenum">
+              <a:rPr lang="en-US" smtClean="0"/>
+              <a:t>18</a:t>
+            </a:fld>
+            <a:endParaRPr lang="en-US"/>
+          </a:p>
+        </p:txBody>
+      </p:sp>
+    </p:spTree>
+    <p:extLst>
+      <p:ext uri="{BB962C8B-B14F-4D97-AF65-F5344CB8AC3E}">
+        <p14:creationId xmlns:p14="http://schemas.microsoft.com/office/powerpoint/2010/main" val="1489995579"/>
+      </p:ext>
+    </p:extLst>
+  </p:cSld>
+  <p:clrMapOvr>
+    <a:masterClrMapping/>
+  </p:clrMapOvr>
+</p:notes>
+</file>
+
+<file path=ppt/notesSlides/notesSlide12.xml><?xml version="1.0" encoding="utf-8"?>
+<p:notes xmlns:a="http://schemas.openxmlformats.org/drawingml/2006/main" xmlns:r="http://schemas.openxmlformats.org/officeDocument/2006/relationships" xmlns:p="http://schemas.openxmlformats.org/presentationml/2006/main">
+  <p:cSld>
+    <p:spTree>
+      <p:nvGrpSpPr>
+        <p:cNvPr id="1" name="">
+          <a:extLst>
+            <a:ext uri="{FF2B5EF4-FFF2-40B4-BE49-F238E27FC236}">
+              <a16:creationId xmlns:a16="http://schemas.microsoft.com/office/drawing/2014/main" id="{A60B1EA4-3450-3769-6C3A-CDAD611DC92D}"/>
+            </a:ext>
+          </a:extLst>
+        </p:cNvPr>
+        <p:cNvGrpSpPr/>
+        <p:nvPr/>
+      </p:nvGrpSpPr>
+      <p:grpSpPr>
+        <a:xfrm>
+          <a:off x="0" y="0"/>
+          <a:ext cx="0" cy="0"/>
+          <a:chOff x="0" y="0"/>
+          <a:chExt cx="0" cy="0"/>
+        </a:xfrm>
+      </p:grpSpPr>
+      <p:sp>
+        <p:nvSpPr>
+          <p:cNvPr id="2" name="Slide Image Placeholder 1">
+            <a:extLst>
+              <a:ext uri="{FF2B5EF4-FFF2-40B4-BE49-F238E27FC236}">
+                <a16:creationId xmlns:a16="http://schemas.microsoft.com/office/drawing/2014/main" id="{CE1390FD-B864-7A0B-4295-A2874BB62A07}"/>
+              </a:ext>
+            </a:extLst>
+          </p:cNvPr>
+          <p:cNvSpPr>
+            <a:spLocks noGrp="1" noRot="1" noChangeAspect="1"/>
+          </p:cNvSpPr>
+          <p:nvPr>
+            <p:ph type="sldImg"/>
+          </p:nvPr>
+        </p:nvSpPr>
+        <p:spPr/>
+      </p:sp>
+      <p:sp>
+        <p:nvSpPr>
+          <p:cNvPr id="3" name="Notes Placeholder 2">
+            <a:extLst>
+              <a:ext uri="{FF2B5EF4-FFF2-40B4-BE49-F238E27FC236}">
+                <a16:creationId xmlns:a16="http://schemas.microsoft.com/office/drawing/2014/main" id="{4DDAE960-814B-01CE-D85B-74E92D89AAC8}"/>
+              </a:ext>
+            </a:extLst>
+          </p:cNvPr>
+          <p:cNvSpPr>
+            <a:spLocks noGrp="1"/>
+          </p:cNvSpPr>
+          <p:nvPr>
+            <p:ph type="body" idx="1"/>
+          </p:nvPr>
+        </p:nvSpPr>
+        <p:spPr/>
+        <p:txBody>
+          <a:bodyPr/>
+          <a:lstStyle/>
+          <a:p>
+            <a:pPr marL="228600" indent="-228600">
+              <a:buAutoNum type="arabicPeriod"/>
+            </a:pPr>
+            <a:r>
+              <a:rPr lang="en-US" dirty="0"/>
+              <a:t>False!</a:t>
+            </a:r>
+          </a:p>
+          <a:p>
+            <a:pPr marL="228600" indent="-228600">
+              <a:buAutoNum type="arabicPeriod"/>
+            </a:pPr>
+            <a:r>
+              <a:rPr lang="en-US" dirty="0"/>
+              <a:t>Function, Formula, Function</a:t>
+            </a:r>
+          </a:p>
+          <a:p>
+            <a:pPr marL="228600" indent="-228600">
+              <a:buAutoNum type="arabicPeriod"/>
+            </a:pPr>
+            <a:r>
+              <a:rPr lang="en-US" dirty="0"/>
+              <a:t>Argument</a:t>
+            </a:r>
+          </a:p>
+        </p:txBody>
+      </p:sp>
+      <p:sp>
+        <p:nvSpPr>
+          <p:cNvPr id="4" name="Slide Number Placeholder 3">
+            <a:extLst>
+              <a:ext uri="{FF2B5EF4-FFF2-40B4-BE49-F238E27FC236}">
+                <a16:creationId xmlns:a16="http://schemas.microsoft.com/office/drawing/2014/main" id="{EF40931F-447F-3673-E2DB-54C3A26A91D3}"/>
+              </a:ext>
+            </a:extLst>
+          </p:cNvPr>
+          <p:cNvSpPr>
+            <a:spLocks noGrp="1"/>
+          </p:cNvSpPr>
+          <p:nvPr>
+            <p:ph type="sldNum" sz="quarter" idx="5"/>
+          </p:nvPr>
+        </p:nvSpPr>
+        <p:spPr/>
+        <p:txBody>
+          <a:bodyPr/>
+          <a:lstStyle/>
+          <a:p>
+            <a:fld id="{1300335D-9F13-4B80-ADC5-B0EA3E10FF6B}" type="slidenum">
+              <a:rPr lang="en-US" smtClean="0"/>
+              <a:t>19</a:t>
+            </a:fld>
+            <a:endParaRPr lang="en-US"/>
+          </a:p>
+        </p:txBody>
+      </p:sp>
+    </p:spTree>
+    <p:extLst>
+      <p:ext uri="{BB962C8B-B14F-4D97-AF65-F5344CB8AC3E}">
+        <p14:creationId xmlns:p14="http://schemas.microsoft.com/office/powerpoint/2010/main" val="2199830346"/>
+      </p:ext>
+    </p:extLst>
+  </p:cSld>
+  <p:clrMapOvr>
+    <a:masterClrMapping/>
+  </p:clrMapOvr>
+</p:notes>
+</file>
+
+<file path=ppt/notesSlides/notesSlide13.xml><?xml version="1.0" encoding="utf-8"?>
+<p:notes xmlns:a="http://schemas.openxmlformats.org/drawingml/2006/main" xmlns:r="http://schemas.openxmlformats.org/officeDocument/2006/relationships" xmlns:p="http://schemas.openxmlformats.org/presentationml/2006/main">
+  <p:cSld>
+    <p:spTree>
+      <p:nvGrpSpPr>
+        <p:cNvPr id="1" name="">
+          <a:extLst>
+            <a:ext uri="{FF2B5EF4-FFF2-40B4-BE49-F238E27FC236}">
+              <a16:creationId xmlns:a16="http://schemas.microsoft.com/office/drawing/2014/main" id="{1D9A1407-C3FE-77CB-9133-E173AFD23E32}"/>
+            </a:ext>
+          </a:extLst>
+        </p:cNvPr>
+        <p:cNvGrpSpPr/>
+        <p:nvPr/>
+      </p:nvGrpSpPr>
+      <p:grpSpPr>
+        <a:xfrm>
+          <a:off x="0" y="0"/>
+          <a:ext cx="0" cy="0"/>
+          <a:chOff x="0" y="0"/>
+          <a:chExt cx="0" cy="0"/>
+        </a:xfrm>
+      </p:grpSpPr>
+      <p:sp>
+        <p:nvSpPr>
+          <p:cNvPr id="2" name="Slide Image Placeholder 1">
+            <a:extLst>
+              <a:ext uri="{FF2B5EF4-FFF2-40B4-BE49-F238E27FC236}">
+                <a16:creationId xmlns:a16="http://schemas.microsoft.com/office/drawing/2014/main" id="{1EC8B939-4BB8-5E03-9D8F-E1B74E5479C9}"/>
+              </a:ext>
+            </a:extLst>
+          </p:cNvPr>
+          <p:cNvSpPr>
+            <a:spLocks noGrp="1" noRot="1" noChangeAspect="1"/>
+          </p:cNvSpPr>
+          <p:nvPr>
+            <p:ph type="sldImg"/>
+          </p:nvPr>
+        </p:nvSpPr>
+        <p:spPr/>
+      </p:sp>
+      <p:sp>
+        <p:nvSpPr>
+          <p:cNvPr id="3" name="Notes Placeholder 2">
+            <a:extLst>
+              <a:ext uri="{FF2B5EF4-FFF2-40B4-BE49-F238E27FC236}">
+                <a16:creationId xmlns:a16="http://schemas.microsoft.com/office/drawing/2014/main" id="{5C90B397-D5FA-5645-05C9-A36C7C85BD88}"/>
+              </a:ext>
+            </a:extLst>
+          </p:cNvPr>
+          <p:cNvSpPr>
+            <a:spLocks noGrp="1"/>
+          </p:cNvSpPr>
+          <p:nvPr>
+            <p:ph type="body" idx="1"/>
+          </p:nvPr>
+        </p:nvSpPr>
+        <p:spPr/>
+        <p:txBody>
+          <a:bodyPr/>
+          <a:lstStyle/>
+          <a:p>
+            <a:pPr marL="228600" indent="-228600">
+              <a:buAutoNum type="arabicPeriod"/>
+            </a:pPr>
+            <a:r>
+              <a:rPr lang="en-US" dirty="0"/>
+              <a:t>False!</a:t>
+            </a:r>
+          </a:p>
+          <a:p>
+            <a:pPr marL="228600" indent="-228600">
+              <a:buAutoNum type="arabicPeriod"/>
+            </a:pPr>
+            <a:r>
+              <a:rPr lang="en-US" dirty="0"/>
+              <a:t>Function, Formula, Function</a:t>
+            </a:r>
+          </a:p>
+          <a:p>
+            <a:pPr marL="228600" indent="-228600">
+              <a:buAutoNum type="arabicPeriod"/>
+            </a:pPr>
+            <a:r>
+              <a:rPr lang="en-US" dirty="0"/>
+              <a:t>Argument</a:t>
+            </a:r>
+          </a:p>
+        </p:txBody>
+      </p:sp>
+      <p:sp>
+        <p:nvSpPr>
+          <p:cNvPr id="4" name="Slide Number Placeholder 3">
+            <a:extLst>
+              <a:ext uri="{FF2B5EF4-FFF2-40B4-BE49-F238E27FC236}">
+                <a16:creationId xmlns:a16="http://schemas.microsoft.com/office/drawing/2014/main" id="{E10AD256-F5E2-0AF6-A319-980E5C8CF47A}"/>
+              </a:ext>
+            </a:extLst>
+          </p:cNvPr>
+          <p:cNvSpPr>
+            <a:spLocks noGrp="1"/>
+          </p:cNvSpPr>
+          <p:nvPr>
+            <p:ph type="sldNum" sz="quarter" idx="5"/>
+          </p:nvPr>
+        </p:nvSpPr>
+        <p:spPr/>
+        <p:txBody>
+          <a:bodyPr/>
+          <a:lstStyle/>
+          <a:p>
+            <a:fld id="{1300335D-9F13-4B80-ADC5-B0EA3E10FF6B}" type="slidenum">
+              <a:rPr lang="en-US" smtClean="0"/>
+              <a:t>20</a:t>
+            </a:fld>
+            <a:endParaRPr lang="en-US"/>
+          </a:p>
+        </p:txBody>
+      </p:sp>
+    </p:spTree>
+    <p:extLst>
+      <p:ext uri="{BB962C8B-B14F-4D97-AF65-F5344CB8AC3E}">
+        <p14:creationId xmlns:p14="http://schemas.microsoft.com/office/powerpoint/2010/main" val="967531680"/>
+      </p:ext>
+    </p:extLst>
+  </p:cSld>
+  <p:clrMapOvr>
+    <a:masterClrMapping/>
+  </p:clrMapOvr>
+</p:notes>
+</file>
+
+<file path=ppt/notesSlides/notesSlide14.xml><?xml version="1.0" encoding="utf-8"?>
+<p:notes xmlns:a="http://schemas.openxmlformats.org/drawingml/2006/main" xmlns:r="http://schemas.openxmlformats.org/officeDocument/2006/relationships" xmlns:p="http://schemas.openxmlformats.org/presentationml/2006/main">
+  <p:cSld>
+    <p:spTree>
+      <p:nvGrpSpPr>
+        <p:cNvPr id="1" name=""/>
+        <p:cNvGrpSpPr/>
+        <p:nvPr/>
+      </p:nvGrpSpPr>
+      <p:grpSpPr>
+        <a:xfrm>
+          <a:off x="0" y="0"/>
+          <a:ext cx="0" cy="0"/>
+          <a:chOff x="0" y="0"/>
+          <a:chExt cx="0" cy="0"/>
+        </a:xfrm>
+      </p:grpSpPr>
+      <p:sp>
+        <p:nvSpPr>
+          <p:cNvPr id="2" name="Slide Image Placeholder 1"/>
+          <p:cNvSpPr>
+            <a:spLocks noGrp="1" noRot="1" noChangeAspect="1"/>
+          </p:cNvSpPr>
+          <p:nvPr>
+            <p:ph type="sldImg"/>
+          </p:nvPr>
+        </p:nvSpPr>
+        <p:spPr/>
+      </p:sp>
+      <p:sp>
+        <p:nvSpPr>
+          <p:cNvPr id="3" name="Notes Placeholder 2"/>
+          <p:cNvSpPr>
+            <a:spLocks noGrp="1"/>
+          </p:cNvSpPr>
+          <p:nvPr>
+            <p:ph type="body" idx="1"/>
+          </p:nvPr>
+        </p:nvSpPr>
+        <p:spPr/>
+        <p:txBody>
+          <a:bodyPr/>
+          <a:lstStyle/>
+          <a:p>
+            <a:pPr marL="228600" indent="-228600">
+              <a:buAutoNum type="arabicPeriod"/>
+            </a:pPr>
+            <a:r>
+              <a:rPr lang="en-US" dirty="0"/>
+              <a:t>False!</a:t>
+            </a:r>
+          </a:p>
+          <a:p>
+            <a:pPr marL="228600" indent="-228600">
+              <a:buAutoNum type="arabicPeriod"/>
+            </a:pPr>
+            <a:r>
+              <a:rPr lang="en-US" dirty="0"/>
+              <a:t>Function, Formula, Function</a:t>
+            </a:r>
+          </a:p>
+          <a:p>
+            <a:pPr marL="228600" indent="-228600">
+              <a:buAutoNum type="arabicPeriod"/>
+            </a:pPr>
+            <a:r>
+              <a:rPr lang="en-US" dirty="0"/>
+              <a:t>Argument</a:t>
+            </a:r>
+          </a:p>
+        </p:txBody>
+      </p:sp>
+      <p:sp>
+        <p:nvSpPr>
+          <p:cNvPr id="4" name="Slide Number Placeholder 3"/>
+          <p:cNvSpPr>
+            <a:spLocks noGrp="1"/>
+          </p:cNvSpPr>
+          <p:nvPr>
+            <p:ph type="sldNum" sz="quarter" idx="5"/>
+          </p:nvPr>
+        </p:nvSpPr>
+        <p:spPr/>
+        <p:txBody>
+          <a:bodyPr/>
+          <a:lstStyle/>
+          <a:p>
+            <a:fld id="{1300335D-9F13-4B80-ADC5-B0EA3E10FF6B}" type="slidenum">
+              <a:rPr lang="en-US" smtClean="0"/>
+              <a:t>23</a:t>
+            </a:fld>
+            <a:endParaRPr lang="en-US"/>
+          </a:p>
+        </p:txBody>
+      </p:sp>
+    </p:spTree>
+    <p:extLst>
+      <p:ext uri="{BB962C8B-B14F-4D97-AF65-F5344CB8AC3E}">
+        <p14:creationId xmlns:p14="http://schemas.microsoft.com/office/powerpoint/2010/main" val="678009514"/>
+      </p:ext>
+    </p:extLst>
+  </p:cSld>
+  <p:clrMapOvr>
+    <a:masterClrMapping/>
+  </p:clrMapOvr>
+</p:notes>
+</file>
+
+<file path=ppt/notesSlides/notesSlide15.xml><?xml version="1.0" encoding="utf-8"?>
+<p:notes xmlns:a="http://schemas.openxmlformats.org/drawingml/2006/main" xmlns:r="http://schemas.openxmlformats.org/officeDocument/2006/relationships" xmlns:p="http://schemas.openxmlformats.org/presentationml/2006/main">
+  <p:cSld>
+    <p:spTree>
+      <p:nvGrpSpPr>
+        <p:cNvPr id="1" name="">
+          <a:extLst>
+            <a:ext uri="{FF2B5EF4-FFF2-40B4-BE49-F238E27FC236}">
+              <a16:creationId xmlns:a16="http://schemas.microsoft.com/office/drawing/2014/main" id="{E7F70E1B-6510-49C2-D00F-05BFD3AD9A52}"/>
+            </a:ext>
+          </a:extLst>
+        </p:cNvPr>
+        <p:cNvGrpSpPr/>
+        <p:nvPr/>
+      </p:nvGrpSpPr>
+      <p:grpSpPr>
+        <a:xfrm>
+          <a:off x="0" y="0"/>
+          <a:ext cx="0" cy="0"/>
+          <a:chOff x="0" y="0"/>
+          <a:chExt cx="0" cy="0"/>
+        </a:xfrm>
+      </p:grpSpPr>
+      <p:sp>
+        <p:nvSpPr>
+          <p:cNvPr id="2" name="Slide Image Placeholder 1">
+            <a:extLst>
+              <a:ext uri="{FF2B5EF4-FFF2-40B4-BE49-F238E27FC236}">
+                <a16:creationId xmlns:a16="http://schemas.microsoft.com/office/drawing/2014/main" id="{502E2E6E-07C3-46A6-668C-2A2F0B525D42}"/>
+              </a:ext>
+            </a:extLst>
+          </p:cNvPr>
+          <p:cNvSpPr>
+            <a:spLocks noGrp="1" noRot="1" noChangeAspect="1"/>
+          </p:cNvSpPr>
+          <p:nvPr>
+            <p:ph type="sldImg"/>
+          </p:nvPr>
+        </p:nvSpPr>
+        <p:spPr/>
+      </p:sp>
+      <p:sp>
+        <p:nvSpPr>
+          <p:cNvPr id="3" name="Notes Placeholder 2">
+            <a:extLst>
+              <a:ext uri="{FF2B5EF4-FFF2-40B4-BE49-F238E27FC236}">
+                <a16:creationId xmlns:a16="http://schemas.microsoft.com/office/drawing/2014/main" id="{3E92C52C-B616-2045-2972-D8BFB7B26C04}"/>
+              </a:ext>
+            </a:extLst>
+          </p:cNvPr>
+          <p:cNvSpPr>
+            <a:spLocks noGrp="1"/>
+          </p:cNvSpPr>
+          <p:nvPr>
+            <p:ph type="body" idx="1"/>
+          </p:nvPr>
+        </p:nvSpPr>
+        <p:spPr/>
+        <p:txBody>
+          <a:bodyPr/>
+          <a:lstStyle/>
+          <a:p>
+            <a:pPr marL="228600" indent="-228600">
+              <a:buAutoNum type="arabicPeriod"/>
+            </a:pPr>
+            <a:r>
+              <a:rPr lang="en-US" dirty="0"/>
+              <a:t>False!</a:t>
+            </a:r>
+          </a:p>
+          <a:p>
+            <a:pPr marL="228600" indent="-228600">
+              <a:buAutoNum type="arabicPeriod"/>
+            </a:pPr>
+            <a:r>
+              <a:rPr lang="en-US" dirty="0"/>
+              <a:t>Function, Formula, Function</a:t>
+            </a:r>
+          </a:p>
+          <a:p>
+            <a:pPr marL="228600" indent="-228600">
+              <a:buAutoNum type="arabicPeriod"/>
+            </a:pPr>
+            <a:r>
+              <a:rPr lang="en-US" dirty="0"/>
+              <a:t>Argument</a:t>
+            </a:r>
+          </a:p>
+        </p:txBody>
+      </p:sp>
+      <p:sp>
+        <p:nvSpPr>
+          <p:cNvPr id="4" name="Slide Number Placeholder 3">
+            <a:extLst>
+              <a:ext uri="{FF2B5EF4-FFF2-40B4-BE49-F238E27FC236}">
+                <a16:creationId xmlns:a16="http://schemas.microsoft.com/office/drawing/2014/main" id="{97BC1EEF-DAF0-440C-0CF1-A1EF57059E44}"/>
+              </a:ext>
+            </a:extLst>
+          </p:cNvPr>
+          <p:cNvSpPr>
+            <a:spLocks noGrp="1"/>
+          </p:cNvSpPr>
+          <p:nvPr>
+            <p:ph type="sldNum" sz="quarter" idx="5"/>
+          </p:nvPr>
+        </p:nvSpPr>
+        <p:spPr/>
+        <p:txBody>
+          <a:bodyPr/>
+          <a:lstStyle/>
+          <a:p>
+            <a:fld id="{1300335D-9F13-4B80-ADC5-B0EA3E10FF6B}" type="slidenum">
+              <a:rPr lang="en-US" smtClean="0"/>
+              <a:t>24</a:t>
+            </a:fld>
+            <a:endParaRPr lang="en-US"/>
+          </a:p>
+        </p:txBody>
+      </p:sp>
+    </p:spTree>
+    <p:extLst>
+      <p:ext uri="{BB962C8B-B14F-4D97-AF65-F5344CB8AC3E}">
+        <p14:creationId xmlns:p14="http://schemas.microsoft.com/office/powerpoint/2010/main" val="3348293595"/>
+      </p:ext>
+    </p:extLst>
+  </p:cSld>
+  <p:clrMapOvr>
+    <a:masterClrMapping/>
+  </p:clrMapOvr>
+</p:notes>
+</file>
+
+<file path=ppt/notesSlides/notesSlide16.xml><?xml version="1.0" encoding="utf-8"?>
+<p:notes xmlns:a="http://schemas.openxmlformats.org/drawingml/2006/main" xmlns:r="http://schemas.openxmlformats.org/officeDocument/2006/relationships" xmlns:p="http://schemas.openxmlformats.org/presentationml/2006/main">
+  <p:cSld>
+    <p:spTree>
+      <p:nvGrpSpPr>
+        <p:cNvPr id="1" name=""/>
+        <p:cNvGrpSpPr/>
+        <p:nvPr/>
+      </p:nvGrpSpPr>
+      <p:grpSpPr>
+        <a:xfrm>
+          <a:off x="0" y="0"/>
+          <a:ext cx="0" cy="0"/>
+          <a:chOff x="0" y="0"/>
+          <a:chExt cx="0" cy="0"/>
+        </a:xfrm>
+      </p:grpSpPr>
+      <p:sp>
+        <p:nvSpPr>
+          <p:cNvPr id="2" name="Slide Image Placeholder 1"/>
+          <p:cNvSpPr>
+            <a:spLocks noGrp="1" noRot="1" noChangeAspect="1"/>
+          </p:cNvSpPr>
+          <p:nvPr>
+            <p:ph type="sldImg"/>
+          </p:nvPr>
+        </p:nvSpPr>
+        <p:spPr/>
+      </p:sp>
+      <p:sp>
+        <p:nvSpPr>
+          <p:cNvPr id="3" name="Notes Placeholder 2"/>
+          <p:cNvSpPr>
+            <a:spLocks noGrp="1"/>
+          </p:cNvSpPr>
+          <p:nvPr>
+            <p:ph type="body" idx="1"/>
+          </p:nvPr>
+        </p:nvSpPr>
+        <p:spPr/>
+        <p:txBody>
+          <a:bodyPr/>
+          <a:lstStyle/>
+          <a:p>
+            <a:pPr marL="228600" indent="-228600">
+              <a:buAutoNum type="arabicPeriod"/>
+            </a:pPr>
+            <a:r>
+              <a:rPr lang="en-US" dirty="0"/>
+              <a:t>False!</a:t>
+            </a:r>
+          </a:p>
+          <a:p>
+            <a:pPr marL="228600" indent="-228600">
+              <a:buAutoNum type="arabicPeriod"/>
+            </a:pPr>
+            <a:r>
+              <a:rPr lang="en-US" dirty="0"/>
+              <a:t>Function, Formula, Function</a:t>
+            </a:r>
+          </a:p>
+          <a:p>
+            <a:pPr marL="228600" indent="-228600">
+              <a:buAutoNum type="arabicPeriod"/>
+            </a:pPr>
+            <a:r>
+              <a:rPr lang="en-US" dirty="0"/>
+              <a:t>Argument</a:t>
+            </a:r>
+          </a:p>
+        </p:txBody>
+      </p:sp>
+      <p:sp>
+        <p:nvSpPr>
+          <p:cNvPr id="4" name="Slide Number Placeholder 3"/>
+          <p:cNvSpPr>
+            <a:spLocks noGrp="1"/>
+          </p:cNvSpPr>
+          <p:nvPr>
+            <p:ph type="sldNum" sz="quarter" idx="5"/>
+          </p:nvPr>
+        </p:nvSpPr>
+        <p:spPr/>
+        <p:txBody>
+          <a:bodyPr/>
+          <a:lstStyle/>
+          <a:p>
+            <a:fld id="{1300335D-9F13-4B80-ADC5-B0EA3E10FF6B}" type="slidenum">
+              <a:rPr lang="en-US" smtClean="0"/>
+              <a:t>25</a:t>
+            </a:fld>
+            <a:endParaRPr lang="en-US"/>
+          </a:p>
+        </p:txBody>
+      </p:sp>
+    </p:spTree>
+    <p:extLst>
+      <p:ext uri="{BB962C8B-B14F-4D97-AF65-F5344CB8AC3E}">
+        <p14:creationId xmlns:p14="http://schemas.microsoft.com/office/powerpoint/2010/main" val="358552492"/>
+      </p:ext>
+    </p:extLst>
+  </p:cSld>
+  <p:clrMapOvr>
+    <a:masterClrMapping/>
+  </p:clrMapOvr>
+</p:notes>
+</file>
+
 <file path=ppt/notesSlides/notesSlide2.xml><?xml version="1.0" encoding="utf-8"?>
 <p:notes xmlns:a="http://schemas.openxmlformats.org/drawingml/2006/main" xmlns:r="http://schemas.openxmlformats.org/officeDocument/2006/relationships" xmlns:p="http://schemas.openxmlformats.org/presentationml/2006/main">
   <p:cSld>
@@ -1173,7 +2057,13 @@
   <p:cSld>
     <p:spTree>
       <p:nvGrpSpPr>
-        <p:cNvPr id="1" name=""/>
+        <p:cNvPr id="1" name="">
+          <a:extLst>
+            <a:ext uri="{FF2B5EF4-FFF2-40B4-BE49-F238E27FC236}">
+              <a16:creationId xmlns:a16="http://schemas.microsoft.com/office/drawing/2014/main" id="{D212EFCA-5F55-D261-607B-6E3F34E48282}"/>
+            </a:ext>
+          </a:extLst>
+        </p:cNvPr>
         <p:cNvGrpSpPr/>
         <p:nvPr/>
       </p:nvGrpSpPr>
@@ -1187,7 +2077,13 @@
       </p:grpSpPr>
       <p:sp>
         <p:nvSpPr>
-          <p:cNvPr id="2" name="Slide Image Placeholder 1"/>
+          <p:cNvPr id="2" name="Slide Image Placeholder 1">
+            <a:extLst>
+              <a:ext uri="{FF2B5EF4-FFF2-40B4-BE49-F238E27FC236}">
+                <a16:creationId xmlns:a16="http://schemas.microsoft.com/office/drawing/2014/main" id="{E1E48488-9E7B-5B24-870D-72E411727B19}"/>
+              </a:ext>
+            </a:extLst>
+          </p:cNvPr>
           <p:cNvSpPr>
             <a:spLocks noGrp="1" noRot="1" noChangeAspect="1"/>
           </p:cNvSpPr>
@@ -1199,7 +2095,13 @@
       </p:sp>
       <p:sp>
         <p:nvSpPr>
-          <p:cNvPr id="3" name="Notes Placeholder 2"/>
+          <p:cNvPr id="3" name="Notes Placeholder 2">
+            <a:extLst>
+              <a:ext uri="{FF2B5EF4-FFF2-40B4-BE49-F238E27FC236}">
+                <a16:creationId xmlns:a16="http://schemas.microsoft.com/office/drawing/2014/main" id="{5AA28FBC-3779-6974-CFC1-18D4AD6725A7}"/>
+              </a:ext>
+            </a:extLst>
+          </p:cNvPr>
           <p:cNvSpPr>
             <a:spLocks noGrp="1"/>
           </p:cNvSpPr>
@@ -1242,7 +2144,13 @@
       </p:sp>
       <p:sp>
         <p:nvSpPr>
-          <p:cNvPr id="4" name="Slide Number Placeholder 3"/>
+          <p:cNvPr id="4" name="Slide Number Placeholder 3">
+            <a:extLst>
+              <a:ext uri="{FF2B5EF4-FFF2-40B4-BE49-F238E27FC236}">
+                <a16:creationId xmlns:a16="http://schemas.microsoft.com/office/drawing/2014/main" id="{861A666F-2651-6201-502C-47AD011EBFC5}"/>
+              </a:ext>
+            </a:extLst>
+          </p:cNvPr>
           <p:cNvSpPr>
             <a:spLocks noGrp="1"/>
           </p:cNvSpPr>
@@ -1257,7 +2165,7 @@
           <a:p>
             <a:fld id="{1300335D-9F13-4B80-ADC5-B0EA3E10FF6B}" type="slidenum">
               <a:rPr lang="en-US" smtClean="0"/>
-              <a:t>15</a:t>
+              <a:t>13</a:t>
             </a:fld>
             <a:endParaRPr lang="en-US"/>
           </a:p>
@@ -1266,7 +2174,7 @@
     </p:spTree>
     <p:extLst>
       <p:ext uri="{BB962C8B-B14F-4D97-AF65-F5344CB8AC3E}">
-        <p14:creationId xmlns:p14="http://schemas.microsoft.com/office/powerpoint/2010/main" val="678009514"/>
+        <p14:creationId xmlns:p14="http://schemas.microsoft.com/office/powerpoint/2010/main" val="766646354"/>
       </p:ext>
     </p:extLst>
   </p:cSld>
@@ -1284,7 +2192,7 @@
         <p:cNvPr id="1" name="">
           <a:extLst>
             <a:ext uri="{FF2B5EF4-FFF2-40B4-BE49-F238E27FC236}">
-              <a16:creationId xmlns:a16="http://schemas.microsoft.com/office/drawing/2014/main" id="{E7F70E1B-6510-49C2-D00F-05BFD3AD9A52}"/>
+              <a16:creationId xmlns:a16="http://schemas.microsoft.com/office/drawing/2014/main" id="{EC0DCC60-C3E9-6780-B7C9-104934393C32}"/>
             </a:ext>
           </a:extLst>
         </p:cNvPr>
@@ -1304,7 +2212,7 @@
           <p:cNvPr id="2" name="Slide Image Placeholder 1">
             <a:extLst>
               <a:ext uri="{FF2B5EF4-FFF2-40B4-BE49-F238E27FC236}">
-                <a16:creationId xmlns:a16="http://schemas.microsoft.com/office/drawing/2014/main" id="{502E2E6E-07C3-46A6-668C-2A2F0B525D42}"/>
+                <a16:creationId xmlns:a16="http://schemas.microsoft.com/office/drawing/2014/main" id="{06E13F01-2C73-D9F4-46B0-A4E113E973F4}"/>
               </a:ext>
             </a:extLst>
           </p:cNvPr>
@@ -1322,7 +2230,7 @@
           <p:cNvPr id="3" name="Notes Placeholder 2">
             <a:extLst>
               <a:ext uri="{FF2B5EF4-FFF2-40B4-BE49-F238E27FC236}">
-                <a16:creationId xmlns:a16="http://schemas.microsoft.com/office/drawing/2014/main" id="{3E92C52C-B616-2045-2972-D8BFB7B26C04}"/>
+                <a16:creationId xmlns:a16="http://schemas.microsoft.com/office/drawing/2014/main" id="{D2D009C4-E080-F521-5162-27324D54242A}"/>
               </a:ext>
             </a:extLst>
           </p:cNvPr>
@@ -1371,7 +2279,7 @@
           <p:cNvPr id="4" name="Slide Number Placeholder 3">
             <a:extLst>
               <a:ext uri="{FF2B5EF4-FFF2-40B4-BE49-F238E27FC236}">
-                <a16:creationId xmlns:a16="http://schemas.microsoft.com/office/drawing/2014/main" id="{97BC1EEF-DAF0-440C-0CF1-A1EF57059E44}"/>
+                <a16:creationId xmlns:a16="http://schemas.microsoft.com/office/drawing/2014/main" id="{30E323B8-0D7B-BBBB-9033-5974B30CAF02}"/>
               </a:ext>
             </a:extLst>
           </p:cNvPr>
@@ -1389,7 +2297,7 @@
           <a:p>
             <a:fld id="{1300335D-9F13-4B80-ADC5-B0EA3E10FF6B}" type="slidenum">
               <a:rPr lang="en-US" smtClean="0"/>
-              <a:t>16</a:t>
+              <a:t>14</a:t>
             </a:fld>
             <a:endParaRPr lang="en-US"/>
           </a:p>
@@ -1398,7 +2306,7 @@
     </p:spTree>
     <p:extLst>
       <p:ext uri="{BB962C8B-B14F-4D97-AF65-F5344CB8AC3E}">
-        <p14:creationId xmlns:p14="http://schemas.microsoft.com/office/powerpoint/2010/main" val="3348293595"/>
+        <p14:creationId xmlns:p14="http://schemas.microsoft.com/office/powerpoint/2010/main" val="360129968"/>
       </p:ext>
     </p:extLst>
   </p:cSld>
@@ -1413,7 +2321,13 @@
   <p:cSld>
     <p:spTree>
       <p:nvGrpSpPr>
-        <p:cNvPr id="1" name=""/>
+        <p:cNvPr id="1" name="">
+          <a:extLst>
+            <a:ext uri="{FF2B5EF4-FFF2-40B4-BE49-F238E27FC236}">
+              <a16:creationId xmlns:a16="http://schemas.microsoft.com/office/drawing/2014/main" id="{34DB6DB9-F230-E881-AC89-7613E107BD0E}"/>
+            </a:ext>
+          </a:extLst>
+        </p:cNvPr>
         <p:cNvGrpSpPr/>
         <p:nvPr/>
       </p:nvGrpSpPr>
@@ -1427,7 +2341,13 @@
       </p:grpSpPr>
       <p:sp>
         <p:nvSpPr>
-          <p:cNvPr id="2" name="Slide Image Placeholder 1"/>
+          <p:cNvPr id="2" name="Slide Image Placeholder 1">
+            <a:extLst>
+              <a:ext uri="{FF2B5EF4-FFF2-40B4-BE49-F238E27FC236}">
+                <a16:creationId xmlns:a16="http://schemas.microsoft.com/office/drawing/2014/main" id="{A1C4A498-21F0-E142-F70E-BC9609C5CD52}"/>
+              </a:ext>
+            </a:extLst>
+          </p:cNvPr>
           <p:cNvSpPr>
             <a:spLocks noGrp="1" noRot="1" noChangeAspect="1"/>
           </p:cNvSpPr>
@@ -1439,7 +2359,13 @@
       </p:sp>
       <p:sp>
         <p:nvSpPr>
-          <p:cNvPr id="3" name="Notes Placeholder 2"/>
+          <p:cNvPr id="3" name="Notes Placeholder 2">
+            <a:extLst>
+              <a:ext uri="{FF2B5EF4-FFF2-40B4-BE49-F238E27FC236}">
+                <a16:creationId xmlns:a16="http://schemas.microsoft.com/office/drawing/2014/main" id="{502E70B5-1371-D298-0E73-B892A62DDEA1}"/>
+              </a:ext>
+            </a:extLst>
+          </p:cNvPr>
           <p:cNvSpPr>
             <a:spLocks noGrp="1"/>
           </p:cNvSpPr>
@@ -1482,7 +2408,13 @@
       </p:sp>
       <p:sp>
         <p:nvSpPr>
-          <p:cNvPr id="4" name="Slide Number Placeholder 3"/>
+          <p:cNvPr id="4" name="Slide Number Placeholder 3">
+            <a:extLst>
+              <a:ext uri="{FF2B5EF4-FFF2-40B4-BE49-F238E27FC236}">
+                <a16:creationId xmlns:a16="http://schemas.microsoft.com/office/drawing/2014/main" id="{3E2DC8CC-26A2-A118-C64E-D6EFE2367679}"/>
+              </a:ext>
+            </a:extLst>
+          </p:cNvPr>
           <p:cNvSpPr>
             <a:spLocks noGrp="1"/>
           </p:cNvSpPr>
@@ -1497,7 +2429,7 @@
           <a:p>
             <a:fld id="{1300335D-9F13-4B80-ADC5-B0EA3E10FF6B}" type="slidenum">
               <a:rPr lang="en-US" smtClean="0"/>
-              <a:t>17</a:t>
+              <a:t>15</a:t>
             </a:fld>
             <a:endParaRPr lang="en-US"/>
           </a:p>
@@ -1506,7 +2438,7 @@
     </p:spTree>
     <p:extLst>
       <p:ext uri="{BB962C8B-B14F-4D97-AF65-F5344CB8AC3E}">
-        <p14:creationId xmlns:p14="http://schemas.microsoft.com/office/powerpoint/2010/main" val="358552492"/>
+        <p14:creationId xmlns:p14="http://schemas.microsoft.com/office/powerpoint/2010/main" val="2671556418"/>
       </p:ext>
     </p:extLst>
   </p:cSld>
@@ -4736,7 +5668,7 @@
         <p:spPr>
           <a:xfrm>
             <a:off x="260431" y="329879"/>
-            <a:ext cx="8906720" cy="7399462"/>
+            <a:ext cx="8906720" cy="3963201"/>
           </a:xfrm>
           <a:prstGeom prst="rect">
             <a:avLst/>
@@ -4756,7 +5688,7 @@
                 </a:solidFill>
                 <a:latin typeface="Pragmatica" panose="020B0403040502020204" pitchFamily="34" charset="0"/>
               </a:rPr>
-              <a:t>Data management with Copilot</a:t>
+              <a:t>Selecting AI tools for data analysis</a:t>
             </a:r>
           </a:p>
           <a:p>
@@ -4790,131 +5722,8 @@
                 <a:latin typeface="Pragmatica" panose="020B0403040502020204"/>
                 <a:sym typeface="Consolas"/>
               </a:rPr>
-              <a:t>Working with formulas and functions</a:t>
-            </a:r>
-          </a:p>
-          <a:p>
-            <a:pPr marL="685800" indent="-542925">
-              <a:lnSpc>
-                <a:spcPct val="115000"/>
-              </a:lnSpc>
-              <a:spcBef>
-                <a:spcPts val="1125"/>
-              </a:spcBef>
-              <a:buClr>
-                <a:srgbClr val="C00000"/>
-              </a:buClr>
-              <a:buSzPts val="2100"/>
-              <a:buFont typeface="Arial"/>
-              <a:buAutoNum type="arabicPeriod"/>
-            </a:pPr>
-            <a:r>
-              <a:rPr lang="en-US" sz="3600" dirty="0">
-                <a:solidFill>
-                  <a:srgbClr val="C00000"/>
-                </a:solidFill>
-                <a:latin typeface="Pragmatica" panose="020B0403040502020204"/>
-                <a:sym typeface="Consolas"/>
-              </a:rPr>
-              <a:t>Data profiling</a:t>
-            </a:r>
-          </a:p>
-          <a:p>
-            <a:pPr marL="685800" indent="-542925">
-              <a:lnSpc>
-                <a:spcPct val="115000"/>
-              </a:lnSpc>
-              <a:spcBef>
-                <a:spcPts val="1125"/>
-              </a:spcBef>
-              <a:buClr>
-                <a:srgbClr val="C00000"/>
-              </a:buClr>
-              <a:buSzPts val="2100"/>
-              <a:buFont typeface="Arial"/>
-              <a:buAutoNum type="arabicPeriod"/>
-            </a:pPr>
-            <a:r>
-              <a:rPr lang="en-US" sz="3600" dirty="0">
-                <a:solidFill>
-                  <a:srgbClr val="C00000"/>
-                </a:solidFill>
-                <a:latin typeface="Pragmatica" panose="020B0403040502020204"/>
-                <a:sym typeface="Consolas"/>
-              </a:rPr>
-              <a:t>Sorting and filtering</a:t>
-            </a:r>
-          </a:p>
-          <a:p>
-            <a:pPr marL="685800" indent="-542925">
-              <a:lnSpc>
-                <a:spcPct val="115000"/>
-              </a:lnSpc>
-              <a:spcBef>
-                <a:spcPts val="1125"/>
-              </a:spcBef>
-              <a:buClr>
-                <a:srgbClr val="C00000"/>
-              </a:buClr>
-              <a:buSzPts val="2100"/>
-              <a:buFont typeface="Arial"/>
-              <a:buAutoNum type="arabicPeriod"/>
-            </a:pPr>
-            <a:endParaRPr lang="en-US" sz="3600" dirty="0">
-              <a:solidFill>
-                <a:srgbClr val="C00000"/>
-              </a:solidFill>
-              <a:latin typeface="Pragmatica" panose="020B0403040502020204"/>
-              <a:sym typeface="Consolas"/>
-            </a:endParaRPr>
-          </a:p>
-          <a:p>
-            <a:pPr marL="142875">
-              <a:lnSpc>
-                <a:spcPct val="115000"/>
-              </a:lnSpc>
-              <a:spcBef>
-                <a:spcPts val="1125"/>
-              </a:spcBef>
-              <a:buClr>
-                <a:srgbClr val="C00000"/>
-              </a:buClr>
-              <a:buSzPts val="2100"/>
-            </a:pPr>
-            <a:r>
-              <a:rPr lang="en-US" sz="3600" dirty="0">
-                <a:solidFill>
-                  <a:srgbClr val="C00000"/>
-                </a:solidFill>
-                <a:latin typeface="Pragmatica" panose="020B0403040502020204"/>
-                <a:sym typeface="Consolas"/>
-              </a:rPr>
-              <a:t>File: </a:t>
-            </a:r>
-            <a:r>
-              <a:rPr lang="en-US" sz="3600" dirty="0">
-                <a:solidFill>
-                  <a:srgbClr val="C00000"/>
-                </a:solidFill>
-                <a:latin typeface="Consolas" panose="020B0609020204030204" pitchFamily="49" charset="0"/>
-                <a:sym typeface="Consolas"/>
-              </a:rPr>
-              <a:t>copilot-data-management.xlsx</a:t>
-            </a:r>
-            <a:endParaRPr lang="en-US" sz="6000" dirty="0">
-              <a:solidFill>
-                <a:srgbClr val="CF3338"/>
-              </a:solidFill>
-              <a:latin typeface="Consolas" panose="020B0609020204030204" pitchFamily="49" charset="0"/>
-            </a:endParaRPr>
-          </a:p>
-          <a:p>
-            <a:endParaRPr lang="en-US" sz="6000" dirty="0">
-              <a:solidFill>
-                <a:srgbClr val="CF3338"/>
-              </a:solidFill>
-              <a:latin typeface="Pragmatica" panose="020B0403040502020204" pitchFamily="34" charset="0"/>
-            </a:endParaRPr>
+              <a:t>Which FREE AI tool is the best for which Excel-related task?</a:t>
+            </a:r>
           </a:p>
         </p:txBody>
       </p:sp>
@@ -4951,6 +5760,1599 @@
       <p:sp>
         <p:nvSpPr>
           <p:cNvPr id="4" name="Rectangle 3"/>
+          <p:cNvSpPr/>
+          <p:nvPr/>
+        </p:nvSpPr>
+        <p:spPr>
+          <a:xfrm>
+            <a:off x="9861630" y="0"/>
+            <a:ext cx="8426370" cy="10287000"/>
+          </a:xfrm>
+          <a:prstGeom prst="rect">
+            <a:avLst/>
+          </a:prstGeom>
+          <a:solidFill>
+            <a:schemeClr val="bg1">
+              <a:lumMod val="50000"/>
+            </a:schemeClr>
+          </a:solidFill>
+          <a:ln>
+            <a:noFill/>
+          </a:ln>
+        </p:spPr>
+        <p:style>
+          <a:lnRef idx="2">
+            <a:schemeClr val="accent1">
+              <a:shade val="50000"/>
+            </a:schemeClr>
+          </a:lnRef>
+          <a:fillRef idx="1">
+            <a:schemeClr val="accent1"/>
+          </a:fillRef>
+          <a:effectRef idx="0">
+            <a:schemeClr val="accent1"/>
+          </a:effectRef>
+          <a:fontRef idx="minor">
+            <a:schemeClr val="lt1"/>
+          </a:fontRef>
+        </p:style>
+        <p:txBody>
+          <a:bodyPr rtlCol="0" anchor="ctr"/>
+          <a:lstStyle/>
+          <a:p>
+            <a:pPr algn="ctr"/>
+            <a:endParaRPr lang="en-US" sz="2700"/>
+          </a:p>
+        </p:txBody>
+      </p:sp>
+      <p:pic>
+        <p:nvPicPr>
+          <p:cNvPr id="2" name="Picture 1"/>
+          <p:cNvPicPr>
+            <a:picLocks noChangeAspect="1"/>
+          </p:cNvPicPr>
+          <p:nvPr/>
+        </p:nvPicPr>
+        <p:blipFill rotWithShape="1">
+          <a:blip r:embed="rId3">
+            <a:extLst>
+              <a:ext uri="{28A0092B-C50C-407E-A947-70E740481C1C}">
+                <a14:useLocalDpi xmlns:a14="http://schemas.microsoft.com/office/drawing/2010/main" val="0"/>
+              </a:ext>
+            </a:extLst>
+          </a:blip>
+          <a:srcRect l="69227" t="33418" r="20112" b="50548"/>
+          <a:stretch/>
+        </p:blipFill>
+        <p:spPr>
+          <a:xfrm>
+            <a:off x="15579524" y="7544693"/>
+            <a:ext cx="2708477" cy="2987579"/>
+          </a:xfrm>
+          <a:prstGeom prst="rect">
+            <a:avLst/>
+          </a:prstGeom>
+        </p:spPr>
+      </p:pic>
+      <p:sp>
+        <p:nvSpPr>
+          <p:cNvPr id="3" name="TextBox 2"/>
+          <p:cNvSpPr txBox="1"/>
+          <p:nvPr/>
+        </p:nvSpPr>
+        <p:spPr>
+          <a:xfrm>
+            <a:off x="260431" y="329879"/>
+            <a:ext cx="8906720" cy="5365123"/>
+          </a:xfrm>
+          <a:prstGeom prst="rect">
+            <a:avLst/>
+          </a:prstGeom>
+          <a:noFill/>
+        </p:spPr>
+        <p:txBody>
+          <a:bodyPr wrap="square" rtlCol="0">
+            <a:spAutoFit/>
+          </a:bodyPr>
+          <a:lstStyle/>
+          <a:p>
+            <a:r>
+              <a:rPr lang="en-US" sz="6000" b="1" dirty="0">
+                <a:solidFill>
+                  <a:srgbClr val="3D3935"/>
+                </a:solidFill>
+                <a:latin typeface="Pragmatica" panose="020B0403040502020204" pitchFamily="34" charset="0"/>
+              </a:rPr>
+              <a:t>1. Analyze Data in Excel</a:t>
+            </a:r>
+          </a:p>
+          <a:p>
+            <a:pPr marL="142875">
+              <a:lnSpc>
+                <a:spcPct val="115000"/>
+              </a:lnSpc>
+              <a:spcBef>
+                <a:spcPts val="1125"/>
+              </a:spcBef>
+              <a:buClr>
+                <a:srgbClr val="C00000"/>
+              </a:buClr>
+              <a:buSzPts val="2100"/>
+            </a:pPr>
+            <a:endParaRPr lang="en-US" sz="3600" dirty="0">
+              <a:solidFill>
+                <a:srgbClr val="3D3935"/>
+              </a:solidFill>
+              <a:latin typeface="Pragmatica" panose="020B0403040502020204"/>
+              <a:sym typeface="Consolas"/>
+            </a:endParaRPr>
+          </a:p>
+          <a:p>
+            <a:pPr marL="885825" indent="-742950">
+              <a:lnSpc>
+                <a:spcPct val="115000"/>
+              </a:lnSpc>
+              <a:spcBef>
+                <a:spcPts val="1125"/>
+              </a:spcBef>
+              <a:buClr>
+                <a:srgbClr val="C00000"/>
+              </a:buClr>
+              <a:buSzPts val="2100"/>
+              <a:buFont typeface="Arial" panose="020B0604020202020204" pitchFamily="34" charset="0"/>
+              <a:buChar char="•"/>
+            </a:pPr>
+            <a:r>
+              <a:rPr lang="en-US" sz="3600" dirty="0">
+                <a:solidFill>
+                  <a:srgbClr val="3D3935"/>
+                </a:solidFill>
+                <a:latin typeface="Pragmatica" panose="020B0403040502020204"/>
+                <a:sym typeface="Consolas"/>
+              </a:rPr>
+              <a:t>Great for quick, data-specific answers</a:t>
+            </a:r>
+          </a:p>
+          <a:p>
+            <a:pPr marL="885825" indent="-742950">
+              <a:lnSpc>
+                <a:spcPct val="115000"/>
+              </a:lnSpc>
+              <a:spcBef>
+                <a:spcPts val="1125"/>
+              </a:spcBef>
+              <a:buClr>
+                <a:srgbClr val="C00000"/>
+              </a:buClr>
+              <a:buSzPts val="2100"/>
+              <a:buFont typeface="Arial" panose="020B0604020202020204" pitchFamily="34" charset="0"/>
+              <a:buChar char="•"/>
+            </a:pPr>
+            <a:r>
+              <a:rPr lang="en-US" sz="3600" dirty="0">
+                <a:solidFill>
+                  <a:srgbClr val="3D3935"/>
+                </a:solidFill>
+                <a:latin typeface="Pragmatica" panose="020B0403040502020204"/>
+                <a:sym typeface="Consolas"/>
+              </a:rPr>
+              <a:t>Limited in providing nuanced, conceptual insights</a:t>
+            </a:r>
+          </a:p>
+          <a:p>
+            <a:pPr marL="885825" indent="-742950">
+              <a:lnSpc>
+                <a:spcPct val="115000"/>
+              </a:lnSpc>
+              <a:spcBef>
+                <a:spcPts val="1125"/>
+              </a:spcBef>
+              <a:buClr>
+                <a:srgbClr val="C00000"/>
+              </a:buClr>
+              <a:buSzPts val="2100"/>
+              <a:buFont typeface="Arial" panose="020B0604020202020204" pitchFamily="34" charset="0"/>
+              <a:buChar char="•"/>
+            </a:pPr>
+            <a:r>
+              <a:rPr lang="en-US" sz="3600" dirty="0">
+                <a:solidFill>
+                  <a:srgbClr val="3D3935"/>
+                </a:solidFill>
+                <a:latin typeface="Pragmatica" panose="020B0403040502020204"/>
+                <a:sym typeface="Consolas"/>
+              </a:rPr>
+              <a:t>External tools offer deeper analysis and broader recommendations…</a:t>
+            </a:r>
+            <a:endParaRPr lang="en-US" sz="6000" dirty="0">
+              <a:solidFill>
+                <a:srgbClr val="3D3935"/>
+              </a:solidFill>
+              <a:latin typeface="Pragmatica" panose="020B0403040502020204" pitchFamily="34" charset="0"/>
+            </a:endParaRPr>
+          </a:p>
+        </p:txBody>
+      </p:sp>
+    </p:spTree>
+    <p:extLst>
+      <p:ext uri="{BB962C8B-B14F-4D97-AF65-F5344CB8AC3E}">
+        <p14:creationId xmlns:p14="http://schemas.microsoft.com/office/powerpoint/2010/main" val="1347479794"/>
+      </p:ext>
+    </p:extLst>
+  </p:cSld>
+  <p:clrMapOvr>
+    <a:masterClrMapping/>
+  </p:clrMapOvr>
+</p:sld>
+</file>
+
+<file path=ppt/slides/slide13.xml><?xml version="1.0" encoding="utf-8"?>
+<p:sld xmlns:a="http://schemas.openxmlformats.org/drawingml/2006/main" xmlns:r="http://schemas.openxmlformats.org/officeDocument/2006/relationships" xmlns:p="http://schemas.openxmlformats.org/presentationml/2006/main">
+  <p:cSld>
+    <p:spTree>
+      <p:nvGrpSpPr>
+        <p:cNvPr id="1" name="">
+          <a:extLst>
+            <a:ext uri="{FF2B5EF4-FFF2-40B4-BE49-F238E27FC236}">
+              <a16:creationId xmlns:a16="http://schemas.microsoft.com/office/drawing/2014/main" id="{4A3A8781-5113-1C2B-25CC-039AD53AA34C}"/>
+            </a:ext>
+          </a:extLst>
+        </p:cNvPr>
+        <p:cNvGrpSpPr/>
+        <p:nvPr/>
+      </p:nvGrpSpPr>
+      <p:grpSpPr>
+        <a:xfrm>
+          <a:off x="0" y="0"/>
+          <a:ext cx="0" cy="0"/>
+          <a:chOff x="0" y="0"/>
+          <a:chExt cx="0" cy="0"/>
+        </a:xfrm>
+      </p:grpSpPr>
+      <p:sp>
+        <p:nvSpPr>
+          <p:cNvPr id="4" name="Rectangle 3">
+            <a:extLst>
+              <a:ext uri="{FF2B5EF4-FFF2-40B4-BE49-F238E27FC236}">
+                <a16:creationId xmlns:a16="http://schemas.microsoft.com/office/drawing/2014/main" id="{AF8F8C44-15CC-5ABF-C632-B6E94B525D7C}"/>
+              </a:ext>
+            </a:extLst>
+          </p:cNvPr>
+          <p:cNvSpPr/>
+          <p:nvPr/>
+        </p:nvSpPr>
+        <p:spPr>
+          <a:xfrm>
+            <a:off x="9861630" y="0"/>
+            <a:ext cx="8426370" cy="10287000"/>
+          </a:xfrm>
+          <a:prstGeom prst="rect">
+            <a:avLst/>
+          </a:prstGeom>
+          <a:solidFill>
+            <a:schemeClr val="bg1">
+              <a:lumMod val="50000"/>
+            </a:schemeClr>
+          </a:solidFill>
+          <a:ln>
+            <a:noFill/>
+          </a:ln>
+        </p:spPr>
+        <p:style>
+          <a:lnRef idx="2">
+            <a:schemeClr val="accent1">
+              <a:shade val="50000"/>
+            </a:schemeClr>
+          </a:lnRef>
+          <a:fillRef idx="1">
+            <a:schemeClr val="accent1"/>
+          </a:fillRef>
+          <a:effectRef idx="0">
+            <a:schemeClr val="accent1"/>
+          </a:effectRef>
+          <a:fontRef idx="minor">
+            <a:schemeClr val="lt1"/>
+          </a:fontRef>
+        </p:style>
+        <p:txBody>
+          <a:bodyPr rtlCol="0" anchor="ctr"/>
+          <a:lstStyle/>
+          <a:p>
+            <a:pPr algn="ctr"/>
+            <a:endParaRPr lang="en-US" sz="2700"/>
+          </a:p>
+        </p:txBody>
+      </p:sp>
+      <p:pic>
+        <p:nvPicPr>
+          <p:cNvPr id="2" name="Picture 1">
+            <a:extLst>
+              <a:ext uri="{FF2B5EF4-FFF2-40B4-BE49-F238E27FC236}">
+                <a16:creationId xmlns:a16="http://schemas.microsoft.com/office/drawing/2014/main" id="{11F1C790-4751-EF47-9E53-605446E45371}"/>
+              </a:ext>
+            </a:extLst>
+          </p:cNvPr>
+          <p:cNvPicPr>
+            <a:picLocks noChangeAspect="1"/>
+          </p:cNvPicPr>
+          <p:nvPr/>
+        </p:nvPicPr>
+        <p:blipFill rotWithShape="1">
+          <a:blip r:embed="rId3">
+            <a:extLst>
+              <a:ext uri="{28A0092B-C50C-407E-A947-70E740481C1C}">
+                <a14:useLocalDpi xmlns:a14="http://schemas.microsoft.com/office/drawing/2010/main" val="0"/>
+              </a:ext>
+            </a:extLst>
+          </a:blip>
+          <a:srcRect l="69227" t="33418" r="20112" b="50548"/>
+          <a:stretch/>
+        </p:blipFill>
+        <p:spPr>
+          <a:xfrm>
+            <a:off x="15579524" y="7544693"/>
+            <a:ext cx="2708477" cy="2987579"/>
+          </a:xfrm>
+          <a:prstGeom prst="rect">
+            <a:avLst/>
+          </a:prstGeom>
+        </p:spPr>
+      </p:pic>
+      <p:sp>
+        <p:nvSpPr>
+          <p:cNvPr id="3" name="TextBox 2">
+            <a:extLst>
+              <a:ext uri="{FF2B5EF4-FFF2-40B4-BE49-F238E27FC236}">
+                <a16:creationId xmlns:a16="http://schemas.microsoft.com/office/drawing/2014/main" id="{616FEBEE-85EE-BA26-580C-6B3F9043DC88}"/>
+              </a:ext>
+            </a:extLst>
+          </p:cNvPr>
+          <p:cNvSpPr txBox="1"/>
+          <p:nvPr/>
+        </p:nvSpPr>
+        <p:spPr>
+          <a:xfrm>
+            <a:off x="260431" y="329879"/>
+            <a:ext cx="8906720" cy="6925550"/>
+          </a:xfrm>
+          <a:prstGeom prst="rect">
+            <a:avLst/>
+          </a:prstGeom>
+          <a:noFill/>
+        </p:spPr>
+        <p:txBody>
+          <a:bodyPr wrap="square" rtlCol="0">
+            <a:spAutoFit/>
+          </a:bodyPr>
+          <a:lstStyle/>
+          <a:p>
+            <a:r>
+              <a:rPr lang="en-US" sz="6000" b="1" dirty="0">
+                <a:solidFill>
+                  <a:srgbClr val="3D3935"/>
+                </a:solidFill>
+                <a:latin typeface="Pragmatica" panose="020B0403040502020204" pitchFamily="34" charset="0"/>
+              </a:rPr>
+              <a:t>2. ChatGPT: Your Excel Tactician</a:t>
+            </a:r>
+          </a:p>
+          <a:p>
+            <a:pPr marL="142875">
+              <a:lnSpc>
+                <a:spcPct val="115000"/>
+              </a:lnSpc>
+              <a:spcBef>
+                <a:spcPts val="1125"/>
+              </a:spcBef>
+              <a:buClr>
+                <a:srgbClr val="C00000"/>
+              </a:buClr>
+              <a:buSzPts val="2100"/>
+            </a:pPr>
+            <a:endParaRPr lang="en-US" sz="3600" dirty="0">
+              <a:solidFill>
+                <a:srgbClr val="3D3935"/>
+              </a:solidFill>
+              <a:latin typeface="Pragmatica" panose="020B0403040502020204"/>
+              <a:sym typeface="Consolas"/>
+            </a:endParaRPr>
+          </a:p>
+          <a:p>
+            <a:pPr marL="885825" indent="-742950">
+              <a:lnSpc>
+                <a:spcPct val="115000"/>
+              </a:lnSpc>
+              <a:spcBef>
+                <a:spcPts val="1125"/>
+              </a:spcBef>
+              <a:buClr>
+                <a:srgbClr val="C00000"/>
+              </a:buClr>
+              <a:buSzPts val="2100"/>
+              <a:buFont typeface="Arial" panose="020B0604020202020204" pitchFamily="34" charset="0"/>
+              <a:buChar char="•"/>
+            </a:pPr>
+            <a:r>
+              <a:rPr lang="en-US" sz="3600" dirty="0">
+                <a:solidFill>
+                  <a:srgbClr val="3D3935"/>
+                </a:solidFill>
+                <a:latin typeface="Pragmatica" panose="020B0403040502020204"/>
+                <a:sym typeface="Consolas"/>
+              </a:rPr>
+              <a:t>Generate complex formulas and calculations</a:t>
+            </a:r>
+          </a:p>
+          <a:p>
+            <a:pPr marL="885825" indent="-742950">
+              <a:lnSpc>
+                <a:spcPct val="115000"/>
+              </a:lnSpc>
+              <a:spcBef>
+                <a:spcPts val="1125"/>
+              </a:spcBef>
+              <a:buClr>
+                <a:srgbClr val="C00000"/>
+              </a:buClr>
+              <a:buSzPts val="2100"/>
+              <a:buFont typeface="Arial" panose="020B0604020202020204" pitchFamily="34" charset="0"/>
+              <a:buChar char="•"/>
+            </a:pPr>
+            <a:r>
+              <a:rPr lang="en-US" sz="3600" dirty="0">
+                <a:solidFill>
+                  <a:srgbClr val="3D3935"/>
+                </a:solidFill>
+                <a:latin typeface="Pragmatica" panose="020B0403040502020204"/>
+                <a:sym typeface="Consolas"/>
+              </a:rPr>
+              <a:t>Explain tricky concepts like INDEX/MATCH or VLOOKUP</a:t>
+            </a:r>
+          </a:p>
+          <a:p>
+            <a:pPr marL="885825" indent="-742950">
+              <a:lnSpc>
+                <a:spcPct val="115000"/>
+              </a:lnSpc>
+              <a:spcBef>
+                <a:spcPts val="1125"/>
+              </a:spcBef>
+              <a:buClr>
+                <a:srgbClr val="C00000"/>
+              </a:buClr>
+              <a:buSzPts val="2100"/>
+              <a:buFont typeface="Arial" panose="020B0604020202020204" pitchFamily="34" charset="0"/>
+              <a:buChar char="•"/>
+            </a:pPr>
+            <a:r>
+              <a:rPr lang="en-US" sz="3600" dirty="0">
+                <a:solidFill>
+                  <a:srgbClr val="3D3935"/>
+                </a:solidFill>
+                <a:latin typeface="Pragmatica" panose="020B0403040502020204"/>
+                <a:sym typeface="Consolas"/>
+              </a:rPr>
+              <a:t>Suggest approaches for tackling Excel tasks</a:t>
+            </a:r>
+            <a:endParaRPr lang="en-US" sz="6000" dirty="0">
+              <a:solidFill>
+                <a:srgbClr val="3D3935"/>
+              </a:solidFill>
+              <a:latin typeface="Pragmatica" panose="020B0403040502020204" pitchFamily="34" charset="0"/>
+            </a:endParaRPr>
+          </a:p>
+        </p:txBody>
+      </p:sp>
+    </p:spTree>
+    <p:extLst>
+      <p:ext uri="{BB962C8B-B14F-4D97-AF65-F5344CB8AC3E}">
+        <p14:creationId xmlns:p14="http://schemas.microsoft.com/office/powerpoint/2010/main" val="1137995286"/>
+      </p:ext>
+    </p:extLst>
+  </p:cSld>
+  <p:clrMapOvr>
+    <a:masterClrMapping/>
+  </p:clrMapOvr>
+</p:sld>
+</file>
+
+<file path=ppt/slides/slide14.xml><?xml version="1.0" encoding="utf-8"?>
+<p:sld xmlns:a="http://schemas.openxmlformats.org/drawingml/2006/main" xmlns:r="http://schemas.openxmlformats.org/officeDocument/2006/relationships" xmlns:p="http://schemas.openxmlformats.org/presentationml/2006/main">
+  <p:cSld>
+    <p:spTree>
+      <p:nvGrpSpPr>
+        <p:cNvPr id="1" name="">
+          <a:extLst>
+            <a:ext uri="{FF2B5EF4-FFF2-40B4-BE49-F238E27FC236}">
+              <a16:creationId xmlns:a16="http://schemas.microsoft.com/office/drawing/2014/main" id="{CEB2F837-3537-A181-8A7F-AF0040722FC2}"/>
+            </a:ext>
+          </a:extLst>
+        </p:cNvPr>
+        <p:cNvGrpSpPr/>
+        <p:nvPr/>
+      </p:nvGrpSpPr>
+      <p:grpSpPr>
+        <a:xfrm>
+          <a:off x="0" y="0"/>
+          <a:ext cx="0" cy="0"/>
+          <a:chOff x="0" y="0"/>
+          <a:chExt cx="0" cy="0"/>
+        </a:xfrm>
+      </p:grpSpPr>
+      <p:sp>
+        <p:nvSpPr>
+          <p:cNvPr id="4" name="Rectangle 3">
+            <a:extLst>
+              <a:ext uri="{FF2B5EF4-FFF2-40B4-BE49-F238E27FC236}">
+                <a16:creationId xmlns:a16="http://schemas.microsoft.com/office/drawing/2014/main" id="{22B2E335-327D-4D87-DDCB-AF6AF50DF16D}"/>
+              </a:ext>
+            </a:extLst>
+          </p:cNvPr>
+          <p:cNvSpPr/>
+          <p:nvPr/>
+        </p:nvSpPr>
+        <p:spPr>
+          <a:xfrm>
+            <a:off x="9861630" y="0"/>
+            <a:ext cx="8426370" cy="10287000"/>
+          </a:xfrm>
+          <a:prstGeom prst="rect">
+            <a:avLst/>
+          </a:prstGeom>
+          <a:solidFill>
+            <a:schemeClr val="bg1">
+              <a:lumMod val="50000"/>
+            </a:schemeClr>
+          </a:solidFill>
+          <a:ln>
+            <a:noFill/>
+          </a:ln>
+        </p:spPr>
+        <p:style>
+          <a:lnRef idx="2">
+            <a:schemeClr val="accent1">
+              <a:shade val="50000"/>
+            </a:schemeClr>
+          </a:lnRef>
+          <a:fillRef idx="1">
+            <a:schemeClr val="accent1"/>
+          </a:fillRef>
+          <a:effectRef idx="0">
+            <a:schemeClr val="accent1"/>
+          </a:effectRef>
+          <a:fontRef idx="minor">
+            <a:schemeClr val="lt1"/>
+          </a:fontRef>
+        </p:style>
+        <p:txBody>
+          <a:bodyPr rtlCol="0" anchor="ctr"/>
+          <a:lstStyle/>
+          <a:p>
+            <a:pPr algn="ctr"/>
+            <a:endParaRPr lang="en-US" sz="2700"/>
+          </a:p>
+        </p:txBody>
+      </p:sp>
+      <p:pic>
+        <p:nvPicPr>
+          <p:cNvPr id="2" name="Picture 1">
+            <a:extLst>
+              <a:ext uri="{FF2B5EF4-FFF2-40B4-BE49-F238E27FC236}">
+                <a16:creationId xmlns:a16="http://schemas.microsoft.com/office/drawing/2014/main" id="{0292F1CA-45B2-0DB8-CDBF-3064E27FEB68}"/>
+              </a:ext>
+            </a:extLst>
+          </p:cNvPr>
+          <p:cNvPicPr>
+            <a:picLocks noChangeAspect="1"/>
+          </p:cNvPicPr>
+          <p:nvPr/>
+        </p:nvPicPr>
+        <p:blipFill rotWithShape="1">
+          <a:blip r:embed="rId3">
+            <a:extLst>
+              <a:ext uri="{28A0092B-C50C-407E-A947-70E740481C1C}">
+                <a14:useLocalDpi xmlns:a14="http://schemas.microsoft.com/office/drawing/2010/main" val="0"/>
+              </a:ext>
+            </a:extLst>
+          </a:blip>
+          <a:srcRect l="69227" t="33418" r="20112" b="50548"/>
+          <a:stretch/>
+        </p:blipFill>
+        <p:spPr>
+          <a:xfrm>
+            <a:off x="15579524" y="7544693"/>
+            <a:ext cx="2708477" cy="2987579"/>
+          </a:xfrm>
+          <a:prstGeom prst="rect">
+            <a:avLst/>
+          </a:prstGeom>
+        </p:spPr>
+      </p:pic>
+      <p:sp>
+        <p:nvSpPr>
+          <p:cNvPr id="3" name="TextBox 2">
+            <a:extLst>
+              <a:ext uri="{FF2B5EF4-FFF2-40B4-BE49-F238E27FC236}">
+                <a16:creationId xmlns:a16="http://schemas.microsoft.com/office/drawing/2014/main" id="{8FE39E35-BFF9-F94F-8081-B8E6AC3C9E82}"/>
+              </a:ext>
+            </a:extLst>
+          </p:cNvPr>
+          <p:cNvSpPr txBox="1"/>
+          <p:nvPr/>
+        </p:nvSpPr>
+        <p:spPr>
+          <a:xfrm>
+            <a:off x="260431" y="329879"/>
+            <a:ext cx="8906720" cy="8340809"/>
+          </a:xfrm>
+          <a:prstGeom prst="rect">
+            <a:avLst/>
+          </a:prstGeom>
+          <a:noFill/>
+        </p:spPr>
+        <p:txBody>
+          <a:bodyPr wrap="square" rtlCol="0">
+            <a:spAutoFit/>
+          </a:bodyPr>
+          <a:lstStyle/>
+          <a:p>
+            <a:r>
+              <a:rPr lang="en-US" sz="6000" b="1" dirty="0">
+                <a:solidFill>
+                  <a:srgbClr val="3D3935"/>
+                </a:solidFill>
+                <a:latin typeface="Pragmatica" panose="020B0403040502020204" pitchFamily="34" charset="0"/>
+              </a:rPr>
+              <a:t>3. Microsoft Copilot: Hands-On AI for Excel</a:t>
+            </a:r>
+          </a:p>
+          <a:p>
+            <a:pPr marL="142875">
+              <a:lnSpc>
+                <a:spcPct val="115000"/>
+              </a:lnSpc>
+              <a:spcBef>
+                <a:spcPts val="1125"/>
+              </a:spcBef>
+              <a:buClr>
+                <a:srgbClr val="C00000"/>
+              </a:buClr>
+              <a:buSzPts val="2100"/>
+            </a:pPr>
+            <a:endParaRPr lang="en-US" sz="3600" dirty="0">
+              <a:solidFill>
+                <a:srgbClr val="3D3935"/>
+              </a:solidFill>
+              <a:latin typeface="Pragmatica" panose="020B0403040502020204"/>
+              <a:sym typeface="Consolas"/>
+            </a:endParaRPr>
+          </a:p>
+          <a:p>
+            <a:pPr marL="885825" indent="-742950">
+              <a:lnSpc>
+                <a:spcPct val="115000"/>
+              </a:lnSpc>
+              <a:spcBef>
+                <a:spcPts val="1125"/>
+              </a:spcBef>
+              <a:buClr>
+                <a:srgbClr val="C00000"/>
+              </a:buClr>
+              <a:buSzPts val="2100"/>
+              <a:buFont typeface="Arial" panose="020B0604020202020204" pitchFamily="34" charset="0"/>
+              <a:buChar char="•"/>
+            </a:pPr>
+            <a:r>
+              <a:rPr lang="en-US" sz="3600" dirty="0">
+                <a:solidFill>
+                  <a:srgbClr val="3D3935"/>
+                </a:solidFill>
+                <a:latin typeface="Pragmatica" panose="020B0403040502020204"/>
+                <a:sym typeface="Consolas"/>
+              </a:rPr>
+              <a:t>Free web-based tool for formulas and features</a:t>
+            </a:r>
+          </a:p>
+          <a:p>
+            <a:pPr marL="885825" indent="-742950">
+              <a:lnSpc>
+                <a:spcPct val="115000"/>
+              </a:lnSpc>
+              <a:spcBef>
+                <a:spcPts val="1125"/>
+              </a:spcBef>
+              <a:buClr>
+                <a:srgbClr val="C00000"/>
+              </a:buClr>
+              <a:buSzPts val="2100"/>
+              <a:buFont typeface="Arial" panose="020B0604020202020204" pitchFamily="34" charset="0"/>
+              <a:buChar char="•"/>
+            </a:pPr>
+            <a:r>
+              <a:rPr lang="en-US" sz="3600" dirty="0">
+                <a:solidFill>
+                  <a:srgbClr val="3D3935"/>
+                </a:solidFill>
+                <a:latin typeface="Pragmatica" panose="020B0403040502020204"/>
+                <a:sym typeface="Consolas"/>
+              </a:rPr>
+              <a:t>Uses simulated examples, no data uploads needed</a:t>
+            </a:r>
+          </a:p>
+          <a:p>
+            <a:pPr marL="885825" indent="-742950">
+              <a:lnSpc>
+                <a:spcPct val="115000"/>
+              </a:lnSpc>
+              <a:spcBef>
+                <a:spcPts val="1125"/>
+              </a:spcBef>
+              <a:buClr>
+                <a:srgbClr val="C00000"/>
+              </a:buClr>
+              <a:buSzPts val="2100"/>
+              <a:buFont typeface="Arial" panose="020B0604020202020204" pitchFamily="34" charset="0"/>
+              <a:buChar char="•"/>
+            </a:pPr>
+            <a:r>
+              <a:rPr lang="en-US" sz="3600" dirty="0">
+                <a:solidFill>
+                  <a:srgbClr val="3D3935"/>
+                </a:solidFill>
+                <a:latin typeface="Pragmatica" panose="020B0403040502020204"/>
+                <a:sym typeface="Consolas"/>
+              </a:rPr>
+              <a:t>Ideal for improving skills with public datasets or dashboards</a:t>
+            </a:r>
+          </a:p>
+          <a:p>
+            <a:pPr marL="885825" indent="-742950">
+              <a:lnSpc>
+                <a:spcPct val="115000"/>
+              </a:lnSpc>
+              <a:spcBef>
+                <a:spcPts val="1125"/>
+              </a:spcBef>
+              <a:buClr>
+                <a:srgbClr val="C00000"/>
+              </a:buClr>
+              <a:buSzPts val="2100"/>
+              <a:buFont typeface="Arial" panose="020B0604020202020204" pitchFamily="34" charset="0"/>
+              <a:buChar char="•"/>
+            </a:pPr>
+            <a:r>
+              <a:rPr lang="en-US" sz="3600" dirty="0">
+                <a:solidFill>
+                  <a:srgbClr val="3D3935"/>
+                </a:solidFill>
+                <a:latin typeface="Pragmatica" panose="020B0403040502020204"/>
+                <a:sym typeface="Consolas"/>
+              </a:rPr>
+              <a:t>Great for hands-on practice with AI, even without full Excel integration</a:t>
+            </a:r>
+            <a:endParaRPr lang="en-US" sz="6000" dirty="0">
+              <a:solidFill>
+                <a:srgbClr val="3D3935"/>
+              </a:solidFill>
+              <a:latin typeface="Pragmatica" panose="020B0403040502020204" pitchFamily="34" charset="0"/>
+            </a:endParaRPr>
+          </a:p>
+        </p:txBody>
+      </p:sp>
+    </p:spTree>
+    <p:extLst>
+      <p:ext uri="{BB962C8B-B14F-4D97-AF65-F5344CB8AC3E}">
+        <p14:creationId xmlns:p14="http://schemas.microsoft.com/office/powerpoint/2010/main" val="1428390787"/>
+      </p:ext>
+    </p:extLst>
+  </p:cSld>
+  <p:clrMapOvr>
+    <a:masterClrMapping/>
+  </p:clrMapOvr>
+</p:sld>
+</file>
+
+<file path=ppt/slides/slide15.xml><?xml version="1.0" encoding="utf-8"?>
+<p:sld xmlns:a="http://schemas.openxmlformats.org/drawingml/2006/main" xmlns:r="http://schemas.openxmlformats.org/officeDocument/2006/relationships" xmlns:p="http://schemas.openxmlformats.org/presentationml/2006/main">
+  <p:cSld>
+    <p:spTree>
+      <p:nvGrpSpPr>
+        <p:cNvPr id="1" name="">
+          <a:extLst>
+            <a:ext uri="{FF2B5EF4-FFF2-40B4-BE49-F238E27FC236}">
+              <a16:creationId xmlns:a16="http://schemas.microsoft.com/office/drawing/2014/main" id="{046C6B2B-73C0-A8D6-A3EF-C6AEB1C54F74}"/>
+            </a:ext>
+          </a:extLst>
+        </p:cNvPr>
+        <p:cNvGrpSpPr/>
+        <p:nvPr/>
+      </p:nvGrpSpPr>
+      <p:grpSpPr>
+        <a:xfrm>
+          <a:off x="0" y="0"/>
+          <a:ext cx="0" cy="0"/>
+          <a:chOff x="0" y="0"/>
+          <a:chExt cx="0" cy="0"/>
+        </a:xfrm>
+      </p:grpSpPr>
+      <p:sp>
+        <p:nvSpPr>
+          <p:cNvPr id="4" name="Rectangle 3">
+            <a:extLst>
+              <a:ext uri="{FF2B5EF4-FFF2-40B4-BE49-F238E27FC236}">
+                <a16:creationId xmlns:a16="http://schemas.microsoft.com/office/drawing/2014/main" id="{A0E7D038-DC67-01FD-EBE7-FF8423963D76}"/>
+              </a:ext>
+            </a:extLst>
+          </p:cNvPr>
+          <p:cNvSpPr/>
+          <p:nvPr/>
+        </p:nvSpPr>
+        <p:spPr>
+          <a:xfrm>
+            <a:off x="9861630" y="0"/>
+            <a:ext cx="8426370" cy="10287000"/>
+          </a:xfrm>
+          <a:prstGeom prst="rect">
+            <a:avLst/>
+          </a:prstGeom>
+          <a:solidFill>
+            <a:schemeClr val="bg1">
+              <a:lumMod val="50000"/>
+            </a:schemeClr>
+          </a:solidFill>
+          <a:ln>
+            <a:noFill/>
+          </a:ln>
+        </p:spPr>
+        <p:style>
+          <a:lnRef idx="2">
+            <a:schemeClr val="accent1">
+              <a:shade val="50000"/>
+            </a:schemeClr>
+          </a:lnRef>
+          <a:fillRef idx="1">
+            <a:schemeClr val="accent1"/>
+          </a:fillRef>
+          <a:effectRef idx="0">
+            <a:schemeClr val="accent1"/>
+          </a:effectRef>
+          <a:fontRef idx="minor">
+            <a:schemeClr val="lt1"/>
+          </a:fontRef>
+        </p:style>
+        <p:txBody>
+          <a:bodyPr rtlCol="0" anchor="ctr"/>
+          <a:lstStyle/>
+          <a:p>
+            <a:pPr algn="ctr"/>
+            <a:endParaRPr lang="en-US" sz="2700"/>
+          </a:p>
+        </p:txBody>
+      </p:sp>
+      <p:pic>
+        <p:nvPicPr>
+          <p:cNvPr id="2" name="Picture 1">
+            <a:extLst>
+              <a:ext uri="{FF2B5EF4-FFF2-40B4-BE49-F238E27FC236}">
+                <a16:creationId xmlns:a16="http://schemas.microsoft.com/office/drawing/2014/main" id="{39B0B428-B9DD-FB14-64CD-27285E27619A}"/>
+              </a:ext>
+            </a:extLst>
+          </p:cNvPr>
+          <p:cNvPicPr>
+            <a:picLocks noChangeAspect="1"/>
+          </p:cNvPicPr>
+          <p:nvPr/>
+        </p:nvPicPr>
+        <p:blipFill rotWithShape="1">
+          <a:blip r:embed="rId3">
+            <a:extLst>
+              <a:ext uri="{28A0092B-C50C-407E-A947-70E740481C1C}">
+                <a14:useLocalDpi xmlns:a14="http://schemas.microsoft.com/office/drawing/2010/main" val="0"/>
+              </a:ext>
+            </a:extLst>
+          </a:blip>
+          <a:srcRect l="69227" t="33418" r="20112" b="50548"/>
+          <a:stretch/>
+        </p:blipFill>
+        <p:spPr>
+          <a:xfrm>
+            <a:off x="15579524" y="7544693"/>
+            <a:ext cx="2708477" cy="2987579"/>
+          </a:xfrm>
+          <a:prstGeom prst="rect">
+            <a:avLst/>
+          </a:prstGeom>
+        </p:spPr>
+      </p:pic>
+      <p:sp>
+        <p:nvSpPr>
+          <p:cNvPr id="3" name="TextBox 2">
+            <a:extLst>
+              <a:ext uri="{FF2B5EF4-FFF2-40B4-BE49-F238E27FC236}">
+                <a16:creationId xmlns:a16="http://schemas.microsoft.com/office/drawing/2014/main" id="{8CD0782F-BC92-CC03-0E86-2207EC007B52}"/>
+              </a:ext>
+            </a:extLst>
+          </p:cNvPr>
+          <p:cNvSpPr txBox="1"/>
+          <p:nvPr/>
+        </p:nvSpPr>
+        <p:spPr>
+          <a:xfrm>
+            <a:off x="260431" y="329879"/>
+            <a:ext cx="8906720" cy="8340809"/>
+          </a:xfrm>
+          <a:prstGeom prst="rect">
+            <a:avLst/>
+          </a:prstGeom>
+          <a:noFill/>
+        </p:spPr>
+        <p:txBody>
+          <a:bodyPr wrap="square" rtlCol="0">
+            <a:spAutoFit/>
+          </a:bodyPr>
+          <a:lstStyle/>
+          <a:p>
+            <a:r>
+              <a:rPr lang="en-US" sz="6000" b="1" dirty="0">
+                <a:solidFill>
+                  <a:srgbClr val="3D3935"/>
+                </a:solidFill>
+                <a:latin typeface="Pragmatica" panose="020B0403040502020204" pitchFamily="34" charset="0"/>
+              </a:rPr>
+              <a:t>4. Claude AI: Strategic Insights and Context</a:t>
+            </a:r>
+          </a:p>
+          <a:p>
+            <a:pPr marL="142875">
+              <a:lnSpc>
+                <a:spcPct val="115000"/>
+              </a:lnSpc>
+              <a:spcBef>
+                <a:spcPts val="1125"/>
+              </a:spcBef>
+              <a:buClr>
+                <a:srgbClr val="C00000"/>
+              </a:buClr>
+              <a:buSzPts val="2100"/>
+            </a:pPr>
+            <a:endParaRPr lang="en-US" sz="3600" dirty="0">
+              <a:solidFill>
+                <a:srgbClr val="3D3935"/>
+              </a:solidFill>
+              <a:latin typeface="Pragmatica" panose="020B0403040502020204"/>
+              <a:sym typeface="Consolas"/>
+            </a:endParaRPr>
+          </a:p>
+          <a:p>
+            <a:pPr marL="885825" indent="-742950">
+              <a:lnSpc>
+                <a:spcPct val="115000"/>
+              </a:lnSpc>
+              <a:spcBef>
+                <a:spcPts val="1125"/>
+              </a:spcBef>
+              <a:buClr>
+                <a:srgbClr val="C00000"/>
+              </a:buClr>
+              <a:buSzPts val="2100"/>
+              <a:buFont typeface="Arial" panose="020B0604020202020204" pitchFamily="34" charset="0"/>
+              <a:buChar char="•"/>
+            </a:pPr>
+            <a:r>
+              <a:rPr lang="en-US" sz="3600" dirty="0">
+                <a:solidFill>
+                  <a:srgbClr val="3D3935"/>
+                </a:solidFill>
+                <a:latin typeface="Pragmatica" panose="020B0403040502020204"/>
+                <a:sym typeface="Consolas"/>
+              </a:rPr>
+              <a:t>Excels at workflow improvements and analytical strategies</a:t>
+            </a:r>
+          </a:p>
+          <a:p>
+            <a:pPr marL="885825" indent="-742950">
+              <a:lnSpc>
+                <a:spcPct val="115000"/>
+              </a:lnSpc>
+              <a:spcBef>
+                <a:spcPts val="1125"/>
+              </a:spcBef>
+              <a:buClr>
+                <a:srgbClr val="C00000"/>
+              </a:buClr>
+              <a:buSzPts val="2100"/>
+              <a:buFont typeface="Arial" panose="020B0604020202020204" pitchFamily="34" charset="0"/>
+              <a:buChar char="•"/>
+            </a:pPr>
+            <a:r>
+              <a:rPr lang="en-US" sz="3600" dirty="0">
+                <a:solidFill>
+                  <a:srgbClr val="3D3935"/>
+                </a:solidFill>
+                <a:latin typeface="Pragmatica" panose="020B0403040502020204"/>
+                <a:sym typeface="Consolas"/>
+              </a:rPr>
+              <a:t>Offers contextual explanations for trends and patterns</a:t>
+            </a:r>
+          </a:p>
+          <a:p>
+            <a:pPr marL="885825" indent="-742950">
+              <a:lnSpc>
+                <a:spcPct val="115000"/>
+              </a:lnSpc>
+              <a:spcBef>
+                <a:spcPts val="1125"/>
+              </a:spcBef>
+              <a:buClr>
+                <a:srgbClr val="C00000"/>
+              </a:buClr>
+              <a:buSzPts val="2100"/>
+              <a:buFont typeface="Arial" panose="020B0604020202020204" pitchFamily="34" charset="0"/>
+              <a:buChar char="•"/>
+            </a:pPr>
+            <a:r>
+              <a:rPr lang="en-US" sz="3600" dirty="0">
+                <a:solidFill>
+                  <a:srgbClr val="3D3935"/>
+                </a:solidFill>
+                <a:latin typeface="Pragmatica" panose="020B0403040502020204"/>
+                <a:sym typeface="Consolas"/>
+              </a:rPr>
+              <a:t>Great for exploring public data like unemployment or retail sales</a:t>
+            </a:r>
+          </a:p>
+          <a:p>
+            <a:pPr marL="885825" indent="-742950">
+              <a:lnSpc>
+                <a:spcPct val="115000"/>
+              </a:lnSpc>
+              <a:spcBef>
+                <a:spcPts val="1125"/>
+              </a:spcBef>
+              <a:buClr>
+                <a:srgbClr val="C00000"/>
+              </a:buClr>
+              <a:buSzPts val="2100"/>
+              <a:buFont typeface="Arial" panose="020B0604020202020204" pitchFamily="34" charset="0"/>
+              <a:buChar char="•"/>
+            </a:pPr>
+            <a:r>
+              <a:rPr lang="en-US" sz="3600" dirty="0">
+                <a:solidFill>
+                  <a:srgbClr val="3D3935"/>
+                </a:solidFill>
+                <a:latin typeface="Pragmatica" panose="020B0403040502020204"/>
+                <a:sym typeface="Consolas"/>
+              </a:rPr>
+              <a:t>Ideal for strategic advice over specific formula assistance</a:t>
+            </a:r>
+            <a:endParaRPr lang="en-US" sz="6000" dirty="0">
+              <a:solidFill>
+                <a:srgbClr val="3D3935"/>
+              </a:solidFill>
+              <a:latin typeface="Pragmatica" panose="020B0403040502020204" pitchFamily="34" charset="0"/>
+            </a:endParaRPr>
+          </a:p>
+        </p:txBody>
+      </p:sp>
+    </p:spTree>
+    <p:extLst>
+      <p:ext uri="{BB962C8B-B14F-4D97-AF65-F5344CB8AC3E}">
+        <p14:creationId xmlns:p14="http://schemas.microsoft.com/office/powerpoint/2010/main" val="3914346244"/>
+      </p:ext>
+    </p:extLst>
+  </p:cSld>
+  <p:clrMapOvr>
+    <a:masterClrMapping/>
+  </p:clrMapOvr>
+</p:sld>
+</file>
+
+<file path=ppt/slides/slide16.xml><?xml version="1.0" encoding="utf-8"?>
+<p:sld xmlns:a="http://schemas.openxmlformats.org/drawingml/2006/main" xmlns:r="http://schemas.openxmlformats.org/officeDocument/2006/relationships" xmlns:p="http://schemas.openxmlformats.org/presentationml/2006/main">
+  <p:cSld>
+    <p:spTree>
+      <p:nvGrpSpPr>
+        <p:cNvPr id="1" name=""/>
+        <p:cNvGrpSpPr/>
+        <p:nvPr/>
+      </p:nvGrpSpPr>
+      <p:grpSpPr>
+        <a:xfrm>
+          <a:off x="0" y="0"/>
+          <a:ext cx="0" cy="0"/>
+          <a:chOff x="0" y="0"/>
+          <a:chExt cx="0" cy="0"/>
+        </a:xfrm>
+      </p:grpSpPr>
+      <p:graphicFrame>
+        <p:nvGraphicFramePr>
+          <p:cNvPr id="4" name="Table 3">
+            <a:extLst>
+              <a:ext uri="{FF2B5EF4-FFF2-40B4-BE49-F238E27FC236}">
+                <a16:creationId xmlns:a16="http://schemas.microsoft.com/office/drawing/2014/main" id="{F1322EB4-FC29-10A8-CC18-D8B3A20C01C1}"/>
+              </a:ext>
+            </a:extLst>
+          </p:cNvPr>
+          <p:cNvGraphicFramePr>
+            <a:graphicFrameLocks noGrp="1"/>
+          </p:cNvGraphicFramePr>
+          <p:nvPr>
+            <p:extLst>
+              <p:ext uri="{D42A27DB-BD31-4B8C-83A1-F6EECF244321}">
+                <p14:modId xmlns:p14="http://schemas.microsoft.com/office/powerpoint/2010/main" val="1911078802"/>
+              </p:ext>
+            </p:extLst>
+          </p:nvPr>
+        </p:nvGraphicFramePr>
+        <p:xfrm>
+          <a:off x="685800" y="571500"/>
+          <a:ext cx="16535400" cy="9372598"/>
+        </p:xfrm>
+        <a:graphic>
+          <a:graphicData uri="http://schemas.openxmlformats.org/drawingml/2006/table">
+            <a:tbl>
+              <a:tblPr>
+                <a:tableStyleId>{616DA210-FB5B-4158-B5E0-FEB733F419BA}</a:tableStyleId>
+              </a:tblPr>
+              <a:tblGrid>
+                <a:gridCol w="4133850">
+                  <a:extLst>
+                    <a:ext uri="{9D8B030D-6E8A-4147-A177-3AD203B41FA5}">
+                      <a16:colId xmlns:a16="http://schemas.microsoft.com/office/drawing/2014/main" val="1521853859"/>
+                    </a:ext>
+                  </a:extLst>
+                </a:gridCol>
+                <a:gridCol w="4133850">
+                  <a:extLst>
+                    <a:ext uri="{9D8B030D-6E8A-4147-A177-3AD203B41FA5}">
+                      <a16:colId xmlns:a16="http://schemas.microsoft.com/office/drawing/2014/main" val="1858967430"/>
+                    </a:ext>
+                  </a:extLst>
+                </a:gridCol>
+                <a:gridCol w="4133850">
+                  <a:extLst>
+                    <a:ext uri="{9D8B030D-6E8A-4147-A177-3AD203B41FA5}">
+                      <a16:colId xmlns:a16="http://schemas.microsoft.com/office/drawing/2014/main" val="2150640450"/>
+                    </a:ext>
+                  </a:extLst>
+                </a:gridCol>
+                <a:gridCol w="4133850">
+                  <a:extLst>
+                    <a:ext uri="{9D8B030D-6E8A-4147-A177-3AD203B41FA5}">
+                      <a16:colId xmlns:a16="http://schemas.microsoft.com/office/drawing/2014/main" val="2889842162"/>
+                    </a:ext>
+                  </a:extLst>
+                </a:gridCol>
+              </a:tblGrid>
+              <a:tr h="643917">
+                <a:tc>
+                  <a:txBody>
+                    <a:bodyPr/>
+                    <a:lstStyle/>
+                    <a:p>
+                      <a:pPr algn="l"/>
+                      <a:r>
+                        <a:rPr lang="en-US" sz="2800" b="1">
+                          <a:effectLst/>
+                        </a:rPr>
+                        <a:t>Tool</a:t>
+                      </a:r>
+                      <a:endParaRPr lang="en-US" sz="2800" b="0">
+                        <a:effectLst/>
+                      </a:endParaRPr>
+                    </a:p>
+                  </a:txBody>
+                  <a:tcPr marL="19178" marR="19178" marT="9589" marB="9589" anchor="ctr"/>
+                </a:tc>
+                <a:tc>
+                  <a:txBody>
+                    <a:bodyPr/>
+                    <a:lstStyle/>
+                    <a:p>
+                      <a:pPr algn="l"/>
+                      <a:r>
+                        <a:rPr lang="en-US" sz="2800" b="1">
+                          <a:effectLst/>
+                        </a:rPr>
+                        <a:t>Strengths</a:t>
+                      </a:r>
+                      <a:endParaRPr lang="en-US" sz="2800" b="0">
+                        <a:effectLst/>
+                      </a:endParaRPr>
+                    </a:p>
+                  </a:txBody>
+                  <a:tcPr marL="19178" marR="19178" marT="9589" marB="9589" anchor="ctr"/>
+                </a:tc>
+                <a:tc>
+                  <a:txBody>
+                    <a:bodyPr/>
+                    <a:lstStyle/>
+                    <a:p>
+                      <a:pPr algn="l"/>
+                      <a:r>
+                        <a:rPr lang="en-US" sz="2800" b="1">
+                          <a:effectLst/>
+                        </a:rPr>
+                        <a:t>Weaknesses</a:t>
+                      </a:r>
+                      <a:endParaRPr lang="en-US" sz="2800" b="0">
+                        <a:effectLst/>
+                      </a:endParaRPr>
+                    </a:p>
+                  </a:txBody>
+                  <a:tcPr marL="19178" marR="19178" marT="9589" marB="9589" anchor="ctr"/>
+                </a:tc>
+                <a:tc>
+                  <a:txBody>
+                    <a:bodyPr/>
+                    <a:lstStyle/>
+                    <a:p>
+                      <a:pPr algn="l"/>
+                      <a:r>
+                        <a:rPr lang="en-US" sz="2800" b="1">
+                          <a:effectLst/>
+                        </a:rPr>
+                        <a:t>Use Cases</a:t>
+                      </a:r>
+                      <a:endParaRPr lang="en-US" sz="2800" b="0">
+                        <a:effectLst/>
+                      </a:endParaRPr>
+                    </a:p>
+                  </a:txBody>
+                  <a:tcPr marL="19178" marR="19178" marT="9589" marB="9589" anchor="ctr"/>
+                </a:tc>
+                <a:extLst>
+                  <a:ext uri="{0D108BD9-81ED-4DB2-BD59-A6C34878D82A}">
+                    <a16:rowId xmlns:a16="http://schemas.microsoft.com/office/drawing/2014/main" val="776005539"/>
+                  </a:ext>
+                </a:extLst>
+              </a:tr>
+              <a:tr h="1867710">
+                <a:tc>
+                  <a:txBody>
+                    <a:bodyPr/>
+                    <a:lstStyle/>
+                    <a:p>
+                      <a:pPr algn="l"/>
+                      <a:r>
+                        <a:rPr lang="en-US" sz="2800" b="1">
+                          <a:effectLst/>
+                        </a:rPr>
+                        <a:t>Excel Built-In AI</a:t>
+                      </a:r>
+                      <a:endParaRPr lang="en-US" sz="2800">
+                        <a:effectLst/>
+                      </a:endParaRPr>
+                    </a:p>
+                  </a:txBody>
+                  <a:tcPr marL="19178" marR="19178" marT="9589" marB="9589" anchor="ctr"/>
+                </a:tc>
+                <a:tc>
+                  <a:txBody>
+                    <a:bodyPr/>
+                    <a:lstStyle/>
+                    <a:p>
+                      <a:pPr algn="l"/>
+                      <a:r>
+                        <a:rPr lang="en-US" sz="2800">
+                          <a:effectLst/>
+                        </a:rPr>
+                        <a:t>Integrated directly into Excel, offering seamless and familiar user experience</a:t>
+                      </a:r>
+                    </a:p>
+                  </a:txBody>
+                  <a:tcPr marL="19178" marR="19178" marT="9589" marB="9589" anchor="ctr"/>
+                </a:tc>
+                <a:tc>
+                  <a:txBody>
+                    <a:bodyPr/>
+                    <a:lstStyle/>
+                    <a:p>
+                      <a:pPr algn="l"/>
+                      <a:r>
+                        <a:rPr lang="en-US" sz="2800" dirty="0">
+                          <a:effectLst/>
+                        </a:rPr>
+                        <a:t>Limited to Excel’s built-in functionalities, limited generative AI capabilities</a:t>
+                      </a:r>
+                    </a:p>
+                  </a:txBody>
+                  <a:tcPr marL="19178" marR="19178" marT="9589" marB="9589" anchor="ctr"/>
+                </a:tc>
+                <a:tc>
+                  <a:txBody>
+                    <a:bodyPr/>
+                    <a:lstStyle/>
+                    <a:p>
+                      <a:pPr algn="l"/>
+                      <a:r>
+                        <a:rPr lang="en-US" sz="2800">
+                          <a:effectLst/>
+                        </a:rPr>
+                        <a:t>Automatically identify trends, patterns, and correlations with Analyze Data, gain insights quickly</a:t>
+                      </a:r>
+                    </a:p>
+                  </a:txBody>
+                  <a:tcPr marL="19178" marR="19178" marT="9589" marB="9589" anchor="ctr"/>
+                </a:tc>
+                <a:extLst>
+                  <a:ext uri="{0D108BD9-81ED-4DB2-BD59-A6C34878D82A}">
+                    <a16:rowId xmlns:a16="http://schemas.microsoft.com/office/drawing/2014/main" val="2865021601"/>
+                  </a:ext>
+                </a:extLst>
+              </a:tr>
+              <a:tr h="2096407">
+                <a:tc>
+                  <a:txBody>
+                    <a:bodyPr/>
+                    <a:lstStyle/>
+                    <a:p>
+                      <a:pPr algn="l"/>
+                      <a:r>
+                        <a:rPr lang="en-US" sz="2800" b="1">
+                          <a:effectLst/>
+                        </a:rPr>
+                        <a:t>ChatGPT</a:t>
+                      </a:r>
+                      <a:endParaRPr lang="en-US" sz="2800">
+                        <a:effectLst/>
+                      </a:endParaRPr>
+                    </a:p>
+                  </a:txBody>
+                  <a:tcPr marL="19178" marR="19178" marT="9589" marB="9589" anchor="ctr"/>
+                </a:tc>
+                <a:tc>
+                  <a:txBody>
+                    <a:bodyPr/>
+                    <a:lstStyle/>
+                    <a:p>
+                      <a:pPr algn="l"/>
+                      <a:r>
+                        <a:rPr lang="en-US" sz="2800" dirty="0">
+                          <a:effectLst/>
+                        </a:rPr>
+                        <a:t>Excellent at generating text-based content, offering theoretical guidance, and explaining concepts</a:t>
+                      </a:r>
+                    </a:p>
+                  </a:txBody>
+                  <a:tcPr marL="19178" marR="19178" marT="9589" marB="9589" anchor="ctr"/>
+                </a:tc>
+                <a:tc>
+                  <a:txBody>
+                    <a:bodyPr/>
+                    <a:lstStyle/>
+                    <a:p>
+                      <a:pPr algn="l"/>
+                      <a:r>
+                        <a:rPr lang="en-US" sz="2800">
+                          <a:effectLst/>
+                        </a:rPr>
+                        <a:t>Cannot upload Excel workbooks in the free version, requires careful handling of sensitive data</a:t>
+                      </a:r>
+                    </a:p>
+                  </a:txBody>
+                  <a:tcPr marL="19178" marR="19178" marT="9589" marB="9589" anchor="ctr"/>
+                </a:tc>
+                <a:tc>
+                  <a:txBody>
+                    <a:bodyPr/>
+                    <a:lstStyle/>
+                    <a:p>
+                      <a:pPr algn="l"/>
+                      <a:r>
+                        <a:rPr lang="en-US" sz="2800">
+                          <a:effectLst/>
+                        </a:rPr>
+                        <a:t>Creating complex formulas, explaining Excel features, and offering tips on Excel best practices</a:t>
+                      </a:r>
+                    </a:p>
+                  </a:txBody>
+                  <a:tcPr marL="19178" marR="19178" marT="9589" marB="9589" anchor="ctr"/>
+                </a:tc>
+                <a:extLst>
+                  <a:ext uri="{0D108BD9-81ED-4DB2-BD59-A6C34878D82A}">
+                    <a16:rowId xmlns:a16="http://schemas.microsoft.com/office/drawing/2014/main" val="2818334150"/>
+                  </a:ext>
+                </a:extLst>
+              </a:tr>
+              <a:tr h="2096407">
+                <a:tc>
+                  <a:txBody>
+                    <a:bodyPr/>
+                    <a:lstStyle/>
+                    <a:p>
+                      <a:pPr algn="l"/>
+                      <a:r>
+                        <a:rPr lang="en-US" sz="2800" b="1">
+                          <a:effectLst/>
+                        </a:rPr>
+                        <a:t>Microsoft Copilot</a:t>
+                      </a:r>
+                      <a:endParaRPr lang="en-US" sz="2800">
+                        <a:effectLst/>
+                      </a:endParaRPr>
+                    </a:p>
+                  </a:txBody>
+                  <a:tcPr marL="19178" marR="19178" marT="9589" marB="9589" anchor="ctr"/>
+                </a:tc>
+                <a:tc>
+                  <a:txBody>
+                    <a:bodyPr/>
+                    <a:lstStyle/>
+                    <a:p>
+                      <a:pPr algn="l"/>
+                      <a:r>
+                        <a:rPr lang="en-US" sz="2800">
+                          <a:effectLst/>
+                        </a:rPr>
+                        <a:t>Provides assistance with formulas and feature explanations through theoretical examples</a:t>
+                      </a:r>
+                    </a:p>
+                  </a:txBody>
+                  <a:tcPr marL="19178" marR="19178" marT="9589" marB="9589" anchor="ctr"/>
+                </a:tc>
+                <a:tc>
+                  <a:txBody>
+                    <a:bodyPr/>
+                    <a:lstStyle/>
+                    <a:p>
+                      <a:pPr algn="l"/>
+                      <a:r>
+                        <a:rPr lang="en-US" sz="2800" dirty="0">
+                          <a:effectLst/>
+                        </a:rPr>
+                        <a:t>Free version lacks direct data upload and customization with personal documents</a:t>
+                      </a:r>
+                    </a:p>
+                  </a:txBody>
+                  <a:tcPr marL="19178" marR="19178" marT="9589" marB="9589" anchor="ctr"/>
+                </a:tc>
+                <a:tc>
+                  <a:txBody>
+                    <a:bodyPr/>
+                    <a:lstStyle/>
+                    <a:p>
+                      <a:pPr algn="l"/>
+                      <a:r>
+                        <a:rPr lang="en-US" sz="2800">
+                          <a:effectLst/>
+                        </a:rPr>
+                        <a:t>Suggesting improvements to public datasets, content generation, explaining insights using public data</a:t>
+                      </a:r>
+                    </a:p>
+                  </a:txBody>
+                  <a:tcPr marL="19178" marR="19178" marT="9589" marB="9589" anchor="ctr"/>
+                </a:tc>
+                <a:extLst>
+                  <a:ext uri="{0D108BD9-81ED-4DB2-BD59-A6C34878D82A}">
+                    <a16:rowId xmlns:a16="http://schemas.microsoft.com/office/drawing/2014/main" val="275031321"/>
+                  </a:ext>
+                </a:extLst>
+              </a:tr>
+              <a:tr h="2668157">
+                <a:tc>
+                  <a:txBody>
+                    <a:bodyPr/>
+                    <a:lstStyle/>
+                    <a:p>
+                      <a:pPr algn="l"/>
+                      <a:r>
+                        <a:rPr lang="en-US" sz="2800" b="1">
+                          <a:effectLst/>
+                        </a:rPr>
+                        <a:t>Claude AI</a:t>
+                      </a:r>
+                      <a:endParaRPr lang="en-US" sz="2800">
+                        <a:effectLst/>
+                      </a:endParaRPr>
+                    </a:p>
+                  </a:txBody>
+                  <a:tcPr marL="19178" marR="19178" marT="9589" marB="9589" anchor="ctr"/>
+                </a:tc>
+                <a:tc>
+                  <a:txBody>
+                    <a:bodyPr/>
+                    <a:lstStyle/>
+                    <a:p>
+                      <a:pPr algn="l"/>
+                      <a:r>
+                        <a:rPr lang="en-US" sz="2800">
+                          <a:effectLst/>
+                        </a:rPr>
+                        <a:t>Sophisticated conversational AI, excels in offering high-level analytical strategies</a:t>
+                      </a:r>
+                    </a:p>
+                  </a:txBody>
+                  <a:tcPr marL="19178" marR="19178" marT="9589" marB="9589" anchor="ctr"/>
+                </a:tc>
+                <a:tc>
+                  <a:txBody>
+                    <a:bodyPr/>
+                    <a:lstStyle/>
+                    <a:p>
+                      <a:pPr algn="l"/>
+                      <a:r>
+                        <a:rPr lang="en-US" sz="2800">
+                          <a:effectLst/>
+                        </a:rPr>
+                        <a:t>Requires careful crafting of prompts to get the best results, cannot handle data uploads directly</a:t>
+                      </a:r>
+                    </a:p>
+                  </a:txBody>
+                  <a:tcPr marL="19178" marR="19178" marT="9589" marB="9589" anchor="ctr"/>
+                </a:tc>
+                <a:tc>
+                  <a:txBody>
+                    <a:bodyPr/>
+                    <a:lstStyle/>
+                    <a:p>
+                      <a:pPr algn="l"/>
+                      <a:r>
+                        <a:rPr lang="en-US" sz="2800" dirty="0">
+                          <a:effectLst/>
+                        </a:rPr>
+                        <a:t>Explaining data insights, communicating complex ideas to non-technical audiences, providing contextual explanations</a:t>
+                      </a:r>
+                    </a:p>
+                  </a:txBody>
+                  <a:tcPr marL="19178" marR="19178" marT="9589" marB="9589" anchor="ctr"/>
+                </a:tc>
+                <a:extLst>
+                  <a:ext uri="{0D108BD9-81ED-4DB2-BD59-A6C34878D82A}">
+                    <a16:rowId xmlns:a16="http://schemas.microsoft.com/office/drawing/2014/main" val="3985708462"/>
+                  </a:ext>
+                </a:extLst>
+              </a:tr>
+            </a:tbl>
+          </a:graphicData>
+        </a:graphic>
+      </p:graphicFrame>
+    </p:spTree>
+    <p:extLst>
+      <p:ext uri="{BB962C8B-B14F-4D97-AF65-F5344CB8AC3E}">
+        <p14:creationId xmlns:p14="http://schemas.microsoft.com/office/powerpoint/2010/main" val="3989425667"/>
+      </p:ext>
+    </p:extLst>
+  </p:cSld>
+  <p:clrMapOvr>
+    <a:masterClrMapping/>
+  </p:clrMapOvr>
+</p:sld>
+</file>
+
+<file path=ppt/slides/slide17.xml><?xml version="1.0" encoding="utf-8"?>
+<p:sld xmlns:a="http://schemas.openxmlformats.org/drawingml/2006/main" xmlns:r="http://schemas.openxmlformats.org/officeDocument/2006/relationships" xmlns:p="http://schemas.openxmlformats.org/presentationml/2006/main">
+  <p:cSld>
+    <p:spTree>
+      <p:nvGrpSpPr>
+        <p:cNvPr id="1" name="">
+          <a:extLst>
+            <a:ext uri="{FF2B5EF4-FFF2-40B4-BE49-F238E27FC236}">
+              <a16:creationId xmlns:a16="http://schemas.microsoft.com/office/drawing/2014/main" id="{9078B963-389F-1DFA-EDD4-1C5B908D2410}"/>
+            </a:ext>
+          </a:extLst>
+        </p:cNvPr>
+        <p:cNvGrpSpPr/>
+        <p:nvPr/>
+      </p:nvGrpSpPr>
+      <p:grpSpPr>
+        <a:xfrm>
+          <a:off x="0" y="0"/>
+          <a:ext cx="0" cy="0"/>
+          <a:chOff x="0" y="0"/>
+          <a:chExt cx="0" cy="0"/>
+        </a:xfrm>
+      </p:grpSpPr>
+      <p:sp>
+        <p:nvSpPr>
+          <p:cNvPr id="4" name="Rectangle 3">
+            <a:extLst>
+              <a:ext uri="{FF2B5EF4-FFF2-40B4-BE49-F238E27FC236}">
+                <a16:creationId xmlns:a16="http://schemas.microsoft.com/office/drawing/2014/main" id="{FA2CD1B5-AEF2-3D31-81F5-C8DAB215F48A}"/>
+              </a:ext>
+            </a:extLst>
+          </p:cNvPr>
           <p:cNvSpPr/>
           <p:nvPr/>
         </p:nvSpPr>
@@ -4996,7 +7398,13 @@
       </p:sp>
       <p:pic>
         <p:nvPicPr>
-          <p:cNvPr id="2" name="Picture 1"/>
+          <p:cNvPr id="2" name="Picture 1">
+            <a:extLst>
+              <a:ext uri="{FF2B5EF4-FFF2-40B4-BE49-F238E27FC236}">
+                <a16:creationId xmlns:a16="http://schemas.microsoft.com/office/drawing/2014/main" id="{EA842606-8CA3-4A25-CF0C-74E5C362E67D}"/>
+              </a:ext>
+            </a:extLst>
+          </p:cNvPr>
           <p:cNvPicPr>
             <a:picLocks noChangeAspect="1"/>
           </p:cNvPicPr>
@@ -5025,14 +7433,20 @@
       </p:pic>
       <p:sp>
         <p:nvSpPr>
-          <p:cNvPr id="3" name="TextBox 2"/>
+          <p:cNvPr id="3" name="TextBox 2">
+            <a:extLst>
+              <a:ext uri="{FF2B5EF4-FFF2-40B4-BE49-F238E27FC236}">
+                <a16:creationId xmlns:a16="http://schemas.microsoft.com/office/drawing/2014/main" id="{AAB957A1-9336-CF77-FA3A-66F3B491AF0F}"/>
+              </a:ext>
+            </a:extLst>
+          </p:cNvPr>
           <p:cNvSpPr txBox="1"/>
           <p:nvPr/>
         </p:nvSpPr>
         <p:spPr>
           <a:xfrm>
             <a:off x="260431" y="329879"/>
-            <a:ext cx="8906720" cy="10220747"/>
+            <a:ext cx="8906720" cy="9624238"/>
           </a:xfrm>
           <a:prstGeom prst="rect">
             <a:avLst/>
@@ -5052,11 +7466,19 @@
                 </a:solidFill>
                 <a:latin typeface="Pragmatica" panose="020B0403040502020204" pitchFamily="34" charset="0"/>
               </a:rPr>
-              <a:t>Data management with Copilot EXERCISE</a:t>
-            </a:r>
-          </a:p>
-          <a:p>
-            <a:pPr marL="142875">
+              <a:t>Framing analytics problems with Claude</a:t>
+            </a:r>
+          </a:p>
+          <a:p>
+            <a:endParaRPr lang="en-US" sz="4200" dirty="0">
+              <a:solidFill>
+                <a:srgbClr val="CF3338"/>
+              </a:solidFill>
+              <a:latin typeface="Pragmatica" panose="020B0403040502020204" pitchFamily="34" charset="0"/>
+            </a:endParaRPr>
+          </a:p>
+          <a:p>
+            <a:pPr marL="685800" indent="-542925">
               <a:lnSpc>
                 <a:spcPct val="115000"/>
               </a:lnSpc>
@@ -5067,17 +7489,22 @@
                 <a:srgbClr val="C00000"/>
               </a:buClr>
               <a:buSzPts val="2100"/>
+              <a:buFont typeface="Arial"/>
+              <a:buAutoNum type="arabicPeriod"/>
             </a:pPr>
-            <a:endParaRPr lang="en-US" sz="3600" dirty="0">
-              <a:solidFill>
-                <a:srgbClr val="C00000"/>
-              </a:solidFill>
-              <a:latin typeface="Pragmatica" panose="020B0403040502020204"/>
-              <a:sym typeface="Consolas"/>
-            </a:endParaRPr>
-          </a:p>
-          <a:p>
-            <a:pPr marL="885825" indent="-742950">
+            <a:r>
+              <a:rPr lang="en-US" sz="3600" dirty="0">
+                <a:solidFill>
+                  <a:srgbClr val="C00000"/>
+                </a:solidFill>
+                <a:latin typeface="Pragmatica" panose="020B0403040502020204"/>
+                <a:sym typeface="Consolas"/>
+              </a:rPr>
+              <a:t>Generate and prioritize key factors influencing the analytics problem</a:t>
+            </a:r>
+          </a:p>
+          <a:p>
+            <a:pPr marL="685800" indent="-542925">
               <a:lnSpc>
                 <a:spcPct val="115000"/>
               </a:lnSpc>
@@ -5088,7 +7515,7 @@
                 <a:srgbClr val="C00000"/>
               </a:buClr>
               <a:buSzPts val="2100"/>
-              <a:buFont typeface="+mj-lt"/>
+              <a:buFont typeface="Arial"/>
               <a:buAutoNum type="arabicPeriod"/>
             </a:pPr>
             <a:r>
@@ -5099,31 +7526,11 @@
                 <a:latin typeface="Pragmatica" panose="020B0403040502020204"/>
                 <a:sym typeface="Consolas"/>
               </a:rPr>
-              <a:t>Add </a:t>
-            </a:r>
-            <a:r>
-              <a:rPr lang="en-US" sz="3600" dirty="0" err="1">
-                <a:solidFill>
-                  <a:srgbClr val="C00000"/>
-                </a:solidFill>
-                <a:latin typeface="Pragmatica" panose="020B0403040502020204"/>
-                <a:sym typeface="Consolas"/>
-              </a:rPr>
-              <a:t>total_sales</a:t>
-            </a:r>
-            <a:r>
-              <a:rPr lang="en-US" sz="3600" dirty="0">
-                <a:solidFill>
-                  <a:srgbClr val="C00000"/>
-                </a:solidFill>
-                <a:latin typeface="Pragmatica" panose="020B0403040502020204"/>
-                <a:sym typeface="Consolas"/>
-              </a:rPr>
-              <a:t> column: price * quantity</a:t>
-            </a:r>
-          </a:p>
-          <a:p>
-            <a:pPr marL="885825" indent="-742950">
+              <a:t>Frame the problem using the SMART goal framework</a:t>
+            </a:r>
+          </a:p>
+          <a:p>
+            <a:pPr marL="685800" indent="-542925">
               <a:lnSpc>
                 <a:spcPct val="115000"/>
               </a:lnSpc>
@@ -5134,7 +7541,7 @@
                 <a:srgbClr val="C00000"/>
               </a:buClr>
               <a:buSzPts val="2100"/>
-              <a:buFont typeface="+mj-lt"/>
+              <a:buFont typeface="Arial"/>
               <a:buAutoNum type="arabicPeriod"/>
             </a:pPr>
             <a:r>
@@ -5145,11 +7552,11 @@
                 <a:latin typeface="Pragmatica" panose="020B0403040502020204"/>
                 <a:sym typeface="Consolas"/>
               </a:rPr>
-              <a:t>Hide price and quantity columns</a:t>
-            </a:r>
-          </a:p>
-          <a:p>
-            <a:pPr marL="885825" indent="-742950">
+              <a:t>Identify and gather relevant datasets based on prioritized factors</a:t>
+            </a:r>
+          </a:p>
+          <a:p>
+            <a:pPr marL="685800" indent="-542925">
               <a:lnSpc>
                 <a:spcPct val="115000"/>
               </a:lnSpc>
@@ -5160,7 +7567,7 @@
                 <a:srgbClr val="C00000"/>
               </a:buClr>
               <a:buSzPts val="2100"/>
-              <a:buFont typeface="+mj-lt"/>
+              <a:buFont typeface="Arial"/>
               <a:buAutoNum type="arabicPeriod"/>
             </a:pPr>
             <a:r>
@@ -5171,11 +7578,11 @@
                 <a:latin typeface="Pragmatica" panose="020B0403040502020204"/>
                 <a:sym typeface="Consolas"/>
               </a:rPr>
-              <a:t>Count the number of products in each category</a:t>
-            </a:r>
-          </a:p>
-          <a:p>
-            <a:pPr marL="885825" indent="-742950">
+              <a:t>Structure and conduct analysis with Claude's guidance on key methodologies</a:t>
+            </a:r>
+          </a:p>
+          <a:p>
+            <a:pPr marL="685800" indent="-542925">
               <a:lnSpc>
                 <a:spcPct val="115000"/>
               </a:lnSpc>
@@ -5186,7 +7593,7 @@
                 <a:srgbClr val="C00000"/>
               </a:buClr>
               <a:buSzPts val="2100"/>
-              <a:buFont typeface="+mj-lt"/>
+              <a:buFont typeface="Arial"/>
               <a:buAutoNum type="arabicPeriod"/>
             </a:pPr>
             <a:r>
@@ -5197,104 +7604,15 @@
                 <a:latin typeface="Pragmatica" panose="020B0403040502020204"/>
                 <a:sym typeface="Consolas"/>
               </a:rPr>
-              <a:t>Arrange dataset by </a:t>
-            </a:r>
-            <a:r>
-              <a:rPr lang="en-US" sz="3600" dirty="0" err="1">
-                <a:solidFill>
-                  <a:srgbClr val="C00000"/>
-                </a:solidFill>
-                <a:latin typeface="Pragmatica" panose="020B0403040502020204"/>
-                <a:sym typeface="Consolas"/>
-              </a:rPr>
-              <a:t>total_sales</a:t>
-            </a:r>
-            <a:r>
-              <a:rPr lang="en-US" sz="3600" dirty="0">
-                <a:solidFill>
-                  <a:srgbClr val="C00000"/>
-                </a:solidFill>
-                <a:latin typeface="Pragmatica" panose="020B0403040502020204"/>
-                <a:sym typeface="Consolas"/>
-              </a:rPr>
-              <a:t>, descending</a:t>
-            </a:r>
-          </a:p>
-          <a:p>
-            <a:pPr marL="142875">
-              <a:lnSpc>
-                <a:spcPct val="115000"/>
-              </a:lnSpc>
-              <a:spcBef>
-                <a:spcPts val="1125"/>
-              </a:spcBef>
-              <a:buClr>
-                <a:srgbClr val="C00000"/>
-              </a:buClr>
-              <a:buSzPts val="2100"/>
-            </a:pPr>
-            <a:endParaRPr lang="en-US" sz="3600" dirty="0">
-              <a:solidFill>
-                <a:srgbClr val="C00000"/>
-              </a:solidFill>
-              <a:latin typeface="Pragmatica" panose="020B0403040502020204"/>
-              <a:sym typeface="Consolas"/>
-            </a:endParaRPr>
-          </a:p>
-          <a:p>
-            <a:pPr marL="142875">
-              <a:lnSpc>
-                <a:spcPct val="115000"/>
-              </a:lnSpc>
-              <a:spcBef>
-                <a:spcPts val="1125"/>
-              </a:spcBef>
-              <a:buClr>
-                <a:srgbClr val="C00000"/>
-              </a:buClr>
-              <a:buSzPts val="2100"/>
-            </a:pPr>
-            <a:r>
-              <a:rPr lang="en-US" sz="3600" dirty="0">
-                <a:solidFill>
-                  <a:srgbClr val="C00000"/>
-                </a:solidFill>
-                <a:latin typeface="Pragmatica" panose="020B0403040502020204"/>
-                <a:sym typeface="Consolas"/>
-              </a:rPr>
-              <a:t>File: </a:t>
-            </a:r>
-            <a:r>
-              <a:rPr lang="en-US" sz="3600" dirty="0">
-                <a:solidFill>
-                  <a:srgbClr val="C00000"/>
-                </a:solidFill>
-                <a:latin typeface="Consolas" panose="020B0609020204030204" pitchFamily="49" charset="0"/>
-                <a:sym typeface="Consolas"/>
-              </a:rPr>
-              <a:t>copilot-data-management-challenge.xlsx</a:t>
-            </a:r>
-            <a:endParaRPr lang="en-US" sz="6000" dirty="0">
-              <a:solidFill>
-                <a:srgbClr val="CF3338"/>
-              </a:solidFill>
-              <a:latin typeface="Consolas" panose="020B0609020204030204" pitchFamily="49" charset="0"/>
-            </a:endParaRPr>
-          </a:p>
-          <a:p>
-            <a:endParaRPr lang="en-US" sz="6000" dirty="0">
-              <a:solidFill>
-                <a:srgbClr val="CF3338"/>
-              </a:solidFill>
-              <a:latin typeface="Pragmatica" panose="020B0403040502020204" pitchFamily="34" charset="0"/>
-            </a:endParaRPr>
+              <a:t>Interpret results and determine actionable insights aligned with business objectives</a:t>
+            </a:r>
           </a:p>
         </p:txBody>
       </p:sp>
     </p:spTree>
     <p:extLst>
       <p:ext uri="{BB962C8B-B14F-4D97-AF65-F5344CB8AC3E}">
-        <p14:creationId xmlns:p14="http://schemas.microsoft.com/office/powerpoint/2010/main" val="1347479794"/>
+        <p14:creationId xmlns:p14="http://schemas.microsoft.com/office/powerpoint/2010/main" val="1073414275"/>
       </p:ext>
     </p:extLst>
   </p:cSld>
@@ -5304,12 +7622,18 @@
 </p:sld>
 </file>
 
-<file path=ppt/slides/slide13.xml><?xml version="1.0" encoding="utf-8"?>
+<file path=ppt/slides/slide18.xml><?xml version="1.0" encoding="utf-8"?>
 <p:sld xmlns:a="http://schemas.openxmlformats.org/drawingml/2006/main" xmlns:r="http://schemas.openxmlformats.org/officeDocument/2006/relationships" xmlns:p="http://schemas.openxmlformats.org/presentationml/2006/main">
   <p:cSld>
     <p:spTree>
       <p:nvGrpSpPr>
-        <p:cNvPr id="1" name=""/>
+        <p:cNvPr id="1" name="">
+          <a:extLst>
+            <a:ext uri="{FF2B5EF4-FFF2-40B4-BE49-F238E27FC236}">
+              <a16:creationId xmlns:a16="http://schemas.microsoft.com/office/drawing/2014/main" id="{93067D86-C293-B0C0-6475-49E75B830B53}"/>
+            </a:ext>
+          </a:extLst>
+        </p:cNvPr>
         <p:cNvGrpSpPr/>
         <p:nvPr/>
       </p:nvGrpSpPr>
@@ -5321,277 +7645,15 @@
           <a:chExt cx="0" cy="0"/>
         </a:xfrm>
       </p:grpSpPr>
-      <p:pic>
-        <p:nvPicPr>
-          <p:cNvPr id="10" name="Picture 9"/>
-          <p:cNvPicPr>
-            <a:picLocks noChangeAspect="1"/>
-          </p:cNvPicPr>
-          <p:nvPr/>
-        </p:nvPicPr>
-        <p:blipFill rotWithShape="1">
-          <a:blip r:embed="rId2">
-            <a:extLst>
-              <a:ext uri="{28A0092B-C50C-407E-A947-70E740481C1C}">
-                <a14:useLocalDpi xmlns:a14="http://schemas.microsoft.com/office/drawing/2010/main" val="0"/>
-              </a:ext>
-            </a:extLst>
-          </a:blip>
-          <a:srcRect l="50728" t="56371"/>
-          <a:stretch/>
-        </p:blipFill>
-        <p:spPr>
-          <a:xfrm>
-            <a:off x="12204691" y="3316148"/>
-            <a:ext cx="6083309" cy="6970854"/>
-          </a:xfrm>
-          <a:prstGeom prst="rect">
-            <a:avLst/>
-          </a:prstGeom>
-        </p:spPr>
-      </p:pic>
-      <p:pic>
-        <p:nvPicPr>
-          <p:cNvPr id="4" name="Picture 3"/>
-          <p:cNvPicPr>
-            <a:picLocks noChangeAspect="1"/>
-          </p:cNvPicPr>
-          <p:nvPr/>
-        </p:nvPicPr>
-        <p:blipFill>
-          <a:blip r:embed="rId3">
-            <a:extLst>
-              <a:ext uri="{28A0092B-C50C-407E-A947-70E740481C1C}">
-                <a14:useLocalDpi xmlns:a14="http://schemas.microsoft.com/office/drawing/2010/main" val="0"/>
-              </a:ext>
-            </a:extLst>
-          </a:blip>
-          <a:stretch>
-            <a:fillRect/>
-          </a:stretch>
-        </p:blipFill>
-        <p:spPr>
-          <a:xfrm>
-            <a:off x="-807744" y="-3724155"/>
-            <a:ext cx="15257208" cy="11189825"/>
-          </a:xfrm>
-          <a:prstGeom prst="rect">
-            <a:avLst/>
-          </a:prstGeom>
-        </p:spPr>
-      </p:pic>
-      <p:sp>
-        <p:nvSpPr>
-          <p:cNvPr id="11" name="TextBox 10"/>
-          <p:cNvSpPr txBox="1"/>
-          <p:nvPr/>
-        </p:nvSpPr>
-        <p:spPr>
-          <a:xfrm>
-            <a:off x="486137" y="2531318"/>
-            <a:ext cx="11979797" cy="923330"/>
-          </a:xfrm>
-          <a:prstGeom prst="rect">
-            <a:avLst/>
-          </a:prstGeom>
-          <a:noFill/>
-        </p:spPr>
-        <p:txBody>
-          <a:bodyPr wrap="square" rtlCol="0">
-            <a:spAutoFit/>
-          </a:bodyPr>
-          <a:lstStyle/>
-          <a:p>
-            <a:r>
-              <a:rPr lang="en-US" sz="5400" b="1" dirty="0">
-                <a:solidFill>
-                  <a:srgbClr val="CF3338"/>
-                </a:solidFill>
-                <a:latin typeface="Pragmatica" panose="020B0403040502020204" pitchFamily="34" charset="0"/>
-              </a:rPr>
-              <a:t>Questions?</a:t>
-            </a:r>
-          </a:p>
-        </p:txBody>
-      </p:sp>
-      <p:pic>
-        <p:nvPicPr>
-          <p:cNvPr id="5" name="Picture 4">
+      <p:sp>
+        <p:nvSpPr>
+          <p:cNvPr id="4" name="Rectangle 3">
             <a:extLst>
               <a:ext uri="{FF2B5EF4-FFF2-40B4-BE49-F238E27FC236}">
-                <a16:creationId xmlns:a16="http://schemas.microsoft.com/office/drawing/2014/main" id="{54A06221-5316-4BCF-9FDA-BDB95FF4A778}"/>
+                <a16:creationId xmlns:a16="http://schemas.microsoft.com/office/drawing/2014/main" id="{390C5A14-12E6-2C55-8DEC-27E3672B6F95}"/>
               </a:ext>
             </a:extLst>
           </p:cNvPr>
-          <p:cNvPicPr>
-            <a:picLocks noChangeAspect="1"/>
-          </p:cNvPicPr>
-          <p:nvPr/>
-        </p:nvPicPr>
-        <p:blipFill>
-          <a:blip r:embed="rId4">
-            <a:extLst>
-              <a:ext uri="{28A0092B-C50C-407E-A947-70E740481C1C}">
-                <a14:useLocalDpi xmlns:a14="http://schemas.microsoft.com/office/drawing/2010/main" val="0"/>
-              </a:ext>
-            </a:extLst>
-          </a:blip>
-          <a:srcRect/>
-          <a:stretch/>
-        </p:blipFill>
-        <p:spPr>
-          <a:xfrm>
-            <a:off x="12204691" y="3317239"/>
-            <a:ext cx="6083309" cy="6968672"/>
-          </a:xfrm>
-          <a:prstGeom prst="rect">
-            <a:avLst/>
-          </a:prstGeom>
-        </p:spPr>
-      </p:pic>
-    </p:spTree>
-    <p:extLst>
-      <p:ext uri="{BB962C8B-B14F-4D97-AF65-F5344CB8AC3E}">
-        <p14:creationId xmlns:p14="http://schemas.microsoft.com/office/powerpoint/2010/main" val="661275251"/>
-      </p:ext>
-    </p:extLst>
-  </p:cSld>
-  <p:clrMapOvr>
-    <a:masterClrMapping/>
-  </p:clrMapOvr>
-</p:sld>
-</file>
-
-<file path=ppt/slides/slide14.xml><?xml version="1.0" encoding="utf-8"?>
-<p:sld xmlns:a="http://schemas.openxmlformats.org/drawingml/2006/main" xmlns:r="http://schemas.openxmlformats.org/officeDocument/2006/relationships" xmlns:p="http://schemas.openxmlformats.org/presentationml/2006/main">
-  <p:cSld>
-    <p:spTree>
-      <p:nvGrpSpPr>
-        <p:cNvPr id="1" name=""/>
-        <p:cNvGrpSpPr/>
-        <p:nvPr/>
-      </p:nvGrpSpPr>
-      <p:grpSpPr>
-        <a:xfrm>
-          <a:off x="0" y="0"/>
-          <a:ext cx="0" cy="0"/>
-          <a:chOff x="0" y="0"/>
-          <a:chExt cx="0" cy="0"/>
-        </a:xfrm>
-      </p:grpSpPr>
-      <p:sp>
-        <p:nvSpPr>
-          <p:cNvPr id="4" name="Rectangle 3"/>
-          <p:cNvSpPr/>
-          <p:nvPr/>
-        </p:nvSpPr>
-        <p:spPr>
-          <a:xfrm>
-            <a:off x="0" y="0"/>
-            <a:ext cx="18288000" cy="10287000"/>
-          </a:xfrm>
-          <a:prstGeom prst="rect">
-            <a:avLst/>
-          </a:prstGeom>
-          <a:solidFill>
-            <a:srgbClr val="CF3338"/>
-          </a:solidFill>
-          <a:ln>
-            <a:noFill/>
-          </a:ln>
-        </p:spPr>
-        <p:style>
-          <a:lnRef idx="2">
-            <a:schemeClr val="accent1">
-              <a:shade val="50000"/>
-            </a:schemeClr>
-          </a:lnRef>
-          <a:fillRef idx="1">
-            <a:schemeClr val="accent1"/>
-          </a:fillRef>
-          <a:effectRef idx="0">
-            <a:schemeClr val="accent1"/>
-          </a:effectRef>
-          <a:fontRef idx="minor">
-            <a:schemeClr val="lt1"/>
-          </a:fontRef>
-        </p:style>
-        <p:txBody>
-          <a:bodyPr rtlCol="0" anchor="ctr"/>
-          <a:lstStyle/>
-          <a:p>
-            <a:pPr algn="ctr"/>
-            <a:endParaRPr lang="en-US" sz="2700"/>
-          </a:p>
-        </p:txBody>
-      </p:sp>
-      <p:sp>
-        <p:nvSpPr>
-          <p:cNvPr id="5" name="TextBox 4"/>
-          <p:cNvSpPr txBox="1"/>
-          <p:nvPr/>
-        </p:nvSpPr>
-        <p:spPr>
-          <a:xfrm>
-            <a:off x="781292" y="590309"/>
-            <a:ext cx="15486926" cy="3139321"/>
-          </a:xfrm>
-          <a:prstGeom prst="rect">
-            <a:avLst/>
-          </a:prstGeom>
-          <a:noFill/>
-        </p:spPr>
-        <p:txBody>
-          <a:bodyPr wrap="square" rtlCol="0">
-            <a:spAutoFit/>
-          </a:bodyPr>
-          <a:lstStyle/>
-          <a:p>
-            <a:r>
-              <a:rPr lang="en-US" sz="9900" b="1" dirty="0">
-                <a:solidFill>
-                  <a:schemeClr val="bg1"/>
-                </a:solidFill>
-                <a:latin typeface="Normafixed Tryout" panose="00000409000000000000" pitchFamily="49" charset="0"/>
-              </a:rPr>
-              <a:t>3. Advanced AI applications &amp; troubleshooting</a:t>
-            </a:r>
-          </a:p>
-        </p:txBody>
-      </p:sp>
-    </p:spTree>
-    <p:extLst>
-      <p:ext uri="{BB962C8B-B14F-4D97-AF65-F5344CB8AC3E}">
-        <p14:creationId xmlns:p14="http://schemas.microsoft.com/office/powerpoint/2010/main" val="2305170524"/>
-      </p:ext>
-    </p:extLst>
-  </p:cSld>
-  <p:clrMapOvr>
-    <a:masterClrMapping/>
-  </p:clrMapOvr>
-</p:sld>
-</file>
-
-<file path=ppt/slides/slide15.xml><?xml version="1.0" encoding="utf-8"?>
-<p:sld xmlns:a="http://schemas.openxmlformats.org/drawingml/2006/main" xmlns:r="http://schemas.openxmlformats.org/officeDocument/2006/relationships" xmlns:p="http://schemas.openxmlformats.org/presentationml/2006/main">
-  <p:cSld>
-    <p:spTree>
-      <p:nvGrpSpPr>
-        <p:cNvPr id="1" name=""/>
-        <p:cNvGrpSpPr/>
-        <p:nvPr/>
-      </p:nvGrpSpPr>
-      <p:grpSpPr>
-        <a:xfrm>
-          <a:off x="0" y="0"/>
-          <a:ext cx="0" cy="0"/>
-          <a:chOff x="0" y="0"/>
-          <a:chExt cx="0" cy="0"/>
-        </a:xfrm>
-      </p:grpSpPr>
-      <p:sp>
-        <p:nvSpPr>
-          <p:cNvPr id="4" name="Rectangle 3"/>
           <p:cNvSpPr/>
           <p:nvPr/>
         </p:nvSpPr>
@@ -5637,7 +7699,13 @@
       </p:sp>
       <p:pic>
         <p:nvPicPr>
-          <p:cNvPr id="2" name="Picture 1"/>
+          <p:cNvPr id="2" name="Picture 1">
+            <a:extLst>
+              <a:ext uri="{FF2B5EF4-FFF2-40B4-BE49-F238E27FC236}">
+                <a16:creationId xmlns:a16="http://schemas.microsoft.com/office/drawing/2014/main" id="{5F18503F-8BAF-A610-AB83-E20704DADB40}"/>
+              </a:ext>
+            </a:extLst>
+          </p:cNvPr>
           <p:cNvPicPr>
             <a:picLocks noChangeAspect="1"/>
           </p:cNvPicPr>
@@ -5666,14 +7734,20 @@
       </p:pic>
       <p:sp>
         <p:nvSpPr>
-          <p:cNvPr id="3" name="TextBox 2"/>
+          <p:cNvPr id="3" name="TextBox 2">
+            <a:extLst>
+              <a:ext uri="{FF2B5EF4-FFF2-40B4-BE49-F238E27FC236}">
+                <a16:creationId xmlns:a16="http://schemas.microsoft.com/office/drawing/2014/main" id="{EFE15309-BD39-8B35-2E5C-892ADA58C06C}"/>
+              </a:ext>
+            </a:extLst>
+          </p:cNvPr>
           <p:cNvSpPr txBox="1"/>
           <p:nvPr/>
         </p:nvSpPr>
         <p:spPr>
           <a:xfrm>
             <a:off x="260431" y="329879"/>
-            <a:ext cx="8906720" cy="8036559"/>
+            <a:ext cx="8906720" cy="8349337"/>
           </a:xfrm>
           <a:prstGeom prst="rect">
             <a:avLst/>
@@ -5693,7 +7767,7 @@
                 </a:solidFill>
                 <a:latin typeface="Pragmatica" panose="020B0403040502020204" pitchFamily="34" charset="0"/>
               </a:rPr>
-              <a:t>Debugging complex Excel formulas with AI</a:t>
+              <a:t>Prompting for data viz with ChatGPT</a:t>
             </a:r>
           </a:p>
           <a:p>
@@ -5727,7 +7801,7 @@
                 <a:latin typeface="Pragmatica" panose="020B0403040502020204"/>
                 <a:sym typeface="Consolas"/>
               </a:rPr>
-              <a:t>Conditional formatting</a:t>
+              <a:t>Create prompts for simple data visualizations </a:t>
             </a:r>
           </a:p>
           <a:p>
@@ -5753,7 +7827,7 @@
                 <a:latin typeface="Pragmatica" panose="020B0403040502020204"/>
                 <a:sym typeface="Consolas"/>
               </a:rPr>
-              <a:t>Data analysis</a:t>
+              <a:t>Enhance visuals in Excel by adding trendlines, titles, or adjusting axis labels</a:t>
             </a:r>
           </a:p>
           <a:p>
@@ -5779,8 +7853,31 @@
                 <a:latin typeface="Pragmatica" panose="020B0403040502020204"/>
                 <a:sym typeface="Consolas"/>
               </a:rPr>
-              <a:t>Data visualization</a:t>
-            </a:r>
+              <a:t>Select chart types that best highlight key data insights.</a:t>
+            </a:r>
+          </a:p>
+          <a:p>
+            <a:pPr marL="685800" indent="-542925">
+              <a:lnSpc>
+                <a:spcPct val="115000"/>
+              </a:lnSpc>
+              <a:spcBef>
+                <a:spcPts val="1125"/>
+              </a:spcBef>
+              <a:buClr>
+                <a:srgbClr val="C00000"/>
+              </a:buClr>
+              <a:buSzPts val="2100"/>
+              <a:buFont typeface="Arial"/>
+              <a:buAutoNum type="arabicPeriod"/>
+            </a:pPr>
+            <a:endParaRPr lang="en-US" sz="3600" dirty="0">
+              <a:solidFill>
+                <a:srgbClr val="C00000"/>
+              </a:solidFill>
+              <a:latin typeface="Pragmatica" panose="020B0403040502020204"/>
+              <a:sym typeface="Consolas"/>
+            </a:endParaRPr>
           </a:p>
           <a:p>
             <a:pPr marL="142875">
@@ -5795,27 +7892,6 @@
               </a:buClr>
               <a:buSzPts val="2100"/>
             </a:pPr>
-            <a:endParaRPr lang="en-US" sz="3600" dirty="0">
-              <a:solidFill>
-                <a:srgbClr val="C00000"/>
-              </a:solidFill>
-              <a:latin typeface="Pragmatica" panose="020B0403040502020204"/>
-              <a:sym typeface="Consolas"/>
-            </a:endParaRPr>
-          </a:p>
-          <a:p>
-            <a:pPr marL="142875">
-              <a:lnSpc>
-                <a:spcPct val="115000"/>
-              </a:lnSpc>
-              <a:spcBef>
-                <a:spcPts val="1125"/>
-              </a:spcBef>
-              <a:buClr>
-                <a:srgbClr val="C00000"/>
-              </a:buClr>
-              <a:buSzPts val="2100"/>
-            </a:pPr>
             <a:r>
               <a:rPr lang="en-US" sz="3600" dirty="0">
                 <a:solidFill>
@@ -5834,29 +7910,15 @@
                 <a:latin typeface="Consolas" panose="020B0609020204030204" pitchFamily="49" charset="0"/>
                 <a:sym typeface="Consolas"/>
               </a:rPr>
-              <a:t>copilot-analysis-visualization.xlsx</a:t>
-            </a:r>
-            <a:endParaRPr lang="en-US" sz="6000" dirty="0">
-              <a:solidFill>
-                <a:srgbClr val="CF3338"/>
-              </a:solidFill>
-              <a:latin typeface="Consolas" panose="020B0609020204030204" pitchFamily="49" charset="0"/>
-            </a:endParaRPr>
-          </a:p>
-          <a:p>
-            <a:endParaRPr lang="en-US" sz="6000" dirty="0">
-              <a:solidFill>
-                <a:srgbClr val="CF3338"/>
-              </a:solidFill>
-              <a:latin typeface="Pragmatica" panose="020B0403040502020204" pitchFamily="34" charset="0"/>
-            </a:endParaRPr>
+              <a:t>prompt-ai-for-data-viz.md</a:t>
+            </a:r>
           </a:p>
         </p:txBody>
       </p:sp>
     </p:spTree>
     <p:extLst>
       <p:ext uri="{BB962C8B-B14F-4D97-AF65-F5344CB8AC3E}">
-        <p14:creationId xmlns:p14="http://schemas.microsoft.com/office/powerpoint/2010/main" val="3717021490"/>
+        <p14:creationId xmlns:p14="http://schemas.microsoft.com/office/powerpoint/2010/main" val="1116786906"/>
       </p:ext>
     </p:extLst>
   </p:cSld>
@@ -5866,7 +7928,7 @@
 </p:sld>
 </file>
 
-<file path=ppt/slides/slide16.xml><?xml version="1.0" encoding="utf-8"?>
+<file path=ppt/slides/slide19.xml><?xml version="1.0" encoding="utf-8"?>
 <p:sld xmlns:a="http://schemas.openxmlformats.org/drawingml/2006/main" xmlns:r="http://schemas.openxmlformats.org/officeDocument/2006/relationships" xmlns:p="http://schemas.openxmlformats.org/presentationml/2006/main">
   <p:cSld>
     <p:spTree>
@@ -5874,7 +7936,7 @@
         <p:cNvPr id="1" name="">
           <a:extLst>
             <a:ext uri="{FF2B5EF4-FFF2-40B4-BE49-F238E27FC236}">
-              <a16:creationId xmlns:a16="http://schemas.microsoft.com/office/drawing/2014/main" id="{6EAAD0DA-155B-275D-C6CD-42AD9893B578}"/>
+              <a16:creationId xmlns:a16="http://schemas.microsoft.com/office/drawing/2014/main" id="{3E035C96-55F3-40E5-3499-A39DE47B5FAE}"/>
             </a:ext>
           </a:extLst>
         </p:cNvPr>
@@ -5894,7 +7956,7 @@
           <p:cNvPr id="4" name="Rectangle 3">
             <a:extLst>
               <a:ext uri="{FF2B5EF4-FFF2-40B4-BE49-F238E27FC236}">
-                <a16:creationId xmlns:a16="http://schemas.microsoft.com/office/drawing/2014/main" id="{47535C3D-F86F-75FB-DA06-9A989210AA20}"/>
+                <a16:creationId xmlns:a16="http://schemas.microsoft.com/office/drawing/2014/main" id="{C15DAB5D-B2CB-F691-584D-C4E4A7AF1A95}"/>
               </a:ext>
             </a:extLst>
           </p:cNvPr>
@@ -5946,7 +8008,7 @@
           <p:cNvPr id="2" name="Picture 1">
             <a:extLst>
               <a:ext uri="{FF2B5EF4-FFF2-40B4-BE49-F238E27FC236}">
-                <a16:creationId xmlns:a16="http://schemas.microsoft.com/office/drawing/2014/main" id="{7C18D40D-3961-1A26-0B2A-1FA949A7CAC5}"/>
+                <a16:creationId xmlns:a16="http://schemas.microsoft.com/office/drawing/2014/main" id="{A87DE618-098A-059F-E7E1-EBD9671DDE2E}"/>
               </a:ext>
             </a:extLst>
           </p:cNvPr>
@@ -5981,7 +8043,7 @@
           <p:cNvPr id="3" name="TextBox 2">
             <a:extLst>
               <a:ext uri="{FF2B5EF4-FFF2-40B4-BE49-F238E27FC236}">
-                <a16:creationId xmlns:a16="http://schemas.microsoft.com/office/drawing/2014/main" id="{55EA10CA-C87C-C209-3194-790A4B27C309}"/>
+                <a16:creationId xmlns:a16="http://schemas.microsoft.com/office/drawing/2014/main" id="{C84DAF67-4B9A-36D4-4191-E7297E3700E9}"/>
               </a:ext>
             </a:extLst>
           </p:cNvPr>
@@ -5991,7 +8053,7 @@
         <p:spPr>
           <a:xfrm>
             <a:off x="260431" y="329879"/>
-            <a:ext cx="8906720" cy="8036559"/>
+            <a:ext cx="8906720" cy="7571175"/>
           </a:xfrm>
           <a:prstGeom prst="rect">
             <a:avLst/>
@@ -6011,7 +8073,7 @@
                 </a:solidFill>
                 <a:latin typeface="Pragmatica" panose="020B0403040502020204" pitchFamily="34" charset="0"/>
               </a:rPr>
-              <a:t>Integrating AI into Excel with Analyze Data</a:t>
+              <a:t>Generate synthetic datasets with Copilot</a:t>
             </a:r>
           </a:p>
           <a:p>
@@ -6045,7 +8107,7 @@
                 <a:latin typeface="Pragmatica" panose="020B0403040502020204"/>
                 <a:sym typeface="Consolas"/>
               </a:rPr>
-              <a:t>Conditional formatting</a:t>
+              <a:t>Create a basic dataset with Copilot</a:t>
             </a:r>
           </a:p>
           <a:p>
@@ -6071,7 +8133,7 @@
                 <a:latin typeface="Pragmatica" panose="020B0403040502020204"/>
                 <a:sym typeface="Consolas"/>
               </a:rPr>
-              <a:t>Data analysis</a:t>
+              <a:t>Ask for a complex dataset with multiple columns to get a Python script</a:t>
             </a:r>
           </a:p>
           <a:p>
@@ -6097,11 +8159,11 @@
                 <a:latin typeface="Pragmatica" panose="020B0403040502020204"/>
                 <a:sym typeface="Consolas"/>
               </a:rPr>
-              <a:t>Data visualization</a:t>
-            </a:r>
-          </a:p>
-          <a:p>
-            <a:pPr marL="142875">
+              <a:t>Use specific prompts for Python and Faker to generate detailed synthetic datasets</a:t>
+            </a:r>
+          </a:p>
+          <a:p>
+            <a:pPr marL="685800" indent="-542925">
               <a:lnSpc>
                 <a:spcPct val="115000"/>
               </a:lnSpc>
@@ -6112,27 +8174,8 @@
                 <a:srgbClr val="C00000"/>
               </a:buClr>
               <a:buSzPts val="2100"/>
-            </a:pPr>
-            <a:endParaRPr lang="en-US" sz="3600" dirty="0">
-              <a:solidFill>
-                <a:srgbClr val="C00000"/>
-              </a:solidFill>
-              <a:latin typeface="Pragmatica" panose="020B0403040502020204"/>
-              <a:sym typeface="Consolas"/>
-            </a:endParaRPr>
-          </a:p>
-          <a:p>
-            <a:pPr marL="142875">
-              <a:lnSpc>
-                <a:spcPct val="115000"/>
-              </a:lnSpc>
-              <a:spcBef>
-                <a:spcPts val="1125"/>
-              </a:spcBef>
-              <a:buClr>
-                <a:srgbClr val="C00000"/>
-              </a:buClr>
-              <a:buSzPts val="2100"/>
+              <a:buFont typeface="Arial"/>
+              <a:buAutoNum type="arabicPeriod"/>
             </a:pPr>
             <a:r>
               <a:rPr lang="en-US" sz="3600" dirty="0">
@@ -6142,378 +8185,14 @@
                 <a:latin typeface="Pragmatica" panose="020B0403040502020204"/>
                 <a:sym typeface="Consolas"/>
               </a:rPr>
-              <a:t>File: </a:t>
-            </a:r>
-            <a:r>
-              <a:rPr lang="en-US" sz="3600" dirty="0">
-                <a:solidFill>
-                  <a:srgbClr val="C00000"/>
-                </a:solidFill>
-                <a:latin typeface="Consolas" panose="020B0609020204030204" pitchFamily="49" charset="0"/>
-                <a:sym typeface="Consolas"/>
-              </a:rPr>
-              <a:t>copilot-analysis-visualization.xlsx</a:t>
-            </a:r>
-            <a:endParaRPr lang="en-US" sz="6000" dirty="0">
-              <a:solidFill>
-                <a:srgbClr val="CF3338"/>
-              </a:solidFill>
-              <a:latin typeface="Consolas" panose="020B0609020204030204" pitchFamily="49" charset="0"/>
-            </a:endParaRPr>
-          </a:p>
-          <a:p>
-            <a:endParaRPr lang="en-US" sz="6000" dirty="0">
-              <a:solidFill>
-                <a:srgbClr val="CF3338"/>
-              </a:solidFill>
-              <a:latin typeface="Pragmatica" panose="020B0403040502020204" pitchFamily="34" charset="0"/>
-            </a:endParaRPr>
-          </a:p>
-        </p:txBody>
-      </p:sp>
-    </p:spTree>
-    <p:extLst>
-      <p:ext uri="{BB962C8B-B14F-4D97-AF65-F5344CB8AC3E}">
-        <p14:creationId xmlns:p14="http://schemas.microsoft.com/office/powerpoint/2010/main" val="3334563807"/>
-      </p:ext>
-    </p:extLst>
-  </p:cSld>
-  <p:clrMapOvr>
-    <a:masterClrMapping/>
-  </p:clrMapOvr>
-</p:sld>
-</file>
-
-<file path=ppt/slides/slide17.xml><?xml version="1.0" encoding="utf-8"?>
-<p:sld xmlns:a="http://schemas.openxmlformats.org/drawingml/2006/main" xmlns:r="http://schemas.openxmlformats.org/officeDocument/2006/relationships" xmlns:p="http://schemas.openxmlformats.org/presentationml/2006/main">
-  <p:cSld>
-    <p:spTree>
-      <p:nvGrpSpPr>
-        <p:cNvPr id="1" name=""/>
-        <p:cNvGrpSpPr/>
-        <p:nvPr/>
-      </p:nvGrpSpPr>
-      <p:grpSpPr>
-        <a:xfrm>
-          <a:off x="0" y="0"/>
-          <a:ext cx="0" cy="0"/>
-          <a:chOff x="0" y="0"/>
-          <a:chExt cx="0" cy="0"/>
-        </a:xfrm>
-      </p:grpSpPr>
-      <p:sp>
-        <p:nvSpPr>
-          <p:cNvPr id="4" name="Rectangle 3"/>
-          <p:cNvSpPr/>
-          <p:nvPr/>
-        </p:nvSpPr>
-        <p:spPr>
-          <a:xfrm>
-            <a:off x="9861630" y="0"/>
-            <a:ext cx="8426370" cy="10287000"/>
-          </a:xfrm>
-          <a:prstGeom prst="rect">
-            <a:avLst/>
-          </a:prstGeom>
-          <a:solidFill>
-            <a:srgbClr val="CF3338"/>
-          </a:solidFill>
-          <a:ln>
-            <a:noFill/>
-          </a:ln>
-        </p:spPr>
-        <p:style>
-          <a:lnRef idx="2">
-            <a:schemeClr val="accent1">
-              <a:shade val="50000"/>
-            </a:schemeClr>
-          </a:lnRef>
-          <a:fillRef idx="1">
-            <a:schemeClr val="accent1"/>
-          </a:fillRef>
-          <a:effectRef idx="0">
-            <a:schemeClr val="accent1"/>
-          </a:effectRef>
-          <a:fontRef idx="minor">
-            <a:schemeClr val="lt1"/>
-          </a:fontRef>
-        </p:style>
-        <p:txBody>
-          <a:bodyPr rtlCol="0" anchor="ctr"/>
-          <a:lstStyle/>
-          <a:p>
-            <a:pPr algn="ctr"/>
-            <a:endParaRPr lang="en-US" sz="2700"/>
-          </a:p>
-        </p:txBody>
-      </p:sp>
-      <p:pic>
-        <p:nvPicPr>
-          <p:cNvPr id="2" name="Picture 1"/>
-          <p:cNvPicPr>
-            <a:picLocks noChangeAspect="1"/>
-          </p:cNvPicPr>
-          <p:nvPr/>
-        </p:nvPicPr>
-        <p:blipFill rotWithShape="1">
-          <a:blip r:embed="rId3">
-            <a:extLst>
-              <a:ext uri="{28A0092B-C50C-407E-A947-70E740481C1C}">
-                <a14:useLocalDpi xmlns:a14="http://schemas.microsoft.com/office/drawing/2010/main" val="0"/>
-              </a:ext>
-            </a:extLst>
-          </a:blip>
-          <a:srcRect l="69227" t="33418" r="20112" b="50548"/>
-          <a:stretch/>
-        </p:blipFill>
-        <p:spPr>
-          <a:xfrm>
-            <a:off x="15579524" y="7544693"/>
-            <a:ext cx="2708477" cy="2987579"/>
-          </a:xfrm>
-          <a:prstGeom prst="rect">
-            <a:avLst/>
-          </a:prstGeom>
-        </p:spPr>
-      </p:pic>
-      <p:sp>
-        <p:nvSpPr>
-          <p:cNvPr id="3" name="TextBox 2"/>
-          <p:cNvSpPr txBox="1"/>
-          <p:nvPr/>
-        </p:nvSpPr>
-        <p:spPr>
-          <a:xfrm>
-            <a:off x="260431" y="329879"/>
-            <a:ext cx="8906720" cy="8340104"/>
-          </a:xfrm>
-          <a:prstGeom prst="rect">
-            <a:avLst/>
-          </a:prstGeom>
-          <a:noFill/>
-        </p:spPr>
-        <p:txBody>
-          <a:bodyPr wrap="square" rtlCol="0">
-            <a:spAutoFit/>
-          </a:bodyPr>
-          <a:lstStyle/>
-          <a:p>
-            <a:r>
-              <a:rPr lang="en-US" sz="6000" b="1" dirty="0">
-                <a:solidFill>
-                  <a:srgbClr val="CF3338"/>
-                </a:solidFill>
-                <a:latin typeface="Pragmatica" panose="020B0403040502020204" pitchFamily="34" charset="0"/>
-              </a:rPr>
-              <a:t>Advanced AI apps &amp; troubleshooting EXERCISE</a:t>
+              <a:t>Use random seeds for consistent data in quality control</a:t>
             </a:r>
             <a:endParaRPr lang="en-US" sz="3600" dirty="0">
               <a:solidFill>
                 <a:srgbClr val="C00000"/>
               </a:solidFill>
-              <a:latin typeface="Pragmatica" panose="020B0403040502020204"/>
+              <a:latin typeface="Consolas" panose="020B0609020204030204" pitchFamily="49" charset="0"/>
               <a:sym typeface="Consolas"/>
-            </a:endParaRPr>
-          </a:p>
-          <a:p>
-            <a:pPr marL="714375" indent="-571500">
-              <a:lnSpc>
-                <a:spcPct val="115000"/>
-              </a:lnSpc>
-              <a:spcBef>
-                <a:spcPts val="1125"/>
-              </a:spcBef>
-              <a:buClr>
-                <a:srgbClr val="C00000"/>
-              </a:buClr>
-              <a:buSzPts val="2100"/>
-              <a:buFont typeface="Arial" panose="020B0604020202020204" pitchFamily="34" charset="0"/>
-              <a:buChar char="•"/>
-            </a:pPr>
-            <a:r>
-              <a:rPr lang="en-US" sz="3600" dirty="0">
-                <a:solidFill>
-                  <a:srgbClr val="C00000"/>
-                </a:solidFill>
-                <a:latin typeface="Pragmatica" panose="020B0403040502020204"/>
-                <a:sym typeface="Consolas"/>
-              </a:rPr>
-              <a:t>Add data bar conditional format to </a:t>
-            </a:r>
-            <a:r>
-              <a:rPr lang="en-US" sz="3600" dirty="0" err="1">
-                <a:solidFill>
-                  <a:srgbClr val="C00000"/>
-                </a:solidFill>
-                <a:latin typeface="Pragmatica" panose="020B0403040502020204"/>
-                <a:sym typeface="Consolas"/>
-              </a:rPr>
-              <a:t>avg_review</a:t>
-            </a:r>
-            <a:r>
-              <a:rPr lang="en-US" sz="3600" dirty="0">
-                <a:solidFill>
-                  <a:srgbClr val="C00000"/>
-                </a:solidFill>
-                <a:latin typeface="Pragmatica" panose="020B0403040502020204"/>
-                <a:sym typeface="Consolas"/>
-              </a:rPr>
-              <a:t> column</a:t>
-            </a:r>
-          </a:p>
-          <a:p>
-            <a:pPr marL="714375" indent="-571500">
-              <a:lnSpc>
-                <a:spcPct val="115000"/>
-              </a:lnSpc>
-              <a:spcBef>
-                <a:spcPts val="1125"/>
-              </a:spcBef>
-              <a:buClr>
-                <a:srgbClr val="C00000"/>
-              </a:buClr>
-              <a:buSzPts val="2100"/>
-              <a:buFont typeface="Arial" panose="020B0604020202020204" pitchFamily="34" charset="0"/>
-              <a:buChar char="•"/>
-            </a:pPr>
-            <a:r>
-              <a:rPr lang="en-US" sz="3600" dirty="0">
-                <a:solidFill>
-                  <a:srgbClr val="C00000"/>
-                </a:solidFill>
-                <a:latin typeface="Pragmatica" panose="020B0403040502020204"/>
-                <a:sym typeface="Consolas"/>
-              </a:rPr>
-              <a:t>Visualize relationship between </a:t>
-            </a:r>
-            <a:r>
-              <a:rPr lang="en-US" sz="3600" dirty="0" err="1">
-                <a:solidFill>
-                  <a:srgbClr val="C00000"/>
-                </a:solidFill>
-                <a:latin typeface="Pragmatica" panose="020B0403040502020204"/>
-                <a:sym typeface="Consolas"/>
-              </a:rPr>
-              <a:t>avg_review</a:t>
-            </a:r>
-            <a:r>
-              <a:rPr lang="en-US" sz="3600" dirty="0">
-                <a:solidFill>
-                  <a:srgbClr val="C00000"/>
-                </a:solidFill>
-                <a:latin typeface="Pragmatica" panose="020B0403040502020204"/>
-                <a:sym typeface="Consolas"/>
-              </a:rPr>
-              <a:t> and </a:t>
-            </a:r>
-            <a:r>
-              <a:rPr lang="en-US" sz="3600" dirty="0" err="1">
-                <a:solidFill>
-                  <a:srgbClr val="C00000"/>
-                </a:solidFill>
-                <a:latin typeface="Pragmatica" panose="020B0403040502020204"/>
-                <a:sym typeface="Consolas"/>
-              </a:rPr>
-              <a:t>return_percentage</a:t>
-            </a:r>
-            <a:endParaRPr lang="en-US" sz="3600" dirty="0">
-              <a:solidFill>
-                <a:srgbClr val="C00000"/>
-              </a:solidFill>
-              <a:latin typeface="Pragmatica" panose="020B0403040502020204"/>
-              <a:sym typeface="Consolas"/>
-            </a:endParaRPr>
-          </a:p>
-          <a:p>
-            <a:pPr marL="714375" indent="-571500">
-              <a:lnSpc>
-                <a:spcPct val="115000"/>
-              </a:lnSpc>
-              <a:spcBef>
-                <a:spcPts val="1125"/>
-              </a:spcBef>
-              <a:buClr>
-                <a:srgbClr val="C00000"/>
-              </a:buClr>
-              <a:buSzPts val="2100"/>
-              <a:buFont typeface="Arial" panose="020B0604020202020204" pitchFamily="34" charset="0"/>
-              <a:buChar char="•"/>
-            </a:pPr>
-            <a:r>
-              <a:rPr lang="en-US" sz="3600" dirty="0">
-                <a:solidFill>
-                  <a:srgbClr val="C00000"/>
-                </a:solidFill>
-                <a:latin typeface="Pragmatica" panose="020B0403040502020204"/>
-                <a:sym typeface="Consolas"/>
-              </a:rPr>
-              <a:t>Chart total revenue over time</a:t>
-            </a:r>
-          </a:p>
-          <a:p>
-            <a:pPr marL="714375" indent="-571500">
-              <a:lnSpc>
-                <a:spcPct val="115000"/>
-              </a:lnSpc>
-              <a:spcBef>
-                <a:spcPts val="1125"/>
-              </a:spcBef>
-              <a:buClr>
-                <a:srgbClr val="C00000"/>
-              </a:buClr>
-              <a:buSzPts val="2100"/>
-              <a:buFont typeface="Arial" panose="020B0604020202020204" pitchFamily="34" charset="0"/>
-              <a:buChar char="•"/>
-            </a:pPr>
-            <a:r>
-              <a:rPr lang="en-US" sz="3600" dirty="0">
-                <a:solidFill>
-                  <a:srgbClr val="C00000"/>
-                </a:solidFill>
-                <a:latin typeface="Pragmatica" panose="020B0403040502020204"/>
-                <a:sym typeface="Consolas"/>
-              </a:rPr>
-              <a:t>Find the leading product category based on revenue</a:t>
-            </a:r>
-          </a:p>
-          <a:p>
-            <a:pPr marL="142875">
-              <a:lnSpc>
-                <a:spcPct val="115000"/>
-              </a:lnSpc>
-              <a:spcBef>
-                <a:spcPts val="1125"/>
-              </a:spcBef>
-              <a:buClr>
-                <a:srgbClr val="C00000"/>
-              </a:buClr>
-              <a:buSzPts val="2100"/>
-            </a:pPr>
-            <a:r>
-              <a:rPr lang="en-US" sz="3600" dirty="0">
-                <a:solidFill>
-                  <a:srgbClr val="C00000"/>
-                </a:solidFill>
-                <a:latin typeface="Pragmatica" panose="020B0403040502020204"/>
-                <a:sym typeface="Consolas"/>
-              </a:rPr>
-              <a:t>File: </a:t>
-            </a:r>
-            <a:r>
-              <a:rPr lang="en-US" sz="3600" dirty="0">
-                <a:solidFill>
-                  <a:srgbClr val="C00000"/>
-                </a:solidFill>
-                <a:latin typeface="Consolas" panose="020B0609020204030204" pitchFamily="49" charset="0"/>
-                <a:sym typeface="Consolas"/>
-              </a:rPr>
-              <a:t>advanced-apps-analysis-challenge.xlsx</a:t>
-            </a:r>
-            <a:endParaRPr lang="en-US" sz="6000" dirty="0">
-              <a:solidFill>
-                <a:srgbClr val="CF3338"/>
-              </a:solidFill>
-              <a:latin typeface="Pragmatica" panose="020B0403040502020204" pitchFamily="34" charset="0"/>
             </a:endParaRPr>
           </a:p>
         </p:txBody>
@@ -6521,347 +8200,7 @@
     </p:spTree>
     <p:extLst>
       <p:ext uri="{BB962C8B-B14F-4D97-AF65-F5344CB8AC3E}">
-        <p14:creationId xmlns:p14="http://schemas.microsoft.com/office/powerpoint/2010/main" val="3601430795"/>
-      </p:ext>
-    </p:extLst>
-  </p:cSld>
-  <p:clrMapOvr>
-    <a:masterClrMapping/>
-  </p:clrMapOvr>
-</p:sld>
-</file>
-
-<file path=ppt/slides/slide18.xml><?xml version="1.0" encoding="utf-8"?>
-<p:sld xmlns:a="http://schemas.openxmlformats.org/drawingml/2006/main" xmlns:r="http://schemas.openxmlformats.org/officeDocument/2006/relationships" xmlns:p="http://schemas.openxmlformats.org/presentationml/2006/main">
-  <p:cSld>
-    <p:spTree>
-      <p:nvGrpSpPr>
-        <p:cNvPr id="1" name=""/>
-        <p:cNvGrpSpPr/>
-        <p:nvPr/>
-      </p:nvGrpSpPr>
-      <p:grpSpPr>
-        <a:xfrm>
-          <a:off x="0" y="0"/>
-          <a:ext cx="0" cy="0"/>
-          <a:chOff x="0" y="0"/>
-          <a:chExt cx="0" cy="0"/>
-        </a:xfrm>
-      </p:grpSpPr>
-      <p:pic>
-        <p:nvPicPr>
-          <p:cNvPr id="10" name="Picture 9"/>
-          <p:cNvPicPr>
-            <a:picLocks noChangeAspect="1"/>
-          </p:cNvPicPr>
-          <p:nvPr/>
-        </p:nvPicPr>
-        <p:blipFill rotWithShape="1">
-          <a:blip r:embed="rId2">
-            <a:extLst>
-              <a:ext uri="{28A0092B-C50C-407E-A947-70E740481C1C}">
-                <a14:useLocalDpi xmlns:a14="http://schemas.microsoft.com/office/drawing/2010/main" val="0"/>
-              </a:ext>
-            </a:extLst>
-          </a:blip>
-          <a:srcRect l="50728" t="56371"/>
-          <a:stretch/>
-        </p:blipFill>
-        <p:spPr>
-          <a:xfrm>
-            <a:off x="12204691" y="3316148"/>
-            <a:ext cx="6083309" cy="6970854"/>
-          </a:xfrm>
-          <a:prstGeom prst="rect">
-            <a:avLst/>
-          </a:prstGeom>
-        </p:spPr>
-      </p:pic>
-      <p:pic>
-        <p:nvPicPr>
-          <p:cNvPr id="4" name="Picture 3"/>
-          <p:cNvPicPr>
-            <a:picLocks noChangeAspect="1"/>
-          </p:cNvPicPr>
-          <p:nvPr/>
-        </p:nvPicPr>
-        <p:blipFill>
-          <a:blip r:embed="rId3">
-            <a:extLst>
-              <a:ext uri="{28A0092B-C50C-407E-A947-70E740481C1C}">
-                <a14:useLocalDpi xmlns:a14="http://schemas.microsoft.com/office/drawing/2010/main" val="0"/>
-              </a:ext>
-            </a:extLst>
-          </a:blip>
-          <a:stretch>
-            <a:fillRect/>
-          </a:stretch>
-        </p:blipFill>
-        <p:spPr>
-          <a:xfrm>
-            <a:off x="-807744" y="-3724155"/>
-            <a:ext cx="15257208" cy="11189825"/>
-          </a:xfrm>
-          <a:prstGeom prst="rect">
-            <a:avLst/>
-          </a:prstGeom>
-        </p:spPr>
-      </p:pic>
-      <p:sp>
-        <p:nvSpPr>
-          <p:cNvPr id="11" name="TextBox 10"/>
-          <p:cNvSpPr txBox="1"/>
-          <p:nvPr/>
-        </p:nvSpPr>
-        <p:spPr>
-          <a:xfrm>
-            <a:off x="486137" y="2531318"/>
-            <a:ext cx="11979797" cy="923330"/>
-          </a:xfrm>
-          <a:prstGeom prst="rect">
-            <a:avLst/>
-          </a:prstGeom>
-          <a:noFill/>
-        </p:spPr>
-        <p:txBody>
-          <a:bodyPr wrap="square" rtlCol="0">
-            <a:spAutoFit/>
-          </a:bodyPr>
-          <a:lstStyle/>
-          <a:p>
-            <a:r>
-              <a:rPr lang="en-US" sz="5400" b="1" dirty="0">
-                <a:solidFill>
-                  <a:srgbClr val="CF3338"/>
-                </a:solidFill>
-                <a:latin typeface="Pragmatica" panose="020B0403040502020204" pitchFamily="34" charset="0"/>
-              </a:rPr>
-              <a:t>Questions?</a:t>
-            </a:r>
-          </a:p>
-        </p:txBody>
-      </p:sp>
-      <p:pic>
-        <p:nvPicPr>
-          <p:cNvPr id="5" name="Picture 4">
-            <a:extLst>
-              <a:ext uri="{FF2B5EF4-FFF2-40B4-BE49-F238E27FC236}">
-                <a16:creationId xmlns:a16="http://schemas.microsoft.com/office/drawing/2014/main" id="{54A06221-5316-4BCF-9FDA-BDB95FF4A778}"/>
-              </a:ext>
-            </a:extLst>
-          </p:cNvPr>
-          <p:cNvPicPr>
-            <a:picLocks noChangeAspect="1"/>
-          </p:cNvPicPr>
-          <p:nvPr/>
-        </p:nvPicPr>
-        <p:blipFill>
-          <a:blip r:embed="rId4">
-            <a:extLst>
-              <a:ext uri="{28A0092B-C50C-407E-A947-70E740481C1C}">
-                <a14:useLocalDpi xmlns:a14="http://schemas.microsoft.com/office/drawing/2010/main" val="0"/>
-              </a:ext>
-            </a:extLst>
-          </a:blip>
-          <a:srcRect/>
-          <a:stretch/>
-        </p:blipFill>
-        <p:spPr>
-          <a:xfrm>
-            <a:off x="12204691" y="3317239"/>
-            <a:ext cx="6083309" cy="6968672"/>
-          </a:xfrm>
-          <a:prstGeom prst="rect">
-            <a:avLst/>
-          </a:prstGeom>
-        </p:spPr>
-      </p:pic>
-    </p:spTree>
-    <p:extLst>
-      <p:ext uri="{BB962C8B-B14F-4D97-AF65-F5344CB8AC3E}">
-        <p14:creationId xmlns:p14="http://schemas.microsoft.com/office/powerpoint/2010/main" val="3166451398"/>
-      </p:ext>
-    </p:extLst>
-  </p:cSld>
-  <p:clrMapOvr>
-    <a:masterClrMapping/>
-  </p:clrMapOvr>
-</p:sld>
-</file>
-
-<file path=ppt/slides/slide19.xml><?xml version="1.0" encoding="utf-8"?>
-<p:sld xmlns:a="http://schemas.openxmlformats.org/drawingml/2006/main" xmlns:r="http://schemas.openxmlformats.org/officeDocument/2006/relationships" xmlns:p="http://schemas.openxmlformats.org/presentationml/2006/main">
-  <p:cSld>
-    <p:spTree>
-      <p:nvGrpSpPr>
-        <p:cNvPr id="1" name="">
-          <a:extLst>
-            <a:ext uri="{FF2B5EF4-FFF2-40B4-BE49-F238E27FC236}">
-              <a16:creationId xmlns:a16="http://schemas.microsoft.com/office/drawing/2014/main" id="{EDC1AFB0-C56F-D62F-14A8-F33BEFF463E9}"/>
-            </a:ext>
-          </a:extLst>
-        </p:cNvPr>
-        <p:cNvGrpSpPr/>
-        <p:nvPr/>
-      </p:nvGrpSpPr>
-      <p:grpSpPr>
-        <a:xfrm>
-          <a:off x="0" y="0"/>
-          <a:ext cx="0" cy="0"/>
-          <a:chOff x="0" y="0"/>
-          <a:chExt cx="0" cy="0"/>
-        </a:xfrm>
-      </p:grpSpPr>
-      <p:pic>
-        <p:nvPicPr>
-          <p:cNvPr id="10" name="Picture 9">
-            <a:extLst>
-              <a:ext uri="{FF2B5EF4-FFF2-40B4-BE49-F238E27FC236}">
-                <a16:creationId xmlns:a16="http://schemas.microsoft.com/office/drawing/2014/main" id="{811709C6-2AB2-11C9-7706-1E777C8188E3}"/>
-              </a:ext>
-            </a:extLst>
-          </p:cNvPr>
-          <p:cNvPicPr>
-            <a:picLocks noChangeAspect="1"/>
-          </p:cNvPicPr>
-          <p:nvPr/>
-        </p:nvPicPr>
-        <p:blipFill rotWithShape="1">
-          <a:blip r:embed="rId2">
-            <a:extLst>
-              <a:ext uri="{28A0092B-C50C-407E-A947-70E740481C1C}">
-                <a14:useLocalDpi xmlns:a14="http://schemas.microsoft.com/office/drawing/2010/main" val="0"/>
-              </a:ext>
-            </a:extLst>
-          </a:blip>
-          <a:srcRect l="50728" t="56371"/>
-          <a:stretch/>
-        </p:blipFill>
-        <p:spPr>
-          <a:xfrm>
-            <a:off x="12204691" y="3316148"/>
-            <a:ext cx="6083309" cy="6970854"/>
-          </a:xfrm>
-          <a:prstGeom prst="rect">
-            <a:avLst/>
-          </a:prstGeom>
-        </p:spPr>
-      </p:pic>
-      <p:pic>
-        <p:nvPicPr>
-          <p:cNvPr id="4" name="Picture 3">
-            <a:extLst>
-              <a:ext uri="{FF2B5EF4-FFF2-40B4-BE49-F238E27FC236}">
-                <a16:creationId xmlns:a16="http://schemas.microsoft.com/office/drawing/2014/main" id="{AE251979-A875-B4F6-44AF-C22ED2D4037E}"/>
-              </a:ext>
-            </a:extLst>
-          </p:cNvPr>
-          <p:cNvPicPr>
-            <a:picLocks noChangeAspect="1"/>
-          </p:cNvPicPr>
-          <p:nvPr/>
-        </p:nvPicPr>
-        <p:blipFill>
-          <a:blip r:embed="rId3">
-            <a:extLst>
-              <a:ext uri="{28A0092B-C50C-407E-A947-70E740481C1C}">
-                <a14:useLocalDpi xmlns:a14="http://schemas.microsoft.com/office/drawing/2010/main" val="0"/>
-              </a:ext>
-            </a:extLst>
-          </a:blip>
-          <a:stretch>
-            <a:fillRect/>
-          </a:stretch>
-        </p:blipFill>
-        <p:spPr>
-          <a:xfrm>
-            <a:off x="-807744" y="-3724155"/>
-            <a:ext cx="15257208" cy="11189825"/>
-          </a:xfrm>
-          <a:prstGeom prst="rect">
-            <a:avLst/>
-          </a:prstGeom>
-        </p:spPr>
-      </p:pic>
-      <p:sp>
-        <p:nvSpPr>
-          <p:cNvPr id="11" name="TextBox 10">
-            <a:extLst>
-              <a:ext uri="{FF2B5EF4-FFF2-40B4-BE49-F238E27FC236}">
-                <a16:creationId xmlns:a16="http://schemas.microsoft.com/office/drawing/2014/main" id="{F9AABDF8-0B5F-FB07-E49B-5B114D082EA9}"/>
-              </a:ext>
-            </a:extLst>
-          </p:cNvPr>
-          <p:cNvSpPr txBox="1"/>
-          <p:nvPr/>
-        </p:nvSpPr>
-        <p:spPr>
-          <a:xfrm>
-            <a:off x="486137" y="2531318"/>
-            <a:ext cx="11979797" cy="923330"/>
-          </a:xfrm>
-          <a:prstGeom prst="rect">
-            <a:avLst/>
-          </a:prstGeom>
-          <a:noFill/>
-        </p:spPr>
-        <p:txBody>
-          <a:bodyPr wrap="square" rtlCol="0">
-            <a:spAutoFit/>
-          </a:bodyPr>
-          <a:lstStyle/>
-          <a:p>
-            <a:r>
-              <a:rPr lang="en-US" sz="5400" b="1" dirty="0">
-                <a:solidFill>
-                  <a:srgbClr val="CF3338"/>
-                </a:solidFill>
-                <a:latin typeface="Pragmatica" panose="020B0403040502020204" pitchFamily="34" charset="0"/>
-              </a:rPr>
-              <a:t>THANK YOU</a:t>
-            </a:r>
-          </a:p>
-        </p:txBody>
-      </p:sp>
-      <p:pic>
-        <p:nvPicPr>
-          <p:cNvPr id="5" name="Picture 4">
-            <a:extLst>
-              <a:ext uri="{FF2B5EF4-FFF2-40B4-BE49-F238E27FC236}">
-                <a16:creationId xmlns:a16="http://schemas.microsoft.com/office/drawing/2014/main" id="{472AE35B-57A8-E834-2371-E6A10EEB48B2}"/>
-              </a:ext>
-            </a:extLst>
-          </p:cNvPr>
-          <p:cNvPicPr>
-            <a:picLocks noChangeAspect="1"/>
-          </p:cNvPicPr>
-          <p:nvPr/>
-        </p:nvPicPr>
-        <p:blipFill>
-          <a:blip r:embed="rId4">
-            <a:extLst>
-              <a:ext uri="{28A0092B-C50C-407E-A947-70E740481C1C}">
-                <a14:useLocalDpi xmlns:a14="http://schemas.microsoft.com/office/drawing/2010/main" val="0"/>
-              </a:ext>
-            </a:extLst>
-          </a:blip>
-          <a:srcRect/>
-          <a:stretch/>
-        </p:blipFill>
-        <p:spPr>
-          <a:xfrm>
-            <a:off x="12204691" y="3317239"/>
-            <a:ext cx="6083309" cy="6968672"/>
-          </a:xfrm>
-          <a:prstGeom prst="rect">
-            <a:avLst/>
-          </a:prstGeom>
-        </p:spPr>
-      </p:pic>
-    </p:spTree>
-    <p:extLst>
-      <p:ext uri="{BB962C8B-B14F-4D97-AF65-F5344CB8AC3E}">
-        <p14:creationId xmlns:p14="http://schemas.microsoft.com/office/powerpoint/2010/main" val="1339720629"/>
+        <p14:creationId xmlns:p14="http://schemas.microsoft.com/office/powerpoint/2010/main" val="4172433626"/>
       </p:ext>
     </p:extLst>
   </p:cSld>
@@ -7179,6 +8518,1788 @@
     <p:extLst>
       <p:ext uri="{BB962C8B-B14F-4D97-AF65-F5344CB8AC3E}">
         <p14:creationId xmlns:p14="http://schemas.microsoft.com/office/powerpoint/2010/main" val="166785523"/>
+      </p:ext>
+    </p:extLst>
+  </p:cSld>
+  <p:clrMapOvr>
+    <a:masterClrMapping/>
+  </p:clrMapOvr>
+</p:sld>
+</file>
+
+<file path=ppt/slides/slide20.xml><?xml version="1.0" encoding="utf-8"?>
+<p:sld xmlns:a="http://schemas.openxmlformats.org/drawingml/2006/main" xmlns:r="http://schemas.openxmlformats.org/officeDocument/2006/relationships" xmlns:p="http://schemas.openxmlformats.org/presentationml/2006/main">
+  <p:cSld>
+    <p:spTree>
+      <p:nvGrpSpPr>
+        <p:cNvPr id="1" name="">
+          <a:extLst>
+            <a:ext uri="{FF2B5EF4-FFF2-40B4-BE49-F238E27FC236}">
+              <a16:creationId xmlns:a16="http://schemas.microsoft.com/office/drawing/2014/main" id="{3841EDB8-9AFF-22D7-253F-9E7623B0F362}"/>
+            </a:ext>
+          </a:extLst>
+        </p:cNvPr>
+        <p:cNvGrpSpPr/>
+        <p:nvPr/>
+      </p:nvGrpSpPr>
+      <p:grpSpPr>
+        <a:xfrm>
+          <a:off x="0" y="0"/>
+          <a:ext cx="0" cy="0"/>
+          <a:chOff x="0" y="0"/>
+          <a:chExt cx="0" cy="0"/>
+        </a:xfrm>
+      </p:grpSpPr>
+      <p:sp>
+        <p:nvSpPr>
+          <p:cNvPr id="4" name="Rectangle 3">
+            <a:extLst>
+              <a:ext uri="{FF2B5EF4-FFF2-40B4-BE49-F238E27FC236}">
+                <a16:creationId xmlns:a16="http://schemas.microsoft.com/office/drawing/2014/main" id="{0AA2B1E3-9BB8-2338-DEEF-5287DE9087BD}"/>
+              </a:ext>
+            </a:extLst>
+          </p:cNvPr>
+          <p:cNvSpPr/>
+          <p:nvPr/>
+        </p:nvSpPr>
+        <p:spPr>
+          <a:xfrm>
+            <a:off x="14706600" y="0"/>
+            <a:ext cx="3581400" cy="10287000"/>
+          </a:xfrm>
+          <a:prstGeom prst="rect">
+            <a:avLst/>
+          </a:prstGeom>
+          <a:solidFill>
+            <a:srgbClr val="CF3338"/>
+          </a:solidFill>
+          <a:ln>
+            <a:noFill/>
+          </a:ln>
+        </p:spPr>
+        <p:style>
+          <a:lnRef idx="2">
+            <a:schemeClr val="accent1">
+              <a:shade val="50000"/>
+            </a:schemeClr>
+          </a:lnRef>
+          <a:fillRef idx="1">
+            <a:schemeClr val="accent1"/>
+          </a:fillRef>
+          <a:effectRef idx="0">
+            <a:schemeClr val="accent1"/>
+          </a:effectRef>
+          <a:fontRef idx="minor">
+            <a:schemeClr val="lt1"/>
+          </a:fontRef>
+        </p:style>
+        <p:txBody>
+          <a:bodyPr rtlCol="0" anchor="ctr"/>
+          <a:lstStyle/>
+          <a:p>
+            <a:pPr algn="ctr"/>
+            <a:endParaRPr lang="en-US" sz="2700"/>
+          </a:p>
+        </p:txBody>
+      </p:sp>
+      <p:pic>
+        <p:nvPicPr>
+          <p:cNvPr id="2" name="Picture 1">
+            <a:extLst>
+              <a:ext uri="{FF2B5EF4-FFF2-40B4-BE49-F238E27FC236}">
+                <a16:creationId xmlns:a16="http://schemas.microsoft.com/office/drawing/2014/main" id="{BB4DD7EE-5A0F-FDEC-296D-8B64BDFB437E}"/>
+              </a:ext>
+            </a:extLst>
+          </p:cNvPr>
+          <p:cNvPicPr>
+            <a:picLocks noChangeAspect="1"/>
+          </p:cNvPicPr>
+          <p:nvPr/>
+        </p:nvPicPr>
+        <p:blipFill rotWithShape="1">
+          <a:blip r:embed="rId3">
+            <a:extLst>
+              <a:ext uri="{28A0092B-C50C-407E-A947-70E740481C1C}">
+                <a14:useLocalDpi xmlns:a14="http://schemas.microsoft.com/office/drawing/2010/main" val="0"/>
+              </a:ext>
+            </a:extLst>
+          </a:blip>
+          <a:srcRect l="69227" t="33418" r="20112" b="50548"/>
+          <a:stretch/>
+        </p:blipFill>
+        <p:spPr>
+          <a:xfrm>
+            <a:off x="15579524" y="7544693"/>
+            <a:ext cx="2708477" cy="2987579"/>
+          </a:xfrm>
+          <a:prstGeom prst="rect">
+            <a:avLst/>
+          </a:prstGeom>
+        </p:spPr>
+      </p:pic>
+      <p:sp>
+        <p:nvSpPr>
+          <p:cNvPr id="3" name="TextBox 2">
+            <a:extLst>
+              <a:ext uri="{FF2B5EF4-FFF2-40B4-BE49-F238E27FC236}">
+                <a16:creationId xmlns:a16="http://schemas.microsoft.com/office/drawing/2014/main" id="{8AA6FBA6-64D0-0367-9E8B-21B6079A1DF3}"/>
+              </a:ext>
+            </a:extLst>
+          </p:cNvPr>
+          <p:cNvSpPr txBox="1"/>
+          <p:nvPr/>
+        </p:nvSpPr>
+        <p:spPr>
+          <a:xfrm>
+            <a:off x="260430" y="329879"/>
+            <a:ext cx="13912770" cy="8987076"/>
+          </a:xfrm>
+          <a:prstGeom prst="rect">
+            <a:avLst/>
+          </a:prstGeom>
+          <a:noFill/>
+        </p:spPr>
+        <p:txBody>
+          <a:bodyPr wrap="square" rtlCol="0">
+            <a:spAutoFit/>
+          </a:bodyPr>
+          <a:lstStyle/>
+          <a:p>
+            <a:r>
+              <a:rPr lang="en-US" sz="6000" b="1" dirty="0">
+                <a:solidFill>
+                  <a:srgbClr val="CF3338"/>
+                </a:solidFill>
+                <a:latin typeface="Pragmatica" panose="020B0403040502020204" pitchFamily="34" charset="0"/>
+              </a:rPr>
+              <a:t>Analyzing data with generative AI CHALLENGE</a:t>
+            </a:r>
+          </a:p>
+          <a:p>
+            <a:endParaRPr lang="en-US" sz="4200" dirty="0">
+              <a:solidFill>
+                <a:srgbClr val="CF3338"/>
+              </a:solidFill>
+              <a:latin typeface="Pragmatica" panose="020B0403040502020204" pitchFamily="34" charset="0"/>
+            </a:endParaRPr>
+          </a:p>
+          <a:p>
+            <a:pPr marL="571500" indent="-571500">
+              <a:buFont typeface="Arial" panose="020B0604020202020204" pitchFamily="34" charset="0"/>
+              <a:buChar char="•"/>
+            </a:pPr>
+            <a:r>
+              <a:rPr lang="en-US" sz="3200" dirty="0">
+                <a:solidFill>
+                  <a:srgbClr val="CF3338"/>
+                </a:solidFill>
+                <a:latin typeface="Pragmatica" panose="020B0403040502020204" pitchFamily="34" charset="0"/>
+              </a:rPr>
+              <a:t>Scenario: As a data analyst at a retail company, analyze sales trends to identify revenue opportunities without actual data due to confidentiality constraints.</a:t>
+            </a:r>
+            <a:br>
+              <a:rPr lang="en-US" sz="3200" dirty="0">
+                <a:solidFill>
+                  <a:srgbClr val="CF3338"/>
+                </a:solidFill>
+                <a:latin typeface="Pragmatica" panose="020B0403040502020204" pitchFamily="34" charset="0"/>
+              </a:rPr>
+            </a:br>
+            <a:endParaRPr lang="en-US" sz="3200" dirty="0">
+              <a:solidFill>
+                <a:srgbClr val="CF3338"/>
+              </a:solidFill>
+              <a:latin typeface="Pragmatica" panose="020B0403040502020204" pitchFamily="34" charset="0"/>
+            </a:endParaRPr>
+          </a:p>
+          <a:p>
+            <a:pPr marL="571500" indent="-571500">
+              <a:buFont typeface="Arial" panose="020B0604020202020204" pitchFamily="34" charset="0"/>
+              <a:buChar char="•"/>
+            </a:pPr>
+            <a:r>
+              <a:rPr lang="en-US" sz="3200" dirty="0">
+                <a:solidFill>
+                  <a:srgbClr val="CF3338"/>
+                </a:solidFill>
+                <a:latin typeface="Pragmatica" panose="020B0403040502020204" pitchFamily="34" charset="0"/>
+              </a:rPr>
+              <a:t>Tasks:</a:t>
+            </a:r>
+          </a:p>
+          <a:p>
+            <a:pPr marL="1028700" lvl="1" indent="-571500">
+              <a:buFont typeface="Arial" panose="020B0604020202020204" pitchFamily="34" charset="0"/>
+              <a:buChar char="•"/>
+            </a:pPr>
+            <a:r>
+              <a:rPr lang="en-US" sz="3200" dirty="0">
+                <a:solidFill>
+                  <a:srgbClr val="CF3338"/>
+                </a:solidFill>
+                <a:latin typeface="Pragmatica" panose="020B0403040502020204" pitchFamily="34" charset="0"/>
+              </a:rPr>
+              <a:t>Use Microsoft Copilot to generate a dataset with 1,000 records including Transaction ID, Purchase Date, Product Category, Sales Amount, Store Type, and Customer Age Group, ensuring realistic data distribution.</a:t>
+            </a:r>
+          </a:p>
+          <a:p>
+            <a:pPr marL="1028700" lvl="1" indent="-571500">
+              <a:buFont typeface="Arial" panose="020B0604020202020204" pitchFamily="34" charset="0"/>
+              <a:buChar char="•"/>
+            </a:pPr>
+            <a:r>
+              <a:rPr lang="en-US" sz="3200" dirty="0">
+                <a:solidFill>
+                  <a:srgbClr val="CF3338"/>
+                </a:solidFill>
+                <a:latin typeface="Pragmatica" panose="020B0403040502020204" pitchFamily="34" charset="0"/>
+              </a:rPr>
+              <a:t>If provided by Copilot, execute the Python script with Faker, setting random seeds for consistency.</a:t>
+            </a:r>
+          </a:p>
+          <a:p>
+            <a:pPr marL="1028700" lvl="1" indent="-571500">
+              <a:buFont typeface="Arial" panose="020B0604020202020204" pitchFamily="34" charset="0"/>
+              <a:buChar char="•"/>
+            </a:pPr>
+            <a:r>
+              <a:rPr lang="en-US" sz="3200" dirty="0">
+                <a:solidFill>
+                  <a:srgbClr val="CF3338"/>
+                </a:solidFill>
+                <a:latin typeface="Pragmatica" panose="020B0403040502020204" pitchFamily="34" charset="0"/>
+              </a:rPr>
+              <a:t>Consult ChatGPT to plan and determine effective visualization strategies and chart types.</a:t>
+            </a:r>
+          </a:p>
+          <a:p>
+            <a:pPr marL="1028700" lvl="1" indent="-571500">
+              <a:buFont typeface="Arial" panose="020B0604020202020204" pitchFamily="34" charset="0"/>
+              <a:buChar char="•"/>
+            </a:pPr>
+            <a:r>
+              <a:rPr lang="en-US" sz="3200" dirty="0">
+                <a:solidFill>
+                  <a:srgbClr val="CF3338"/>
+                </a:solidFill>
+                <a:latin typeface="Pragmatica" panose="020B0403040502020204" pitchFamily="34" charset="0"/>
+              </a:rPr>
+              <a:t>Use Claude AI to identify and prioritize sales influencing factors and set a SMART goal.</a:t>
+            </a:r>
+          </a:p>
+        </p:txBody>
+      </p:sp>
+    </p:spTree>
+    <p:extLst>
+      <p:ext uri="{BB962C8B-B14F-4D97-AF65-F5344CB8AC3E}">
+        <p14:creationId xmlns:p14="http://schemas.microsoft.com/office/powerpoint/2010/main" val="326642929"/>
+      </p:ext>
+    </p:extLst>
+  </p:cSld>
+  <p:clrMapOvr>
+    <a:masterClrMapping/>
+  </p:clrMapOvr>
+</p:sld>
+</file>
+
+<file path=ppt/slides/slide21.xml><?xml version="1.0" encoding="utf-8"?>
+<p:sld xmlns:a="http://schemas.openxmlformats.org/drawingml/2006/main" xmlns:r="http://schemas.openxmlformats.org/officeDocument/2006/relationships" xmlns:p="http://schemas.openxmlformats.org/presentationml/2006/main">
+  <p:cSld>
+    <p:spTree>
+      <p:nvGrpSpPr>
+        <p:cNvPr id="1" name=""/>
+        <p:cNvGrpSpPr/>
+        <p:nvPr/>
+      </p:nvGrpSpPr>
+      <p:grpSpPr>
+        <a:xfrm>
+          <a:off x="0" y="0"/>
+          <a:ext cx="0" cy="0"/>
+          <a:chOff x="0" y="0"/>
+          <a:chExt cx="0" cy="0"/>
+        </a:xfrm>
+      </p:grpSpPr>
+      <p:pic>
+        <p:nvPicPr>
+          <p:cNvPr id="10" name="Picture 9"/>
+          <p:cNvPicPr>
+            <a:picLocks noChangeAspect="1"/>
+          </p:cNvPicPr>
+          <p:nvPr/>
+        </p:nvPicPr>
+        <p:blipFill rotWithShape="1">
+          <a:blip r:embed="rId2">
+            <a:extLst>
+              <a:ext uri="{28A0092B-C50C-407E-A947-70E740481C1C}">
+                <a14:useLocalDpi xmlns:a14="http://schemas.microsoft.com/office/drawing/2010/main" val="0"/>
+              </a:ext>
+            </a:extLst>
+          </a:blip>
+          <a:srcRect l="50728" t="56371"/>
+          <a:stretch/>
+        </p:blipFill>
+        <p:spPr>
+          <a:xfrm>
+            <a:off x="12204691" y="3316148"/>
+            <a:ext cx="6083309" cy="6970854"/>
+          </a:xfrm>
+          <a:prstGeom prst="rect">
+            <a:avLst/>
+          </a:prstGeom>
+        </p:spPr>
+      </p:pic>
+      <p:pic>
+        <p:nvPicPr>
+          <p:cNvPr id="4" name="Picture 3"/>
+          <p:cNvPicPr>
+            <a:picLocks noChangeAspect="1"/>
+          </p:cNvPicPr>
+          <p:nvPr/>
+        </p:nvPicPr>
+        <p:blipFill>
+          <a:blip r:embed="rId3">
+            <a:extLst>
+              <a:ext uri="{28A0092B-C50C-407E-A947-70E740481C1C}">
+                <a14:useLocalDpi xmlns:a14="http://schemas.microsoft.com/office/drawing/2010/main" val="0"/>
+              </a:ext>
+            </a:extLst>
+          </a:blip>
+          <a:stretch>
+            <a:fillRect/>
+          </a:stretch>
+        </p:blipFill>
+        <p:spPr>
+          <a:xfrm>
+            <a:off x="-807744" y="-3724155"/>
+            <a:ext cx="15257208" cy="11189825"/>
+          </a:xfrm>
+          <a:prstGeom prst="rect">
+            <a:avLst/>
+          </a:prstGeom>
+        </p:spPr>
+      </p:pic>
+      <p:sp>
+        <p:nvSpPr>
+          <p:cNvPr id="11" name="TextBox 10"/>
+          <p:cNvSpPr txBox="1"/>
+          <p:nvPr/>
+        </p:nvSpPr>
+        <p:spPr>
+          <a:xfrm>
+            <a:off x="486137" y="2531318"/>
+            <a:ext cx="11979797" cy="923330"/>
+          </a:xfrm>
+          <a:prstGeom prst="rect">
+            <a:avLst/>
+          </a:prstGeom>
+          <a:noFill/>
+        </p:spPr>
+        <p:txBody>
+          <a:bodyPr wrap="square" rtlCol="0">
+            <a:spAutoFit/>
+          </a:bodyPr>
+          <a:lstStyle/>
+          <a:p>
+            <a:r>
+              <a:rPr lang="en-US" sz="5400" b="1" dirty="0">
+                <a:solidFill>
+                  <a:srgbClr val="CF3338"/>
+                </a:solidFill>
+                <a:latin typeface="Pragmatica" panose="020B0403040502020204" pitchFamily="34" charset="0"/>
+              </a:rPr>
+              <a:t>Questions?</a:t>
+            </a:r>
+          </a:p>
+        </p:txBody>
+      </p:sp>
+      <p:pic>
+        <p:nvPicPr>
+          <p:cNvPr id="5" name="Picture 4">
+            <a:extLst>
+              <a:ext uri="{FF2B5EF4-FFF2-40B4-BE49-F238E27FC236}">
+                <a16:creationId xmlns:a16="http://schemas.microsoft.com/office/drawing/2014/main" id="{54A06221-5316-4BCF-9FDA-BDB95FF4A778}"/>
+              </a:ext>
+            </a:extLst>
+          </p:cNvPr>
+          <p:cNvPicPr>
+            <a:picLocks noChangeAspect="1"/>
+          </p:cNvPicPr>
+          <p:nvPr/>
+        </p:nvPicPr>
+        <p:blipFill>
+          <a:blip r:embed="rId4">
+            <a:extLst>
+              <a:ext uri="{28A0092B-C50C-407E-A947-70E740481C1C}">
+                <a14:useLocalDpi xmlns:a14="http://schemas.microsoft.com/office/drawing/2010/main" val="0"/>
+              </a:ext>
+            </a:extLst>
+          </a:blip>
+          <a:srcRect/>
+          <a:stretch/>
+        </p:blipFill>
+        <p:spPr>
+          <a:xfrm>
+            <a:off x="12204691" y="3317239"/>
+            <a:ext cx="6083309" cy="6968672"/>
+          </a:xfrm>
+          <a:prstGeom prst="rect">
+            <a:avLst/>
+          </a:prstGeom>
+        </p:spPr>
+      </p:pic>
+    </p:spTree>
+    <p:extLst>
+      <p:ext uri="{BB962C8B-B14F-4D97-AF65-F5344CB8AC3E}">
+        <p14:creationId xmlns:p14="http://schemas.microsoft.com/office/powerpoint/2010/main" val="661275251"/>
+      </p:ext>
+    </p:extLst>
+  </p:cSld>
+  <p:clrMapOvr>
+    <a:masterClrMapping/>
+  </p:clrMapOvr>
+</p:sld>
+</file>
+
+<file path=ppt/slides/slide22.xml><?xml version="1.0" encoding="utf-8"?>
+<p:sld xmlns:a="http://schemas.openxmlformats.org/drawingml/2006/main" xmlns:r="http://schemas.openxmlformats.org/officeDocument/2006/relationships" xmlns:p="http://schemas.openxmlformats.org/presentationml/2006/main">
+  <p:cSld>
+    <p:spTree>
+      <p:nvGrpSpPr>
+        <p:cNvPr id="1" name=""/>
+        <p:cNvGrpSpPr/>
+        <p:nvPr/>
+      </p:nvGrpSpPr>
+      <p:grpSpPr>
+        <a:xfrm>
+          <a:off x="0" y="0"/>
+          <a:ext cx="0" cy="0"/>
+          <a:chOff x="0" y="0"/>
+          <a:chExt cx="0" cy="0"/>
+        </a:xfrm>
+      </p:grpSpPr>
+      <p:sp>
+        <p:nvSpPr>
+          <p:cNvPr id="4" name="Rectangle 3"/>
+          <p:cNvSpPr/>
+          <p:nvPr/>
+        </p:nvSpPr>
+        <p:spPr>
+          <a:xfrm>
+            <a:off x="0" y="0"/>
+            <a:ext cx="18288000" cy="10287000"/>
+          </a:xfrm>
+          <a:prstGeom prst="rect">
+            <a:avLst/>
+          </a:prstGeom>
+          <a:solidFill>
+            <a:srgbClr val="CF3338"/>
+          </a:solidFill>
+          <a:ln>
+            <a:noFill/>
+          </a:ln>
+        </p:spPr>
+        <p:style>
+          <a:lnRef idx="2">
+            <a:schemeClr val="accent1">
+              <a:shade val="50000"/>
+            </a:schemeClr>
+          </a:lnRef>
+          <a:fillRef idx="1">
+            <a:schemeClr val="accent1"/>
+          </a:fillRef>
+          <a:effectRef idx="0">
+            <a:schemeClr val="accent1"/>
+          </a:effectRef>
+          <a:fontRef idx="minor">
+            <a:schemeClr val="lt1"/>
+          </a:fontRef>
+        </p:style>
+        <p:txBody>
+          <a:bodyPr rtlCol="0" anchor="ctr"/>
+          <a:lstStyle/>
+          <a:p>
+            <a:pPr algn="ctr"/>
+            <a:endParaRPr lang="en-US" sz="2700"/>
+          </a:p>
+        </p:txBody>
+      </p:sp>
+      <p:sp>
+        <p:nvSpPr>
+          <p:cNvPr id="5" name="TextBox 4"/>
+          <p:cNvSpPr txBox="1"/>
+          <p:nvPr/>
+        </p:nvSpPr>
+        <p:spPr>
+          <a:xfrm>
+            <a:off x="781292" y="590309"/>
+            <a:ext cx="15486926" cy="3139321"/>
+          </a:xfrm>
+          <a:prstGeom prst="rect">
+            <a:avLst/>
+          </a:prstGeom>
+          <a:noFill/>
+        </p:spPr>
+        <p:txBody>
+          <a:bodyPr wrap="square" rtlCol="0">
+            <a:spAutoFit/>
+          </a:bodyPr>
+          <a:lstStyle/>
+          <a:p>
+            <a:r>
+              <a:rPr lang="en-US" sz="9900" b="1" dirty="0">
+                <a:solidFill>
+                  <a:schemeClr val="bg1"/>
+                </a:solidFill>
+                <a:latin typeface="Normafixed Tryout" panose="00000409000000000000" pitchFamily="49" charset="0"/>
+              </a:rPr>
+              <a:t>3. Advanced AI applications &amp; troubleshooting</a:t>
+            </a:r>
+          </a:p>
+        </p:txBody>
+      </p:sp>
+    </p:spTree>
+    <p:extLst>
+      <p:ext uri="{BB962C8B-B14F-4D97-AF65-F5344CB8AC3E}">
+        <p14:creationId xmlns:p14="http://schemas.microsoft.com/office/powerpoint/2010/main" val="2305170524"/>
+      </p:ext>
+    </p:extLst>
+  </p:cSld>
+  <p:clrMapOvr>
+    <a:masterClrMapping/>
+  </p:clrMapOvr>
+</p:sld>
+</file>
+
+<file path=ppt/slides/slide23.xml><?xml version="1.0" encoding="utf-8"?>
+<p:sld xmlns:a="http://schemas.openxmlformats.org/drawingml/2006/main" xmlns:r="http://schemas.openxmlformats.org/officeDocument/2006/relationships" xmlns:p="http://schemas.openxmlformats.org/presentationml/2006/main">
+  <p:cSld>
+    <p:spTree>
+      <p:nvGrpSpPr>
+        <p:cNvPr id="1" name=""/>
+        <p:cNvGrpSpPr/>
+        <p:nvPr/>
+      </p:nvGrpSpPr>
+      <p:grpSpPr>
+        <a:xfrm>
+          <a:off x="0" y="0"/>
+          <a:ext cx="0" cy="0"/>
+          <a:chOff x="0" y="0"/>
+          <a:chExt cx="0" cy="0"/>
+        </a:xfrm>
+      </p:grpSpPr>
+      <p:sp>
+        <p:nvSpPr>
+          <p:cNvPr id="4" name="Rectangle 3"/>
+          <p:cNvSpPr/>
+          <p:nvPr/>
+        </p:nvSpPr>
+        <p:spPr>
+          <a:xfrm>
+            <a:off x="9861630" y="0"/>
+            <a:ext cx="8426370" cy="10287000"/>
+          </a:xfrm>
+          <a:prstGeom prst="rect">
+            <a:avLst/>
+          </a:prstGeom>
+          <a:solidFill>
+            <a:srgbClr val="CF3338"/>
+          </a:solidFill>
+          <a:ln>
+            <a:noFill/>
+          </a:ln>
+        </p:spPr>
+        <p:style>
+          <a:lnRef idx="2">
+            <a:schemeClr val="accent1">
+              <a:shade val="50000"/>
+            </a:schemeClr>
+          </a:lnRef>
+          <a:fillRef idx="1">
+            <a:schemeClr val="accent1"/>
+          </a:fillRef>
+          <a:effectRef idx="0">
+            <a:schemeClr val="accent1"/>
+          </a:effectRef>
+          <a:fontRef idx="minor">
+            <a:schemeClr val="lt1"/>
+          </a:fontRef>
+        </p:style>
+        <p:txBody>
+          <a:bodyPr rtlCol="0" anchor="ctr"/>
+          <a:lstStyle/>
+          <a:p>
+            <a:pPr algn="ctr"/>
+            <a:endParaRPr lang="en-US" sz="2700"/>
+          </a:p>
+        </p:txBody>
+      </p:sp>
+      <p:pic>
+        <p:nvPicPr>
+          <p:cNvPr id="2" name="Picture 1"/>
+          <p:cNvPicPr>
+            <a:picLocks noChangeAspect="1"/>
+          </p:cNvPicPr>
+          <p:nvPr/>
+        </p:nvPicPr>
+        <p:blipFill rotWithShape="1">
+          <a:blip r:embed="rId3">
+            <a:extLst>
+              <a:ext uri="{28A0092B-C50C-407E-A947-70E740481C1C}">
+                <a14:useLocalDpi xmlns:a14="http://schemas.microsoft.com/office/drawing/2010/main" val="0"/>
+              </a:ext>
+            </a:extLst>
+          </a:blip>
+          <a:srcRect l="69227" t="33418" r="20112" b="50548"/>
+          <a:stretch/>
+        </p:blipFill>
+        <p:spPr>
+          <a:xfrm>
+            <a:off x="15579524" y="7544693"/>
+            <a:ext cx="2708477" cy="2987579"/>
+          </a:xfrm>
+          <a:prstGeom prst="rect">
+            <a:avLst/>
+          </a:prstGeom>
+        </p:spPr>
+      </p:pic>
+      <p:sp>
+        <p:nvSpPr>
+          <p:cNvPr id="3" name="TextBox 2"/>
+          <p:cNvSpPr txBox="1"/>
+          <p:nvPr/>
+        </p:nvSpPr>
+        <p:spPr>
+          <a:xfrm>
+            <a:off x="260431" y="329879"/>
+            <a:ext cx="8906720" cy="9310754"/>
+          </a:xfrm>
+          <a:prstGeom prst="rect">
+            <a:avLst/>
+          </a:prstGeom>
+          <a:noFill/>
+        </p:spPr>
+        <p:txBody>
+          <a:bodyPr wrap="square" rtlCol="0">
+            <a:spAutoFit/>
+          </a:bodyPr>
+          <a:lstStyle/>
+          <a:p>
+            <a:r>
+              <a:rPr lang="en-US" sz="6000" b="1" dirty="0">
+                <a:solidFill>
+                  <a:srgbClr val="CF3338"/>
+                </a:solidFill>
+                <a:latin typeface="Pragmatica" panose="020B0403040502020204" pitchFamily="34" charset="0"/>
+              </a:rPr>
+              <a:t>Debugging complex Excel formulas with ChatGPT</a:t>
+            </a:r>
+          </a:p>
+          <a:p>
+            <a:endParaRPr lang="en-US" sz="4200" dirty="0">
+              <a:solidFill>
+                <a:srgbClr val="CF3338"/>
+              </a:solidFill>
+              <a:latin typeface="Pragmatica" panose="020B0403040502020204" pitchFamily="34" charset="0"/>
+            </a:endParaRPr>
+          </a:p>
+          <a:p>
+            <a:pPr marL="685800" indent="-542925">
+              <a:lnSpc>
+                <a:spcPct val="115000"/>
+              </a:lnSpc>
+              <a:spcBef>
+                <a:spcPts val="1125"/>
+              </a:spcBef>
+              <a:buClr>
+                <a:srgbClr val="C00000"/>
+              </a:buClr>
+              <a:buSzPts val="2100"/>
+              <a:buFont typeface="Arial"/>
+              <a:buAutoNum type="arabicPeriod"/>
+            </a:pPr>
+            <a:r>
+              <a:rPr lang="en-US" sz="3600" dirty="0">
+                <a:solidFill>
+                  <a:srgbClr val="C00000"/>
+                </a:solidFill>
+                <a:latin typeface="Pragmatica" panose="020B0403040502020204"/>
+                <a:sym typeface="Consolas"/>
+              </a:rPr>
+              <a:t>Paste broken formulas into ChatGPT to explain the problem for assistance</a:t>
+            </a:r>
+          </a:p>
+          <a:p>
+            <a:pPr marL="685800" indent="-542925">
+              <a:lnSpc>
+                <a:spcPct val="115000"/>
+              </a:lnSpc>
+              <a:spcBef>
+                <a:spcPts val="1125"/>
+              </a:spcBef>
+              <a:buClr>
+                <a:srgbClr val="C00000"/>
+              </a:buClr>
+              <a:buSzPts val="2100"/>
+              <a:buFont typeface="Arial"/>
+              <a:buAutoNum type="arabicPeriod"/>
+            </a:pPr>
+            <a:r>
+              <a:rPr lang="en-US" sz="3600" dirty="0">
+                <a:solidFill>
+                  <a:srgbClr val="C00000"/>
+                </a:solidFill>
+                <a:latin typeface="Pragmatica" panose="020B0403040502020204"/>
+                <a:sym typeface="Consolas"/>
+              </a:rPr>
+              <a:t>Apply fixes suggested by ChatGPT to the formula</a:t>
+            </a:r>
+          </a:p>
+          <a:p>
+            <a:pPr marL="685800" indent="-542925">
+              <a:lnSpc>
+                <a:spcPct val="115000"/>
+              </a:lnSpc>
+              <a:spcBef>
+                <a:spcPts val="1125"/>
+              </a:spcBef>
+              <a:buClr>
+                <a:srgbClr val="C00000"/>
+              </a:buClr>
+              <a:buSzPts val="2100"/>
+              <a:buFont typeface="Arial"/>
+              <a:buAutoNum type="arabicPeriod"/>
+            </a:pPr>
+            <a:r>
+              <a:rPr lang="en-US" sz="3600" dirty="0">
+                <a:solidFill>
+                  <a:srgbClr val="C00000"/>
+                </a:solidFill>
+                <a:latin typeface="Pragmatica" panose="020B0403040502020204"/>
+                <a:sym typeface="Consolas"/>
+              </a:rPr>
+              <a:t>If unsatisfied, ask ChatGPT for new formula options or further debugging advice.</a:t>
+            </a:r>
+          </a:p>
+          <a:p>
+            <a:pPr marL="685800" indent="-542925">
+              <a:lnSpc>
+                <a:spcPct val="115000"/>
+              </a:lnSpc>
+              <a:spcBef>
+                <a:spcPts val="1125"/>
+              </a:spcBef>
+              <a:buClr>
+                <a:srgbClr val="C00000"/>
+              </a:buClr>
+              <a:buSzPts val="2100"/>
+              <a:buFont typeface="Arial"/>
+              <a:buAutoNum type="arabicPeriod"/>
+            </a:pPr>
+            <a:endParaRPr lang="en-US" sz="3600" dirty="0">
+              <a:solidFill>
+                <a:srgbClr val="C00000"/>
+              </a:solidFill>
+              <a:latin typeface="Pragmatica" panose="020B0403040502020204"/>
+              <a:sym typeface="Consolas"/>
+            </a:endParaRPr>
+          </a:p>
+          <a:p>
+            <a:pPr marL="142875">
+              <a:lnSpc>
+                <a:spcPct val="115000"/>
+              </a:lnSpc>
+              <a:spcBef>
+                <a:spcPts val="1125"/>
+              </a:spcBef>
+              <a:buClr>
+                <a:srgbClr val="C00000"/>
+              </a:buClr>
+              <a:buSzPts val="2100"/>
+            </a:pPr>
+            <a:r>
+              <a:rPr lang="en-US" sz="3600" dirty="0">
+                <a:solidFill>
+                  <a:srgbClr val="C00000"/>
+                </a:solidFill>
+                <a:latin typeface="Pragmatica" panose="020B0403040502020204"/>
+                <a:sym typeface="Consolas"/>
+              </a:rPr>
+              <a:t>File: </a:t>
+            </a:r>
+            <a:r>
+              <a:rPr lang="en-US" sz="3600" dirty="0">
+                <a:solidFill>
+                  <a:srgbClr val="C00000"/>
+                </a:solidFill>
+                <a:latin typeface="Consolas" panose="020B0609020204030204" pitchFamily="49" charset="0"/>
+                <a:sym typeface="Consolas"/>
+              </a:rPr>
+              <a:t>debug-formulas.xlsx</a:t>
+            </a:r>
+            <a:endParaRPr lang="en-US" sz="6000" dirty="0">
+              <a:solidFill>
+                <a:srgbClr val="CF3338"/>
+              </a:solidFill>
+              <a:latin typeface="Consolas" panose="020B0609020204030204" pitchFamily="49" charset="0"/>
+            </a:endParaRPr>
+          </a:p>
+          <a:p>
+            <a:endParaRPr lang="en-US" sz="6000" dirty="0">
+              <a:solidFill>
+                <a:srgbClr val="CF3338"/>
+              </a:solidFill>
+              <a:latin typeface="Pragmatica" panose="020B0403040502020204" pitchFamily="34" charset="0"/>
+            </a:endParaRPr>
+          </a:p>
+        </p:txBody>
+      </p:sp>
+    </p:spTree>
+    <p:extLst>
+      <p:ext uri="{BB962C8B-B14F-4D97-AF65-F5344CB8AC3E}">
+        <p14:creationId xmlns:p14="http://schemas.microsoft.com/office/powerpoint/2010/main" val="3717021490"/>
+      </p:ext>
+    </p:extLst>
+  </p:cSld>
+  <p:clrMapOvr>
+    <a:masterClrMapping/>
+  </p:clrMapOvr>
+</p:sld>
+</file>
+
+<file path=ppt/slides/slide24.xml><?xml version="1.0" encoding="utf-8"?>
+<p:sld xmlns:a="http://schemas.openxmlformats.org/drawingml/2006/main" xmlns:r="http://schemas.openxmlformats.org/officeDocument/2006/relationships" xmlns:p="http://schemas.openxmlformats.org/presentationml/2006/main">
+  <p:cSld>
+    <p:spTree>
+      <p:nvGrpSpPr>
+        <p:cNvPr id="1" name="">
+          <a:extLst>
+            <a:ext uri="{FF2B5EF4-FFF2-40B4-BE49-F238E27FC236}">
+              <a16:creationId xmlns:a16="http://schemas.microsoft.com/office/drawing/2014/main" id="{6EAAD0DA-155B-275D-C6CD-42AD9893B578}"/>
+            </a:ext>
+          </a:extLst>
+        </p:cNvPr>
+        <p:cNvGrpSpPr/>
+        <p:nvPr/>
+      </p:nvGrpSpPr>
+      <p:grpSpPr>
+        <a:xfrm>
+          <a:off x="0" y="0"/>
+          <a:ext cx="0" cy="0"/>
+          <a:chOff x="0" y="0"/>
+          <a:chExt cx="0" cy="0"/>
+        </a:xfrm>
+      </p:grpSpPr>
+      <p:sp>
+        <p:nvSpPr>
+          <p:cNvPr id="4" name="Rectangle 3">
+            <a:extLst>
+              <a:ext uri="{FF2B5EF4-FFF2-40B4-BE49-F238E27FC236}">
+                <a16:creationId xmlns:a16="http://schemas.microsoft.com/office/drawing/2014/main" id="{47535C3D-F86F-75FB-DA06-9A989210AA20}"/>
+              </a:ext>
+            </a:extLst>
+          </p:cNvPr>
+          <p:cNvSpPr/>
+          <p:nvPr/>
+        </p:nvSpPr>
+        <p:spPr>
+          <a:xfrm>
+            <a:off x="9861630" y="0"/>
+            <a:ext cx="8426370" cy="10287000"/>
+          </a:xfrm>
+          <a:prstGeom prst="rect">
+            <a:avLst/>
+          </a:prstGeom>
+          <a:solidFill>
+            <a:srgbClr val="CF3338"/>
+          </a:solidFill>
+          <a:ln>
+            <a:noFill/>
+          </a:ln>
+        </p:spPr>
+        <p:style>
+          <a:lnRef idx="2">
+            <a:schemeClr val="accent1">
+              <a:shade val="50000"/>
+            </a:schemeClr>
+          </a:lnRef>
+          <a:fillRef idx="1">
+            <a:schemeClr val="accent1"/>
+          </a:fillRef>
+          <a:effectRef idx="0">
+            <a:schemeClr val="accent1"/>
+          </a:effectRef>
+          <a:fontRef idx="minor">
+            <a:schemeClr val="lt1"/>
+          </a:fontRef>
+        </p:style>
+        <p:txBody>
+          <a:bodyPr rtlCol="0" anchor="ctr"/>
+          <a:lstStyle/>
+          <a:p>
+            <a:pPr algn="ctr"/>
+            <a:endParaRPr lang="en-US" sz="2700"/>
+          </a:p>
+        </p:txBody>
+      </p:sp>
+      <p:pic>
+        <p:nvPicPr>
+          <p:cNvPr id="2" name="Picture 1">
+            <a:extLst>
+              <a:ext uri="{FF2B5EF4-FFF2-40B4-BE49-F238E27FC236}">
+                <a16:creationId xmlns:a16="http://schemas.microsoft.com/office/drawing/2014/main" id="{7C18D40D-3961-1A26-0B2A-1FA949A7CAC5}"/>
+              </a:ext>
+            </a:extLst>
+          </p:cNvPr>
+          <p:cNvPicPr>
+            <a:picLocks noChangeAspect="1"/>
+          </p:cNvPicPr>
+          <p:nvPr/>
+        </p:nvPicPr>
+        <p:blipFill rotWithShape="1">
+          <a:blip r:embed="rId3">
+            <a:extLst>
+              <a:ext uri="{28A0092B-C50C-407E-A947-70E740481C1C}">
+                <a14:useLocalDpi xmlns:a14="http://schemas.microsoft.com/office/drawing/2010/main" val="0"/>
+              </a:ext>
+            </a:extLst>
+          </a:blip>
+          <a:srcRect l="69227" t="33418" r="20112" b="50548"/>
+          <a:stretch/>
+        </p:blipFill>
+        <p:spPr>
+          <a:xfrm>
+            <a:off x="15579524" y="7544693"/>
+            <a:ext cx="2708477" cy="2987579"/>
+          </a:xfrm>
+          <a:prstGeom prst="rect">
+            <a:avLst/>
+          </a:prstGeom>
+        </p:spPr>
+      </p:pic>
+      <p:sp>
+        <p:nvSpPr>
+          <p:cNvPr id="3" name="TextBox 2">
+            <a:extLst>
+              <a:ext uri="{FF2B5EF4-FFF2-40B4-BE49-F238E27FC236}">
+                <a16:creationId xmlns:a16="http://schemas.microsoft.com/office/drawing/2014/main" id="{55EA10CA-C87C-C209-3194-790A4B27C309}"/>
+              </a:ext>
+            </a:extLst>
+          </p:cNvPr>
+          <p:cNvSpPr txBox="1"/>
+          <p:nvPr/>
+        </p:nvSpPr>
+        <p:spPr>
+          <a:xfrm>
+            <a:off x="260431" y="329879"/>
+            <a:ext cx="8906720" cy="8673656"/>
+          </a:xfrm>
+          <a:prstGeom prst="rect">
+            <a:avLst/>
+          </a:prstGeom>
+          <a:noFill/>
+        </p:spPr>
+        <p:txBody>
+          <a:bodyPr wrap="square" rtlCol="0">
+            <a:spAutoFit/>
+          </a:bodyPr>
+          <a:lstStyle/>
+          <a:p>
+            <a:r>
+              <a:rPr lang="en-US" sz="6000" b="1" dirty="0">
+                <a:solidFill>
+                  <a:srgbClr val="CF3338"/>
+                </a:solidFill>
+                <a:latin typeface="Pragmatica" panose="020B0403040502020204" pitchFamily="34" charset="0"/>
+              </a:rPr>
+              <a:t>Integrating AI into Excel with Analyze Data</a:t>
+            </a:r>
+          </a:p>
+          <a:p>
+            <a:endParaRPr lang="en-US" sz="4200" dirty="0">
+              <a:solidFill>
+                <a:srgbClr val="CF3338"/>
+              </a:solidFill>
+              <a:latin typeface="Pragmatica" panose="020B0403040502020204" pitchFamily="34" charset="0"/>
+            </a:endParaRPr>
+          </a:p>
+          <a:p>
+            <a:pPr marL="685800" indent="-542925">
+              <a:lnSpc>
+                <a:spcPct val="115000"/>
+              </a:lnSpc>
+              <a:spcBef>
+                <a:spcPts val="1125"/>
+              </a:spcBef>
+              <a:buClr>
+                <a:srgbClr val="C00000"/>
+              </a:buClr>
+              <a:buSzPts val="2100"/>
+              <a:buFont typeface="Arial"/>
+              <a:buAutoNum type="arabicPeriod"/>
+            </a:pPr>
+            <a:r>
+              <a:rPr lang="en-US" sz="3600" dirty="0">
+                <a:solidFill>
+                  <a:srgbClr val="C00000"/>
+                </a:solidFill>
+                <a:latin typeface="Pragmatica" panose="020B0403040502020204"/>
+                <a:sym typeface="Consolas"/>
+              </a:rPr>
+              <a:t>Structure the dataset correctly for AI analysis</a:t>
+            </a:r>
+          </a:p>
+          <a:p>
+            <a:pPr marL="685800" indent="-542925">
+              <a:lnSpc>
+                <a:spcPct val="115000"/>
+              </a:lnSpc>
+              <a:spcBef>
+                <a:spcPts val="1125"/>
+              </a:spcBef>
+              <a:buClr>
+                <a:srgbClr val="C00000"/>
+              </a:buClr>
+              <a:buSzPts val="2100"/>
+              <a:buFont typeface="Arial"/>
+              <a:buAutoNum type="arabicPeriod"/>
+            </a:pPr>
+            <a:r>
+              <a:rPr lang="en-US" sz="3600" dirty="0">
+                <a:solidFill>
+                  <a:srgbClr val="C00000"/>
+                </a:solidFill>
+                <a:latin typeface="Pragmatica" panose="020B0403040502020204"/>
+                <a:sym typeface="Consolas"/>
+              </a:rPr>
+              <a:t>Utilize natural language querying to explore data</a:t>
+            </a:r>
+          </a:p>
+          <a:p>
+            <a:pPr marL="685800" indent="-542925">
+              <a:lnSpc>
+                <a:spcPct val="115000"/>
+              </a:lnSpc>
+              <a:spcBef>
+                <a:spcPts val="1125"/>
+              </a:spcBef>
+              <a:buClr>
+                <a:srgbClr val="C00000"/>
+              </a:buClr>
+              <a:buSzPts val="2100"/>
+              <a:buFont typeface="Arial"/>
+              <a:buAutoNum type="arabicPeriod"/>
+            </a:pPr>
+            <a:r>
+              <a:rPr lang="en-US" sz="3600" dirty="0">
+                <a:solidFill>
+                  <a:srgbClr val="C00000"/>
+                </a:solidFill>
+                <a:latin typeface="Pragmatica" panose="020B0403040502020204"/>
+                <a:sym typeface="Consolas"/>
+              </a:rPr>
+              <a:t>Validate AI-generated insights for accuracy</a:t>
+            </a:r>
+          </a:p>
+          <a:p>
+            <a:pPr marL="142875">
+              <a:lnSpc>
+                <a:spcPct val="115000"/>
+              </a:lnSpc>
+              <a:spcBef>
+                <a:spcPts val="1125"/>
+              </a:spcBef>
+              <a:buClr>
+                <a:srgbClr val="C00000"/>
+              </a:buClr>
+              <a:buSzPts val="2100"/>
+            </a:pPr>
+            <a:endParaRPr lang="en-US" sz="3600" dirty="0">
+              <a:solidFill>
+                <a:srgbClr val="C00000"/>
+              </a:solidFill>
+              <a:latin typeface="Pragmatica" panose="020B0403040502020204"/>
+              <a:sym typeface="Consolas"/>
+            </a:endParaRPr>
+          </a:p>
+          <a:p>
+            <a:pPr marL="142875">
+              <a:lnSpc>
+                <a:spcPct val="115000"/>
+              </a:lnSpc>
+              <a:spcBef>
+                <a:spcPts val="1125"/>
+              </a:spcBef>
+              <a:buClr>
+                <a:srgbClr val="C00000"/>
+              </a:buClr>
+              <a:buSzPts val="2100"/>
+            </a:pPr>
+            <a:r>
+              <a:rPr lang="en-US" sz="3600" dirty="0">
+                <a:solidFill>
+                  <a:srgbClr val="C00000"/>
+                </a:solidFill>
+                <a:latin typeface="Pragmatica" panose="020B0403040502020204"/>
+                <a:sym typeface="Consolas"/>
+              </a:rPr>
+              <a:t>File: </a:t>
+            </a:r>
+            <a:r>
+              <a:rPr lang="en-US" sz="3600" dirty="0">
+                <a:solidFill>
+                  <a:srgbClr val="C00000"/>
+                </a:solidFill>
+                <a:latin typeface="Consolas" panose="020B0609020204030204" pitchFamily="49" charset="0"/>
+                <a:sym typeface="Consolas"/>
+              </a:rPr>
+              <a:t>analyze-data.xlsx</a:t>
+            </a:r>
+            <a:endParaRPr lang="en-US" sz="6000" dirty="0">
+              <a:solidFill>
+                <a:srgbClr val="CF3338"/>
+              </a:solidFill>
+              <a:latin typeface="Consolas" panose="020B0609020204030204" pitchFamily="49" charset="0"/>
+            </a:endParaRPr>
+          </a:p>
+          <a:p>
+            <a:endParaRPr lang="en-US" sz="6000" dirty="0">
+              <a:solidFill>
+                <a:srgbClr val="CF3338"/>
+              </a:solidFill>
+              <a:latin typeface="Pragmatica" panose="020B0403040502020204" pitchFamily="34" charset="0"/>
+            </a:endParaRPr>
+          </a:p>
+        </p:txBody>
+      </p:sp>
+    </p:spTree>
+    <p:extLst>
+      <p:ext uri="{BB962C8B-B14F-4D97-AF65-F5344CB8AC3E}">
+        <p14:creationId xmlns:p14="http://schemas.microsoft.com/office/powerpoint/2010/main" val="3334563807"/>
+      </p:ext>
+    </p:extLst>
+  </p:cSld>
+  <p:clrMapOvr>
+    <a:masterClrMapping/>
+  </p:clrMapOvr>
+</p:sld>
+</file>
+
+<file path=ppt/slides/slide25.xml><?xml version="1.0" encoding="utf-8"?>
+<p:sld xmlns:a="http://schemas.openxmlformats.org/drawingml/2006/main" xmlns:r="http://schemas.openxmlformats.org/officeDocument/2006/relationships" xmlns:p="http://schemas.openxmlformats.org/presentationml/2006/main">
+  <p:cSld>
+    <p:spTree>
+      <p:nvGrpSpPr>
+        <p:cNvPr id="1" name=""/>
+        <p:cNvGrpSpPr/>
+        <p:nvPr/>
+      </p:nvGrpSpPr>
+      <p:grpSpPr>
+        <a:xfrm>
+          <a:off x="0" y="0"/>
+          <a:ext cx="0" cy="0"/>
+          <a:chOff x="0" y="0"/>
+          <a:chExt cx="0" cy="0"/>
+        </a:xfrm>
+      </p:grpSpPr>
+      <p:sp>
+        <p:nvSpPr>
+          <p:cNvPr id="4" name="Rectangle 3"/>
+          <p:cNvSpPr/>
+          <p:nvPr/>
+        </p:nvSpPr>
+        <p:spPr>
+          <a:xfrm>
+            <a:off x="9861630" y="0"/>
+            <a:ext cx="8426370" cy="10287000"/>
+          </a:xfrm>
+          <a:prstGeom prst="rect">
+            <a:avLst/>
+          </a:prstGeom>
+          <a:solidFill>
+            <a:srgbClr val="CF3338"/>
+          </a:solidFill>
+          <a:ln>
+            <a:noFill/>
+          </a:ln>
+        </p:spPr>
+        <p:style>
+          <a:lnRef idx="2">
+            <a:schemeClr val="accent1">
+              <a:shade val="50000"/>
+            </a:schemeClr>
+          </a:lnRef>
+          <a:fillRef idx="1">
+            <a:schemeClr val="accent1"/>
+          </a:fillRef>
+          <a:effectRef idx="0">
+            <a:schemeClr val="accent1"/>
+          </a:effectRef>
+          <a:fontRef idx="minor">
+            <a:schemeClr val="lt1"/>
+          </a:fontRef>
+        </p:style>
+        <p:txBody>
+          <a:bodyPr rtlCol="0" anchor="ctr"/>
+          <a:lstStyle/>
+          <a:p>
+            <a:pPr algn="ctr"/>
+            <a:endParaRPr lang="en-US" sz="2700"/>
+          </a:p>
+        </p:txBody>
+      </p:sp>
+      <p:pic>
+        <p:nvPicPr>
+          <p:cNvPr id="2" name="Picture 1"/>
+          <p:cNvPicPr>
+            <a:picLocks noChangeAspect="1"/>
+          </p:cNvPicPr>
+          <p:nvPr/>
+        </p:nvPicPr>
+        <p:blipFill rotWithShape="1">
+          <a:blip r:embed="rId3">
+            <a:extLst>
+              <a:ext uri="{28A0092B-C50C-407E-A947-70E740481C1C}">
+                <a14:useLocalDpi xmlns:a14="http://schemas.microsoft.com/office/drawing/2010/main" val="0"/>
+              </a:ext>
+            </a:extLst>
+          </a:blip>
+          <a:srcRect l="69227" t="33418" r="20112" b="50548"/>
+          <a:stretch/>
+        </p:blipFill>
+        <p:spPr>
+          <a:xfrm>
+            <a:off x="15579524" y="7544693"/>
+            <a:ext cx="2708477" cy="2987579"/>
+          </a:xfrm>
+          <a:prstGeom prst="rect">
+            <a:avLst/>
+          </a:prstGeom>
+        </p:spPr>
+      </p:pic>
+      <p:sp>
+        <p:nvSpPr>
+          <p:cNvPr id="3" name="TextBox 2"/>
+          <p:cNvSpPr txBox="1"/>
+          <p:nvPr/>
+        </p:nvSpPr>
+        <p:spPr>
+          <a:xfrm>
+            <a:off x="260431" y="329879"/>
+            <a:ext cx="8906720" cy="9614299"/>
+          </a:xfrm>
+          <a:prstGeom prst="rect">
+            <a:avLst/>
+          </a:prstGeom>
+          <a:noFill/>
+        </p:spPr>
+        <p:txBody>
+          <a:bodyPr wrap="square" rtlCol="0">
+            <a:spAutoFit/>
+          </a:bodyPr>
+          <a:lstStyle/>
+          <a:p>
+            <a:r>
+              <a:rPr lang="en-US" sz="6000" b="1" dirty="0">
+                <a:solidFill>
+                  <a:srgbClr val="CF3338"/>
+                </a:solidFill>
+                <a:latin typeface="Pragmatica" panose="020B0403040502020204" pitchFamily="34" charset="0"/>
+              </a:rPr>
+              <a:t>Advanced AI apps &amp; troubleshooting EXERCISE</a:t>
+            </a:r>
+            <a:endParaRPr lang="en-US" sz="3600" dirty="0">
+              <a:solidFill>
+                <a:srgbClr val="C00000"/>
+              </a:solidFill>
+              <a:latin typeface="Pragmatica" panose="020B0403040502020204"/>
+              <a:sym typeface="Consolas"/>
+            </a:endParaRPr>
+          </a:p>
+          <a:p>
+            <a:pPr marL="714375" indent="-571500">
+              <a:lnSpc>
+                <a:spcPct val="115000"/>
+              </a:lnSpc>
+              <a:spcBef>
+                <a:spcPts val="1125"/>
+              </a:spcBef>
+              <a:buClr>
+                <a:srgbClr val="C00000"/>
+              </a:buClr>
+              <a:buSzPts val="2100"/>
+              <a:buFont typeface="Arial" panose="020B0604020202020204" pitchFamily="34" charset="0"/>
+              <a:buChar char="•"/>
+            </a:pPr>
+            <a:r>
+              <a:rPr lang="en-US" sz="3600" dirty="0">
+                <a:solidFill>
+                  <a:srgbClr val="C00000"/>
+                </a:solidFill>
+                <a:latin typeface="Pragmatica" panose="020B0403040502020204"/>
+                <a:sym typeface="Consolas"/>
+              </a:rPr>
+              <a:t>Confirm or correct the existing formula used to calculate total sales</a:t>
+            </a:r>
+          </a:p>
+          <a:p>
+            <a:pPr marL="714375" indent="-571500">
+              <a:lnSpc>
+                <a:spcPct val="115000"/>
+              </a:lnSpc>
+              <a:spcBef>
+                <a:spcPts val="1125"/>
+              </a:spcBef>
+              <a:buClr>
+                <a:srgbClr val="C00000"/>
+              </a:buClr>
+              <a:buSzPts val="2100"/>
+              <a:buFont typeface="Arial" panose="020B0604020202020204" pitchFamily="34" charset="0"/>
+              <a:buChar char="•"/>
+            </a:pPr>
+            <a:r>
+              <a:rPr lang="en-US" sz="3600" dirty="0">
+                <a:solidFill>
+                  <a:srgbClr val="C00000"/>
+                </a:solidFill>
+                <a:latin typeface="Pragmatica" panose="020B0403040502020204"/>
+                <a:sym typeface="Consolas"/>
+              </a:rPr>
+              <a:t>Leverage AI to develop or refine a formula for March 2024 total sales.</a:t>
+            </a:r>
+          </a:p>
+          <a:p>
+            <a:pPr marL="714375" indent="-571500">
+              <a:lnSpc>
+                <a:spcPct val="115000"/>
+              </a:lnSpc>
+              <a:spcBef>
+                <a:spcPts val="1125"/>
+              </a:spcBef>
+              <a:buClr>
+                <a:srgbClr val="C00000"/>
+              </a:buClr>
+              <a:buSzPts val="2100"/>
+              <a:buFont typeface="Arial" panose="020B0604020202020204" pitchFamily="34" charset="0"/>
+              <a:buChar char="•"/>
+            </a:pPr>
+            <a:r>
+              <a:rPr lang="en-US" sz="3600" dirty="0">
+                <a:solidFill>
+                  <a:srgbClr val="C00000"/>
+                </a:solidFill>
+                <a:latin typeface="Pragmatica" panose="020B0403040502020204"/>
+                <a:sym typeface="Consolas"/>
+              </a:rPr>
+              <a:t>Analyze sales data by visualizing monthly sales, assessing average discount rates by category, or breaking down sales by category…. or more!!!</a:t>
+            </a:r>
+          </a:p>
+          <a:p>
+            <a:pPr marL="142875">
+              <a:lnSpc>
+                <a:spcPct val="115000"/>
+              </a:lnSpc>
+              <a:spcBef>
+                <a:spcPts val="1125"/>
+              </a:spcBef>
+              <a:buClr>
+                <a:srgbClr val="C00000"/>
+              </a:buClr>
+              <a:buSzPts val="2100"/>
+            </a:pPr>
+            <a:endParaRPr lang="en-US" sz="3600" dirty="0">
+              <a:solidFill>
+                <a:srgbClr val="C00000"/>
+              </a:solidFill>
+              <a:latin typeface="Pragmatica" panose="020B0403040502020204"/>
+              <a:sym typeface="Consolas"/>
+            </a:endParaRPr>
+          </a:p>
+          <a:p>
+            <a:pPr marL="142875">
+              <a:lnSpc>
+                <a:spcPct val="115000"/>
+              </a:lnSpc>
+              <a:spcBef>
+                <a:spcPts val="1125"/>
+              </a:spcBef>
+              <a:buClr>
+                <a:srgbClr val="C00000"/>
+              </a:buClr>
+              <a:buSzPts val="2100"/>
+            </a:pPr>
+            <a:r>
+              <a:rPr lang="en-US" sz="3600" dirty="0">
+                <a:solidFill>
+                  <a:srgbClr val="C00000"/>
+                </a:solidFill>
+                <a:latin typeface="Pragmatica" panose="020B0403040502020204"/>
+                <a:sym typeface="Consolas"/>
+              </a:rPr>
+              <a:t>File: </a:t>
+            </a:r>
+            <a:r>
+              <a:rPr lang="en-US" sz="3600" dirty="0">
+                <a:solidFill>
+                  <a:srgbClr val="C00000"/>
+                </a:solidFill>
+                <a:latin typeface="Consolas" panose="020B0609020204030204" pitchFamily="49" charset="0"/>
+                <a:sym typeface="Consolas"/>
+              </a:rPr>
+              <a:t>advanced-apps-analysis-challenge.xlsx</a:t>
+            </a:r>
+            <a:endParaRPr lang="en-US" sz="6000" dirty="0">
+              <a:solidFill>
+                <a:srgbClr val="CF3338"/>
+              </a:solidFill>
+              <a:latin typeface="Pragmatica" panose="020B0403040502020204" pitchFamily="34" charset="0"/>
+            </a:endParaRPr>
+          </a:p>
+        </p:txBody>
+      </p:sp>
+    </p:spTree>
+    <p:extLst>
+      <p:ext uri="{BB962C8B-B14F-4D97-AF65-F5344CB8AC3E}">
+        <p14:creationId xmlns:p14="http://schemas.microsoft.com/office/powerpoint/2010/main" val="3601430795"/>
+      </p:ext>
+    </p:extLst>
+  </p:cSld>
+  <p:clrMapOvr>
+    <a:masterClrMapping/>
+  </p:clrMapOvr>
+</p:sld>
+</file>
+
+<file path=ppt/slides/slide26.xml><?xml version="1.0" encoding="utf-8"?>
+<p:sld xmlns:a="http://schemas.openxmlformats.org/drawingml/2006/main" xmlns:r="http://schemas.openxmlformats.org/officeDocument/2006/relationships" xmlns:p="http://schemas.openxmlformats.org/presentationml/2006/main">
+  <p:cSld>
+    <p:spTree>
+      <p:nvGrpSpPr>
+        <p:cNvPr id="1" name=""/>
+        <p:cNvGrpSpPr/>
+        <p:nvPr/>
+      </p:nvGrpSpPr>
+      <p:grpSpPr>
+        <a:xfrm>
+          <a:off x="0" y="0"/>
+          <a:ext cx="0" cy="0"/>
+          <a:chOff x="0" y="0"/>
+          <a:chExt cx="0" cy="0"/>
+        </a:xfrm>
+      </p:grpSpPr>
+      <p:pic>
+        <p:nvPicPr>
+          <p:cNvPr id="10" name="Picture 9"/>
+          <p:cNvPicPr>
+            <a:picLocks noChangeAspect="1"/>
+          </p:cNvPicPr>
+          <p:nvPr/>
+        </p:nvPicPr>
+        <p:blipFill rotWithShape="1">
+          <a:blip r:embed="rId2">
+            <a:extLst>
+              <a:ext uri="{28A0092B-C50C-407E-A947-70E740481C1C}">
+                <a14:useLocalDpi xmlns:a14="http://schemas.microsoft.com/office/drawing/2010/main" val="0"/>
+              </a:ext>
+            </a:extLst>
+          </a:blip>
+          <a:srcRect l="50728" t="56371"/>
+          <a:stretch/>
+        </p:blipFill>
+        <p:spPr>
+          <a:xfrm>
+            <a:off x="12204691" y="3316148"/>
+            <a:ext cx="6083309" cy="6970854"/>
+          </a:xfrm>
+          <a:prstGeom prst="rect">
+            <a:avLst/>
+          </a:prstGeom>
+        </p:spPr>
+      </p:pic>
+      <p:pic>
+        <p:nvPicPr>
+          <p:cNvPr id="4" name="Picture 3"/>
+          <p:cNvPicPr>
+            <a:picLocks noChangeAspect="1"/>
+          </p:cNvPicPr>
+          <p:nvPr/>
+        </p:nvPicPr>
+        <p:blipFill>
+          <a:blip r:embed="rId3">
+            <a:extLst>
+              <a:ext uri="{28A0092B-C50C-407E-A947-70E740481C1C}">
+                <a14:useLocalDpi xmlns:a14="http://schemas.microsoft.com/office/drawing/2010/main" val="0"/>
+              </a:ext>
+            </a:extLst>
+          </a:blip>
+          <a:stretch>
+            <a:fillRect/>
+          </a:stretch>
+        </p:blipFill>
+        <p:spPr>
+          <a:xfrm>
+            <a:off x="-807744" y="-3724155"/>
+            <a:ext cx="15257208" cy="11189825"/>
+          </a:xfrm>
+          <a:prstGeom prst="rect">
+            <a:avLst/>
+          </a:prstGeom>
+        </p:spPr>
+      </p:pic>
+      <p:sp>
+        <p:nvSpPr>
+          <p:cNvPr id="11" name="TextBox 10"/>
+          <p:cNvSpPr txBox="1"/>
+          <p:nvPr/>
+        </p:nvSpPr>
+        <p:spPr>
+          <a:xfrm>
+            <a:off x="486137" y="2531318"/>
+            <a:ext cx="11979797" cy="923330"/>
+          </a:xfrm>
+          <a:prstGeom prst="rect">
+            <a:avLst/>
+          </a:prstGeom>
+          <a:noFill/>
+        </p:spPr>
+        <p:txBody>
+          <a:bodyPr wrap="square" rtlCol="0">
+            <a:spAutoFit/>
+          </a:bodyPr>
+          <a:lstStyle/>
+          <a:p>
+            <a:r>
+              <a:rPr lang="en-US" sz="5400" b="1" dirty="0">
+                <a:solidFill>
+                  <a:srgbClr val="CF3338"/>
+                </a:solidFill>
+                <a:latin typeface="Pragmatica" panose="020B0403040502020204" pitchFamily="34" charset="0"/>
+              </a:rPr>
+              <a:t>Questions?</a:t>
+            </a:r>
+          </a:p>
+        </p:txBody>
+      </p:sp>
+      <p:pic>
+        <p:nvPicPr>
+          <p:cNvPr id="5" name="Picture 4">
+            <a:extLst>
+              <a:ext uri="{FF2B5EF4-FFF2-40B4-BE49-F238E27FC236}">
+                <a16:creationId xmlns:a16="http://schemas.microsoft.com/office/drawing/2014/main" id="{54A06221-5316-4BCF-9FDA-BDB95FF4A778}"/>
+              </a:ext>
+            </a:extLst>
+          </p:cNvPr>
+          <p:cNvPicPr>
+            <a:picLocks noChangeAspect="1"/>
+          </p:cNvPicPr>
+          <p:nvPr/>
+        </p:nvPicPr>
+        <p:blipFill>
+          <a:blip r:embed="rId4">
+            <a:extLst>
+              <a:ext uri="{28A0092B-C50C-407E-A947-70E740481C1C}">
+                <a14:useLocalDpi xmlns:a14="http://schemas.microsoft.com/office/drawing/2010/main" val="0"/>
+              </a:ext>
+            </a:extLst>
+          </a:blip>
+          <a:srcRect/>
+          <a:stretch/>
+        </p:blipFill>
+        <p:spPr>
+          <a:xfrm>
+            <a:off x="12204691" y="3317239"/>
+            <a:ext cx="6083309" cy="6968672"/>
+          </a:xfrm>
+          <a:prstGeom prst="rect">
+            <a:avLst/>
+          </a:prstGeom>
+        </p:spPr>
+      </p:pic>
+    </p:spTree>
+    <p:extLst>
+      <p:ext uri="{BB962C8B-B14F-4D97-AF65-F5344CB8AC3E}">
+        <p14:creationId xmlns:p14="http://schemas.microsoft.com/office/powerpoint/2010/main" val="3166451398"/>
+      </p:ext>
+    </p:extLst>
+  </p:cSld>
+  <p:clrMapOvr>
+    <a:masterClrMapping/>
+  </p:clrMapOvr>
+</p:sld>
+</file>
+
+<file path=ppt/slides/slide27.xml><?xml version="1.0" encoding="utf-8"?>
+<p:sld xmlns:a="http://schemas.openxmlformats.org/drawingml/2006/main" xmlns:r="http://schemas.openxmlformats.org/officeDocument/2006/relationships" xmlns:p="http://schemas.openxmlformats.org/presentationml/2006/main">
+  <p:cSld>
+    <p:spTree>
+      <p:nvGrpSpPr>
+        <p:cNvPr id="1" name="">
+          <a:extLst>
+            <a:ext uri="{FF2B5EF4-FFF2-40B4-BE49-F238E27FC236}">
+              <a16:creationId xmlns:a16="http://schemas.microsoft.com/office/drawing/2014/main" id="{EDC1AFB0-C56F-D62F-14A8-F33BEFF463E9}"/>
+            </a:ext>
+          </a:extLst>
+        </p:cNvPr>
+        <p:cNvGrpSpPr/>
+        <p:nvPr/>
+      </p:nvGrpSpPr>
+      <p:grpSpPr>
+        <a:xfrm>
+          <a:off x="0" y="0"/>
+          <a:ext cx="0" cy="0"/>
+          <a:chOff x="0" y="0"/>
+          <a:chExt cx="0" cy="0"/>
+        </a:xfrm>
+      </p:grpSpPr>
+      <p:pic>
+        <p:nvPicPr>
+          <p:cNvPr id="10" name="Picture 9">
+            <a:extLst>
+              <a:ext uri="{FF2B5EF4-FFF2-40B4-BE49-F238E27FC236}">
+                <a16:creationId xmlns:a16="http://schemas.microsoft.com/office/drawing/2014/main" id="{811709C6-2AB2-11C9-7706-1E777C8188E3}"/>
+              </a:ext>
+            </a:extLst>
+          </p:cNvPr>
+          <p:cNvPicPr>
+            <a:picLocks noChangeAspect="1"/>
+          </p:cNvPicPr>
+          <p:nvPr/>
+        </p:nvPicPr>
+        <p:blipFill rotWithShape="1">
+          <a:blip r:embed="rId2">
+            <a:extLst>
+              <a:ext uri="{28A0092B-C50C-407E-A947-70E740481C1C}">
+                <a14:useLocalDpi xmlns:a14="http://schemas.microsoft.com/office/drawing/2010/main" val="0"/>
+              </a:ext>
+            </a:extLst>
+          </a:blip>
+          <a:srcRect l="50728" t="56371"/>
+          <a:stretch/>
+        </p:blipFill>
+        <p:spPr>
+          <a:xfrm>
+            <a:off x="12204691" y="3316148"/>
+            <a:ext cx="6083309" cy="6970854"/>
+          </a:xfrm>
+          <a:prstGeom prst="rect">
+            <a:avLst/>
+          </a:prstGeom>
+        </p:spPr>
+      </p:pic>
+      <p:pic>
+        <p:nvPicPr>
+          <p:cNvPr id="4" name="Picture 3">
+            <a:extLst>
+              <a:ext uri="{FF2B5EF4-FFF2-40B4-BE49-F238E27FC236}">
+                <a16:creationId xmlns:a16="http://schemas.microsoft.com/office/drawing/2014/main" id="{AE251979-A875-B4F6-44AF-C22ED2D4037E}"/>
+              </a:ext>
+            </a:extLst>
+          </p:cNvPr>
+          <p:cNvPicPr>
+            <a:picLocks noChangeAspect="1"/>
+          </p:cNvPicPr>
+          <p:nvPr/>
+        </p:nvPicPr>
+        <p:blipFill>
+          <a:blip r:embed="rId3">
+            <a:extLst>
+              <a:ext uri="{28A0092B-C50C-407E-A947-70E740481C1C}">
+                <a14:useLocalDpi xmlns:a14="http://schemas.microsoft.com/office/drawing/2010/main" val="0"/>
+              </a:ext>
+            </a:extLst>
+          </a:blip>
+          <a:stretch>
+            <a:fillRect/>
+          </a:stretch>
+        </p:blipFill>
+        <p:spPr>
+          <a:xfrm>
+            <a:off x="-807744" y="-3724155"/>
+            <a:ext cx="15257208" cy="11189825"/>
+          </a:xfrm>
+          <a:prstGeom prst="rect">
+            <a:avLst/>
+          </a:prstGeom>
+        </p:spPr>
+      </p:pic>
+      <p:sp>
+        <p:nvSpPr>
+          <p:cNvPr id="11" name="TextBox 10">
+            <a:extLst>
+              <a:ext uri="{FF2B5EF4-FFF2-40B4-BE49-F238E27FC236}">
+                <a16:creationId xmlns:a16="http://schemas.microsoft.com/office/drawing/2014/main" id="{F9AABDF8-0B5F-FB07-E49B-5B114D082EA9}"/>
+              </a:ext>
+            </a:extLst>
+          </p:cNvPr>
+          <p:cNvSpPr txBox="1"/>
+          <p:nvPr/>
+        </p:nvSpPr>
+        <p:spPr>
+          <a:xfrm>
+            <a:off x="486137" y="2531318"/>
+            <a:ext cx="11979797" cy="923330"/>
+          </a:xfrm>
+          <a:prstGeom prst="rect">
+            <a:avLst/>
+          </a:prstGeom>
+          <a:noFill/>
+        </p:spPr>
+        <p:txBody>
+          <a:bodyPr wrap="square" rtlCol="0">
+            <a:spAutoFit/>
+          </a:bodyPr>
+          <a:lstStyle/>
+          <a:p>
+            <a:r>
+              <a:rPr lang="en-US" sz="5400" b="1" dirty="0">
+                <a:solidFill>
+                  <a:srgbClr val="CF3338"/>
+                </a:solidFill>
+                <a:latin typeface="Pragmatica" panose="020B0403040502020204" pitchFamily="34" charset="0"/>
+              </a:rPr>
+              <a:t>THANK YOU</a:t>
+            </a:r>
+          </a:p>
+        </p:txBody>
+      </p:sp>
+      <p:pic>
+        <p:nvPicPr>
+          <p:cNvPr id="5" name="Picture 4">
+            <a:extLst>
+              <a:ext uri="{FF2B5EF4-FFF2-40B4-BE49-F238E27FC236}">
+                <a16:creationId xmlns:a16="http://schemas.microsoft.com/office/drawing/2014/main" id="{472AE35B-57A8-E834-2371-E6A10EEB48B2}"/>
+              </a:ext>
+            </a:extLst>
+          </p:cNvPr>
+          <p:cNvPicPr>
+            <a:picLocks noChangeAspect="1"/>
+          </p:cNvPicPr>
+          <p:nvPr/>
+        </p:nvPicPr>
+        <p:blipFill>
+          <a:blip r:embed="rId4">
+            <a:extLst>
+              <a:ext uri="{28A0092B-C50C-407E-A947-70E740481C1C}">
+                <a14:useLocalDpi xmlns:a14="http://schemas.microsoft.com/office/drawing/2010/main" val="0"/>
+              </a:ext>
+            </a:extLst>
+          </a:blip>
+          <a:srcRect/>
+          <a:stretch/>
+        </p:blipFill>
+        <p:spPr>
+          <a:xfrm>
+            <a:off x="12204691" y="3317239"/>
+            <a:ext cx="6083309" cy="6968672"/>
+          </a:xfrm>
+          <a:prstGeom prst="rect">
+            <a:avLst/>
+          </a:prstGeom>
+        </p:spPr>
+      </p:pic>
+    </p:spTree>
+    <p:extLst>
+      <p:ext uri="{BB962C8B-B14F-4D97-AF65-F5344CB8AC3E}">
+        <p14:creationId xmlns:p14="http://schemas.microsoft.com/office/powerpoint/2010/main" val="1339720629"/>
       </p:ext>
     </p:extLst>
   </p:cSld>

--- a/enhancing-excel-free-generative-ai.pptx
+++ b/enhancing-excel-free-generative-ai.pptx
@@ -261,7 +261,7 @@
           <a:p>
             <a:fld id="{17A98A70-FA8C-4354-959C-C70678AC9BCF}" type="datetimeFigureOut">
               <a:rPr lang="en-US" smtClean="0"/>
-              <a:t>12/17/2024</a:t>
+              <a:t>1/8/2025</a:t>
             </a:fld>
             <a:endParaRPr lang="en-US"/>
           </a:p>
@@ -2628,7 +2628,7 @@
             <a:fld id="{1D8BD707-D9CF-40AE-B4C6-C98DA3205C09}" type="datetimeFigureOut">
               <a:rPr lang="en-US" smtClean="0"/>
               <a:pPr/>
-              <a:t>12/17/2024</a:t>
+              <a:t>1/8/2025</a:t>
             </a:fld>
             <a:endParaRPr lang="en-US"/>
           </a:p>
@@ -2793,7 +2793,7 @@
             <a:fld id="{1D8BD707-D9CF-40AE-B4C6-C98DA3205C09}" type="datetimeFigureOut">
               <a:rPr lang="en-US" smtClean="0"/>
               <a:pPr/>
-              <a:t>12/17/2024</a:t>
+              <a:t>1/8/2025</a:t>
             </a:fld>
             <a:endParaRPr lang="en-US"/>
           </a:p>
@@ -2968,7 +2968,7 @@
             <a:fld id="{1D8BD707-D9CF-40AE-B4C6-C98DA3205C09}" type="datetimeFigureOut">
               <a:rPr lang="en-US" smtClean="0"/>
               <a:pPr/>
-              <a:t>12/17/2024</a:t>
+              <a:t>1/8/2025</a:t>
             </a:fld>
             <a:endParaRPr lang="en-US"/>
           </a:p>
@@ -3133,7 +3133,7 @@
             <a:fld id="{1D8BD707-D9CF-40AE-B4C6-C98DA3205C09}" type="datetimeFigureOut">
               <a:rPr lang="en-US" smtClean="0"/>
               <a:pPr/>
-              <a:t>12/17/2024</a:t>
+              <a:t>1/8/2025</a:t>
             </a:fld>
             <a:endParaRPr lang="en-US"/>
           </a:p>
@@ -3375,7 +3375,7 @@
             <a:fld id="{1D8BD707-D9CF-40AE-B4C6-C98DA3205C09}" type="datetimeFigureOut">
               <a:rPr lang="en-US" smtClean="0"/>
               <a:pPr/>
-              <a:t>12/17/2024</a:t>
+              <a:t>1/8/2025</a:t>
             </a:fld>
             <a:endParaRPr lang="en-US"/>
           </a:p>
@@ -3657,7 +3657,7 @@
             <a:fld id="{1D8BD707-D9CF-40AE-B4C6-C98DA3205C09}" type="datetimeFigureOut">
               <a:rPr lang="en-US" smtClean="0"/>
               <a:pPr/>
-              <a:t>12/17/2024</a:t>
+              <a:t>1/8/2025</a:t>
             </a:fld>
             <a:endParaRPr lang="en-US"/>
           </a:p>
@@ -4073,7 +4073,7 @@
             <a:fld id="{1D8BD707-D9CF-40AE-B4C6-C98DA3205C09}" type="datetimeFigureOut">
               <a:rPr lang="en-US" smtClean="0"/>
               <a:pPr/>
-              <a:t>12/17/2024</a:t>
+              <a:t>1/8/2025</a:t>
             </a:fld>
             <a:endParaRPr lang="en-US"/>
           </a:p>
@@ -4187,7 +4187,7 @@
             <a:fld id="{1D8BD707-D9CF-40AE-B4C6-C98DA3205C09}" type="datetimeFigureOut">
               <a:rPr lang="en-US" smtClean="0"/>
               <a:pPr/>
-              <a:t>12/17/2024</a:t>
+              <a:t>1/8/2025</a:t>
             </a:fld>
             <a:endParaRPr lang="en-US"/>
           </a:p>
@@ -4279,7 +4279,7 @@
             <a:fld id="{1D8BD707-D9CF-40AE-B4C6-C98DA3205C09}" type="datetimeFigureOut">
               <a:rPr lang="en-US" smtClean="0"/>
               <a:pPr/>
-              <a:t>12/17/2024</a:t>
+              <a:t>1/8/2025</a:t>
             </a:fld>
             <a:endParaRPr lang="en-US"/>
           </a:p>
@@ -4551,7 +4551,7 @@
             <a:fld id="{1D8BD707-D9CF-40AE-B4C6-C98DA3205C09}" type="datetimeFigureOut">
               <a:rPr lang="en-US" smtClean="0"/>
               <a:pPr/>
-              <a:t>12/17/2024</a:t>
+              <a:t>1/8/2025</a:t>
             </a:fld>
             <a:endParaRPr lang="en-US"/>
           </a:p>
@@ -4800,7 +4800,7 @@
             <a:fld id="{1D8BD707-D9CF-40AE-B4C6-C98DA3205C09}" type="datetimeFigureOut">
               <a:rPr lang="en-US" smtClean="0"/>
               <a:pPr/>
-              <a:t>12/17/2024</a:t>
+              <a:t>1/8/2025</a:t>
             </a:fld>
             <a:endParaRPr lang="en-US"/>
           </a:p>
@@ -5013,7 +5013,7 @@
             <a:fld id="{1D8BD707-D9CF-40AE-B4C6-C98DA3205C09}" type="datetimeFigureOut">
               <a:rPr lang="en-US" smtClean="0"/>
               <a:pPr/>
-              <a:t>12/17/2024</a:t>
+              <a:t>1/8/2025</a:t>
             </a:fld>
             <a:endParaRPr lang="en-US"/>
           </a:p>
@@ -10365,8 +10365,8 @@
         </p:nvSpPr>
         <p:spPr>
           <a:xfrm>
-            <a:off x="520861" y="3191948"/>
-            <a:ext cx="14393120" cy="3323987"/>
+            <a:off x="381000" y="3162300"/>
+            <a:ext cx="14393120" cy="2677656"/>
           </a:xfrm>
           <a:prstGeom prst="rect">
             <a:avLst/>
@@ -10393,7 +10393,7 @@
                 </a:solidFill>
                 <a:latin typeface="Pragmatica" panose="020B0403040502020204" pitchFamily="34" charset="0"/>
               </a:rPr>
-              <a:t>Classify AI tools in Excel for data analysis</a:t>
+              <a:t>Power Query to prepare datasets for AI</a:t>
             </a:r>
           </a:p>
           <a:p>
@@ -10411,7 +10411,7 @@
                 </a:solidFill>
                 <a:latin typeface="Pragmatica" panose="020B0403040502020204" pitchFamily="34" charset="0"/>
               </a:rPr>
-              <a:t>Use Power Query to prepare datasets for AI</a:t>
+              <a:t>Construct effective AI prompts for Excel tasks</a:t>
             </a:r>
           </a:p>
           <a:p>
@@ -10429,25 +10429,7 @@
                 </a:solidFill>
                 <a:latin typeface="Pragmatica" panose="020B0403040502020204" pitchFamily="34" charset="0"/>
               </a:rPr>
-              <a:t>Construct effective AI prompts for Excel tasks</a:t>
-            </a:r>
-          </a:p>
-          <a:p>
-            <a:pPr marL="685800" indent="-685800">
-              <a:buClr>
-                <a:srgbClr val="CF3338"/>
-              </a:buClr>
-              <a:buFont typeface="Arial" panose="020B0604020202020204" pitchFamily="34" charset="0"/>
-              <a:buChar char="•"/>
-            </a:pPr>
-            <a:r>
-              <a:rPr lang="en-US" sz="4200" dirty="0">
-                <a:solidFill>
-                  <a:srgbClr val="707070"/>
-                </a:solidFill>
-                <a:latin typeface="Pragmatica" panose="020B0403040502020204" pitchFamily="34" charset="0"/>
-              </a:rPr>
-              <a:t>Distinguish AI from traditional Excel functions</a:t>
+              <a:t>Overview of using free external generative AI tools safely</a:t>
             </a:r>
           </a:p>
           <a:p>
